--- a/StringCalculator/doc/Coding-Dojo-2015-02-18.pptx
+++ b/StringCalculator/doc/Coding-Dojo-2015-02-18.pptx
@@ -7,14 +7,15 @@
   <p:sldIdLst>
     <p:sldId id="259" r:id="rId2"/>
     <p:sldId id="266" r:id="rId3"/>
-    <p:sldId id="267" r:id="rId4"/>
-    <p:sldId id="258" r:id="rId5"/>
-    <p:sldId id="260" r:id="rId6"/>
-    <p:sldId id="261" r:id="rId7"/>
-    <p:sldId id="262" r:id="rId8"/>
-    <p:sldId id="263" r:id="rId9"/>
-    <p:sldId id="265" r:id="rId10"/>
-    <p:sldId id="264" r:id="rId11"/>
+    <p:sldId id="268" r:id="rId4"/>
+    <p:sldId id="267" r:id="rId5"/>
+    <p:sldId id="258" r:id="rId6"/>
+    <p:sldId id="260" r:id="rId7"/>
+    <p:sldId id="261" r:id="rId8"/>
+    <p:sldId id="262" r:id="rId9"/>
+    <p:sldId id="263" r:id="rId10"/>
+    <p:sldId id="265" r:id="rId11"/>
+    <p:sldId id="264" r:id="rId12"/>
   </p:sldIdLst>
   <p:sldSz cx="9144000" cy="6858000" type="screen4x3"/>
   <p:notesSz cx="6858000" cy="9144000"/>
@@ -3094,11 +3095,7 @@
           <a:p>
             <a:r>
               <a:rPr lang="de-DE" sz="2800" dirty="0" smtClean="0"/>
-              <a:t>Programmstruktur als Klassendiagramm </a:t>
-            </a:r>
-            <a:r>
-              <a:rPr lang="de-DE" sz="2800" dirty="0" smtClean="0"/>
-              <a:t>in </a:t>
+              <a:t>Programmstruktur als Klassendiagramm in </a:t>
             </a:r>
             <a:r>
               <a:rPr lang="de-DE" sz="2800" dirty="0" err="1" smtClean="0">
@@ -3125,11 +3122,7 @@
             </a:r>
             <a:r>
               <a:rPr lang="de-DE" sz="2800" dirty="0" smtClean="0"/>
-              <a:t> </a:t>
-            </a:r>
-            <a:r>
-              <a:rPr lang="de-DE" sz="2800" dirty="0" smtClean="0"/>
-              <a:t>Aktualisierung des Diagramms</a:t>
+              <a:t> Aktualisierung des Diagramms</a:t>
             </a:r>
           </a:p>
           <a:p>
@@ -3143,13 +3136,8 @@
             </a:r>
             <a:r>
               <a:rPr lang="de-DE" sz="2800" dirty="0" smtClean="0"/>
-              <a:t> </a:t>
-            </a:r>
-            <a:r>
-              <a:rPr lang="de-DE" sz="2800" dirty="0" smtClean="0"/>
-              <a:t>als Bibliotheken einsetzen</a:t>
-            </a:r>
-            <a:endParaRPr lang="de-DE" sz="2800" dirty="0" smtClean="0"/>
+              <a:t> als Bibliotheken einsetzen</a:t>
+            </a:r>
           </a:p>
           <a:p>
             <a:endParaRPr lang="de-DE" sz="2800" dirty="0" smtClean="0"/>
@@ -3164,11 +3152,7 @@
             </a:r>
             <a:r>
               <a:rPr lang="de-DE" sz="2800" dirty="0" smtClean="0"/>
-              <a:t>: </a:t>
-            </a:r>
-            <a:r>
-              <a:rPr lang="de-DE" sz="2800" dirty="0" smtClean="0"/>
-              <a:t>Programmierstil, insb. </a:t>
+              <a:t>: Programmierstil, insb. </a:t>
             </a:r>
             <a:r>
               <a:rPr lang="de-DE" sz="2800" dirty="0" smtClean="0">
@@ -3218,15 +3202,7 @@
             </a:br>
             <a:r>
               <a:rPr lang="de-DE" sz="2800" dirty="0" smtClean="0"/>
-              <a:t>Alle anderen Themen werden </a:t>
-            </a:r>
-            <a:r>
-              <a:rPr lang="de-DE" sz="2800" dirty="0" smtClean="0"/>
-              <a:t>(heute) nicht </a:t>
-            </a:r>
-            <a:r>
-              <a:rPr lang="de-DE" sz="2800" dirty="0" smtClean="0"/>
-              <a:t>diskutiert.</a:t>
+              <a:t>Alle anderen Themen werden (heute) nicht diskutiert.</a:t>
             </a:r>
             <a:endParaRPr lang="de-DE" sz="2800" dirty="0"/>
           </a:p>
@@ -3287,6 +3263,144 @@
           <a:lstStyle/>
           <a:p>
             <a:r>
+              <a:rPr lang="de-DE" dirty="0" smtClean="0"/>
+              <a:t>Aufgabe: Taschenrechner</a:t>
+            </a:r>
+            <a:endParaRPr lang="de-DE" dirty="0"/>
+          </a:p>
+        </p:txBody>
+      </p:sp>
+      <p:sp>
+        <p:nvSpPr>
+          <p:cNvPr id="3" name="Inhaltsplatzhalter 2"/>
+          <p:cNvSpPr>
+            <a:spLocks noGrp="1"/>
+          </p:cNvSpPr>
+          <p:nvPr>
+            <p:ph idx="1"/>
+          </p:nvPr>
+        </p:nvSpPr>
+        <p:spPr/>
+        <p:txBody>
+          <a:bodyPr>
+            <a:normAutofit/>
+          </a:bodyPr>
+          <a:lstStyle/>
+          <a:p>
+            <a:pPr marL="0" indent="0">
+              <a:buNone/>
+            </a:pPr>
+            <a:r>
+              <a:rPr lang="de-DE" dirty="0" smtClean="0"/>
+              <a:t>Zusätzliche Anforderung:</a:t>
+            </a:r>
+          </a:p>
+          <a:p>
+            <a:pPr marL="0" indent="0">
+              <a:buNone/>
+            </a:pPr>
+            <a:r>
+              <a:rPr lang="de-DE" dirty="0"/>
+              <a:t>6</a:t>
+            </a:r>
+            <a:r>
+              <a:rPr lang="de-DE" dirty="0" smtClean="0"/>
+              <a:t>. Eine </a:t>
+            </a:r>
+            <a:r>
+              <a:rPr lang="de-DE" dirty="0" err="1" smtClean="0"/>
+              <a:t>multiply</a:t>
+            </a:r>
+            <a:r>
+              <a:rPr lang="de-DE" dirty="0" smtClean="0"/>
+              <a:t>-Methode zur Multiplikation von Zahlen soll ergänzt werden.</a:t>
+            </a:r>
+          </a:p>
+          <a:p>
+            <a:pPr lvl="1"/>
+            <a:r>
+              <a:rPr lang="de-DE" dirty="0" smtClean="0"/>
+              <a:t>Die zu verwendende Operation soll per optionaler Zeile angegeben werden:</a:t>
+            </a:r>
+            <a:br>
+              <a:rPr lang="de-DE" dirty="0" smtClean="0"/>
+            </a:br>
+            <a:r>
+              <a:rPr lang="de-DE" dirty="0" smtClean="0"/>
+              <a:t>„+\n5,3“ kennzeichnet die Operation 5 + 3</a:t>
+            </a:r>
+            <a:br>
+              <a:rPr lang="de-DE" dirty="0" smtClean="0"/>
+            </a:br>
+            <a:r>
+              <a:rPr lang="de-DE" dirty="0" smtClean="0"/>
+              <a:t>„*\n5,3“ kennzeichnet die Operation 5 * 3</a:t>
+            </a:r>
+          </a:p>
+          <a:p>
+            <a:pPr lvl="1"/>
+            <a:r>
+              <a:rPr lang="de-DE" dirty="0" smtClean="0"/>
+              <a:t>Wird nichts explizit angegeben, wird von einer Addition ausgegangen.</a:t>
+            </a:r>
+          </a:p>
+        </p:txBody>
+      </p:sp>
+    </p:spTree>
+    <p:extLst>
+      <p:ext uri="{BB962C8B-B14F-4D97-AF65-F5344CB8AC3E}">
+        <p14:creationId xmlns:p14="http://schemas.microsoft.com/office/powerpoint/2010/main" val="3003817183"/>
+      </p:ext>
+    </p:extLst>
+  </p:cSld>
+  <p:clrMapOvr>
+    <a:masterClrMapping/>
+  </p:clrMapOvr>
+  <p:timing>
+    <p:tnLst>
+      <p:par>
+        <p:cTn id="1" dur="indefinite" restart="never" nodeType="tmRoot"/>
+      </p:par>
+    </p:tnLst>
+  </p:timing>
+</p:sld>
+</file>
+
+<file path=ppt/slides/slide11.xml><?xml version="1.0" encoding="utf-8"?>
+<p:sld xmlns:a="http://schemas.openxmlformats.org/drawingml/2006/main" xmlns:r="http://schemas.openxmlformats.org/officeDocument/2006/relationships" xmlns:p="http://schemas.openxmlformats.org/presentationml/2006/main">
+  <p:cSld>
+    <p:spTree>
+      <p:nvGrpSpPr>
+        <p:cNvPr id="1" name=""/>
+        <p:cNvGrpSpPr/>
+        <p:nvPr/>
+      </p:nvGrpSpPr>
+      <p:grpSpPr>
+        <a:xfrm>
+          <a:off x="0" y="0"/>
+          <a:ext cx="0" cy="0"/>
+          <a:chOff x="0" y="0"/>
+          <a:chExt cx="0" cy="0"/>
+        </a:xfrm>
+      </p:grpSpPr>
+      <p:sp>
+        <p:nvSpPr>
+          <p:cNvPr id="2" name="Titel 1"/>
+          <p:cNvSpPr>
+            <a:spLocks noGrp="1"/>
+          </p:cNvSpPr>
+          <p:nvPr>
+            <p:ph type="title"/>
+          </p:nvPr>
+        </p:nvSpPr>
+        <p:spPr/>
+        <p:txBody>
+          <a:bodyPr>
+            <a:normAutofit fontScale="90000"/>
+          </a:bodyPr>
+          <a:lstStyle/>
+          <a:p>
+            <a:r>
               <a:rPr lang="de-DE" dirty="0"/>
               <a:t>Retrospektive</a:t>
             </a:r>
@@ -3814,79 +3928,13 @@
           <a:p>
             <a:r>
               <a:rPr lang="de-DE" sz="2800" dirty="0" smtClean="0"/>
-              <a:t>Weitere Lösungen zum Vergleich</a:t>
-            </a:r>
-          </a:p>
-          <a:p>
-            <a:pPr marL="0" indent="0">
-              <a:buNone/>
-            </a:pPr>
-            <a:endParaRPr lang="de-DE" sz="2800" dirty="0"/>
-          </a:p>
-          <a:p>
-            <a:pPr marL="0" indent="0">
-              <a:buNone/>
-            </a:pPr>
-            <a:r>
-              <a:rPr lang="de-DE" sz="2800" b="1" dirty="0" smtClean="0"/>
-              <a:t>Nächste Schritte:</a:t>
-            </a:r>
-          </a:p>
-          <a:p>
-            <a:pPr marL="514350" indent="-514350">
-              <a:buFont typeface="+mj-lt"/>
-              <a:buAutoNum type="arabicPeriod"/>
-            </a:pPr>
+              <a:t>Weitere Lösungen zum </a:t>
+            </a:r>
             <a:r>
               <a:rPr lang="de-DE" sz="2800" dirty="0" smtClean="0"/>
-              <a:t>Bad </a:t>
-            </a:r>
-            <a:r>
-              <a:rPr lang="de-DE" sz="2800" dirty="0" err="1" smtClean="0"/>
-              <a:t>Smells</a:t>
-            </a:r>
-            <a:r>
-              <a:rPr lang="de-DE" sz="2800" dirty="0" smtClean="0"/>
-              <a:t> kennen lernen</a:t>
-            </a:r>
-          </a:p>
-          <a:p>
-            <a:pPr marL="514350" indent="-514350">
-              <a:buFont typeface="+mj-lt"/>
-              <a:buAutoNum type="arabicPeriod"/>
-            </a:pPr>
-            <a:r>
-              <a:rPr lang="de-DE" sz="2800" dirty="0" smtClean="0"/>
-              <a:t>Gemeinsames </a:t>
-            </a:r>
-            <a:r>
-              <a:rPr lang="de-DE" sz="2800" dirty="0" err="1" smtClean="0"/>
-              <a:t>Refactoring</a:t>
+              <a:t>Vergleich</a:t>
             </a:r>
             <a:endParaRPr lang="de-DE" sz="2800" dirty="0" smtClean="0"/>
-          </a:p>
-          <a:p>
-            <a:pPr marL="514350" indent="-514350">
-              <a:buFont typeface="+mj-lt"/>
-              <a:buAutoNum type="arabicPeriod"/>
-            </a:pPr>
-            <a:r>
-              <a:rPr lang="de-DE" sz="2800" dirty="0" smtClean="0"/>
-              <a:t>Vergleich fertiger Lösungen miteinander</a:t>
-            </a:r>
-          </a:p>
-          <a:p>
-            <a:pPr marL="514350" indent="-514350">
-              <a:buFont typeface="+mj-lt"/>
-              <a:buAutoNum type="arabicPeriod"/>
-            </a:pPr>
-            <a:r>
-              <a:rPr lang="de-DE" sz="2800" dirty="0" smtClean="0"/>
-              <a:t>Ausblick und Retrospektive</a:t>
-            </a:r>
-          </a:p>
-          <a:p>
-            <a:endParaRPr lang="de-DE" sz="2800" dirty="0"/>
           </a:p>
         </p:txBody>
       </p:sp>
@@ -3946,6 +3994,178 @@
           <a:p>
             <a:r>
               <a:rPr lang="de-DE" dirty="0" smtClean="0"/>
+              <a:t>Aktueller Stand &amp; nächste Schritte</a:t>
+            </a:r>
+            <a:endParaRPr lang="de-DE" dirty="0"/>
+          </a:p>
+        </p:txBody>
+      </p:sp>
+      <p:sp>
+        <p:nvSpPr>
+          <p:cNvPr id="3" name="Inhaltsplatzhalter 2"/>
+          <p:cNvSpPr>
+            <a:spLocks noGrp="1"/>
+          </p:cNvSpPr>
+          <p:nvPr>
+            <p:ph idx="1"/>
+          </p:nvPr>
+        </p:nvSpPr>
+        <p:spPr/>
+        <p:txBody>
+          <a:bodyPr>
+            <a:normAutofit/>
+          </a:bodyPr>
+          <a:lstStyle/>
+          <a:p>
+            <a:pPr marL="0" indent="0">
+              <a:buNone/>
+            </a:pPr>
+            <a:r>
+              <a:rPr lang="de-DE" sz="2800" b="1" dirty="0" smtClean="0"/>
+              <a:t>Stand:</a:t>
+            </a:r>
+          </a:p>
+          <a:p>
+            <a:r>
+              <a:rPr lang="de-DE" sz="2800" dirty="0" smtClean="0"/>
+              <a:t>Eine kompilierbare Lösung (Parser &amp; Rechner getrennt)</a:t>
+            </a:r>
+          </a:p>
+          <a:p>
+            <a:r>
+              <a:rPr lang="de-DE" sz="2800" dirty="0" smtClean="0"/>
+              <a:t>Weitere Lösungen zum Vergleich</a:t>
+            </a:r>
+          </a:p>
+          <a:p>
+            <a:pPr marL="0" indent="0">
+              <a:buNone/>
+            </a:pPr>
+            <a:endParaRPr lang="de-DE" sz="2800" dirty="0"/>
+          </a:p>
+          <a:p>
+            <a:pPr marL="0" indent="0">
+              <a:buNone/>
+            </a:pPr>
+            <a:r>
+              <a:rPr lang="de-DE" sz="2800" b="1" dirty="0" smtClean="0"/>
+              <a:t>Nächste Schritte:</a:t>
+            </a:r>
+          </a:p>
+          <a:p>
+            <a:pPr marL="514350" indent="-514350">
+              <a:buFont typeface="+mj-lt"/>
+              <a:buAutoNum type="arabicPeriod"/>
+            </a:pPr>
+            <a:r>
+              <a:rPr lang="de-DE" sz="2800" dirty="0" smtClean="0"/>
+              <a:t>Bad </a:t>
+            </a:r>
+            <a:r>
+              <a:rPr lang="de-DE" sz="2800" dirty="0" err="1" smtClean="0"/>
+              <a:t>Smells</a:t>
+            </a:r>
+            <a:r>
+              <a:rPr lang="de-DE" sz="2800" dirty="0" smtClean="0"/>
+              <a:t> kennen lernen</a:t>
+            </a:r>
+          </a:p>
+          <a:p>
+            <a:pPr marL="514350" indent="-514350">
+              <a:buFont typeface="+mj-lt"/>
+              <a:buAutoNum type="arabicPeriod"/>
+            </a:pPr>
+            <a:r>
+              <a:rPr lang="de-DE" sz="2800" dirty="0" smtClean="0"/>
+              <a:t>Gemeinsames </a:t>
+            </a:r>
+            <a:r>
+              <a:rPr lang="de-DE" sz="2800" dirty="0" err="1" smtClean="0"/>
+              <a:t>Refactoring</a:t>
+            </a:r>
+            <a:endParaRPr lang="de-DE" sz="2800" dirty="0" smtClean="0"/>
+          </a:p>
+          <a:p>
+            <a:pPr marL="514350" indent="-514350">
+              <a:buFont typeface="+mj-lt"/>
+              <a:buAutoNum type="arabicPeriod"/>
+            </a:pPr>
+            <a:r>
+              <a:rPr lang="de-DE" sz="2800" dirty="0" smtClean="0"/>
+              <a:t>Vergleich fertiger Lösungen miteinander</a:t>
+            </a:r>
+          </a:p>
+          <a:p>
+            <a:pPr marL="514350" indent="-514350">
+              <a:buFont typeface="+mj-lt"/>
+              <a:buAutoNum type="arabicPeriod"/>
+            </a:pPr>
+            <a:r>
+              <a:rPr lang="de-DE" sz="2800" dirty="0" smtClean="0"/>
+              <a:t>Ausblick und Retrospektive</a:t>
+            </a:r>
+          </a:p>
+          <a:p>
+            <a:endParaRPr lang="de-DE" sz="2800" dirty="0"/>
+          </a:p>
+        </p:txBody>
+      </p:sp>
+    </p:spTree>
+    <p:extLst>
+      <p:ext uri="{BB962C8B-B14F-4D97-AF65-F5344CB8AC3E}">
+        <p14:creationId xmlns:p14="http://schemas.microsoft.com/office/powerpoint/2010/main" val="3756376763"/>
+      </p:ext>
+    </p:extLst>
+  </p:cSld>
+  <p:clrMapOvr>
+    <a:masterClrMapping/>
+  </p:clrMapOvr>
+  <p:timing>
+    <p:tnLst>
+      <p:par>
+        <p:cTn id="1" dur="indefinite" restart="never" nodeType="tmRoot"/>
+      </p:par>
+    </p:tnLst>
+  </p:timing>
+</p:sld>
+</file>
+
+<file path=ppt/slides/slide4.xml><?xml version="1.0" encoding="utf-8"?>
+<p:sld xmlns:a="http://schemas.openxmlformats.org/drawingml/2006/main" xmlns:r="http://schemas.openxmlformats.org/officeDocument/2006/relationships" xmlns:p="http://schemas.openxmlformats.org/presentationml/2006/main">
+  <p:cSld>
+    <p:spTree>
+      <p:nvGrpSpPr>
+        <p:cNvPr id="1" name=""/>
+        <p:cNvGrpSpPr/>
+        <p:nvPr/>
+      </p:nvGrpSpPr>
+      <p:grpSpPr>
+        <a:xfrm>
+          <a:off x="0" y="0"/>
+          <a:ext cx="0" cy="0"/>
+          <a:chOff x="0" y="0"/>
+          <a:chExt cx="0" cy="0"/>
+        </a:xfrm>
+      </p:grpSpPr>
+      <p:sp>
+        <p:nvSpPr>
+          <p:cNvPr id="2" name="Titel 1"/>
+          <p:cNvSpPr>
+            <a:spLocks noGrp="1"/>
+          </p:cNvSpPr>
+          <p:nvPr>
+            <p:ph type="title"/>
+          </p:nvPr>
+        </p:nvSpPr>
+        <p:spPr/>
+        <p:txBody>
+          <a:bodyPr>
+            <a:normAutofit fontScale="90000"/>
+          </a:bodyPr>
+          <a:lstStyle/>
+          <a:p>
+            <a:r>
+              <a:rPr lang="de-DE" dirty="0" smtClean="0"/>
               <a:t>Bad </a:t>
             </a:r>
             <a:r>
@@ -4060,8 +4280,8 @@
           </a:stretch>
         </p:blipFill>
         <p:spPr bwMode="auto">
-          <a:xfrm>
-            <a:off x="7020272" y="2420888"/>
+          <a:xfrm flipH="1">
+            <a:off x="5515457" y="3365106"/>
             <a:ext cx="2088232" cy="2350991"/>
           </a:xfrm>
           <a:prstGeom prst="rect">
@@ -4086,8 +4306,8 @@
           <p:nvPr/>
         </p:nvSpPr>
         <p:spPr>
-          <a:xfrm rot="21002269">
-            <a:off x="4487071" y="5179751"/>
+          <a:xfrm rot="492780">
+            <a:off x="2969511" y="5371384"/>
             <a:ext cx="4470124" cy="1072692"/>
           </a:xfrm>
           <a:prstGeom prst="roundRect">
@@ -4342,172 +4562,6 @@
 </p:sld>
 </file>
 
-<file path=ppt/slides/slide4.xml><?xml version="1.0" encoding="utf-8"?>
-<p:sld xmlns:a="http://schemas.openxmlformats.org/drawingml/2006/main" xmlns:r="http://schemas.openxmlformats.org/officeDocument/2006/relationships" xmlns:p="http://schemas.openxmlformats.org/presentationml/2006/main">
-  <p:cSld>
-    <p:spTree>
-      <p:nvGrpSpPr>
-        <p:cNvPr id="1" name=""/>
-        <p:cNvGrpSpPr/>
-        <p:nvPr/>
-      </p:nvGrpSpPr>
-      <p:grpSpPr>
-        <a:xfrm>
-          <a:off x="0" y="0"/>
-          <a:ext cx="0" cy="0"/>
-          <a:chOff x="0" y="0"/>
-          <a:chExt cx="0" cy="0"/>
-        </a:xfrm>
-      </p:grpSpPr>
-      <p:sp>
-        <p:nvSpPr>
-          <p:cNvPr id="2" name="Titel 1"/>
-          <p:cNvSpPr>
-            <a:spLocks noGrp="1"/>
-          </p:cNvSpPr>
-          <p:nvPr>
-            <p:ph type="title"/>
-          </p:nvPr>
-        </p:nvSpPr>
-        <p:spPr/>
-        <p:txBody>
-          <a:bodyPr>
-            <a:normAutofit fontScale="90000"/>
-          </a:bodyPr>
-          <a:lstStyle/>
-          <a:p>
-            <a:r>
-              <a:rPr lang="de-DE" dirty="0" smtClean="0"/>
-              <a:t>Aufgabe: Taschenrechner</a:t>
-            </a:r>
-            <a:endParaRPr lang="de-DE" dirty="0"/>
-          </a:p>
-        </p:txBody>
-      </p:sp>
-      <p:sp>
-        <p:nvSpPr>
-          <p:cNvPr id="3" name="Inhaltsplatzhalter 2"/>
-          <p:cNvSpPr>
-            <a:spLocks noGrp="1"/>
-          </p:cNvSpPr>
-          <p:nvPr>
-            <p:ph idx="1"/>
-          </p:nvPr>
-        </p:nvSpPr>
-        <p:spPr/>
-        <p:txBody>
-          <a:bodyPr>
-            <a:normAutofit/>
-          </a:bodyPr>
-          <a:lstStyle/>
-          <a:p>
-            <a:pPr marL="0" indent="0">
-              <a:buNone/>
-            </a:pPr>
-            <a:r>
-              <a:rPr lang="de-DE" dirty="0" smtClean="0"/>
-              <a:t>Entwickelt eine Taschenrechner-Anwendung mit folgenden Eigenschaften:</a:t>
-            </a:r>
-          </a:p>
-          <a:p>
-            <a:pPr marL="0" indent="0">
-              <a:buNone/>
-            </a:pPr>
-            <a:r>
-              <a:rPr lang="de-DE" dirty="0" smtClean="0"/>
-              <a:t>1. Rechner hat Methode </a:t>
-            </a:r>
-            <a:r>
-              <a:rPr lang="de-DE" dirty="0" err="1" smtClean="0">
-                <a:latin typeface="Courier New" panose="02070309020205020404" pitchFamily="49" charset="0"/>
-                <a:cs typeface="Courier New" panose="02070309020205020404" pitchFamily="49" charset="0"/>
-              </a:rPr>
-              <a:t>add</a:t>
-            </a:r>
-            <a:r>
-              <a:rPr lang="de-DE" dirty="0" smtClean="0">
-                <a:latin typeface="Courier New" panose="02070309020205020404" pitchFamily="49" charset="0"/>
-                <a:cs typeface="Courier New" panose="02070309020205020404" pitchFamily="49" charset="0"/>
-              </a:rPr>
-              <a:t>(</a:t>
-            </a:r>
-            <a:r>
-              <a:rPr lang="de-DE" dirty="0" err="1" smtClean="0">
-                <a:latin typeface="Courier New" panose="02070309020205020404" pitchFamily="49" charset="0"/>
-                <a:cs typeface="Courier New" panose="02070309020205020404" pitchFamily="49" charset="0"/>
-              </a:rPr>
-              <a:t>numbers</a:t>
-            </a:r>
-            <a:r>
-              <a:rPr lang="de-DE" dirty="0" smtClean="0">
-                <a:latin typeface="Courier New" panose="02070309020205020404" pitchFamily="49" charset="0"/>
-                <a:cs typeface="Courier New" panose="02070309020205020404" pitchFamily="49" charset="0"/>
-              </a:rPr>
-              <a:t>: String): </a:t>
-            </a:r>
-            <a:r>
-              <a:rPr lang="de-DE" dirty="0" err="1" smtClean="0">
-                <a:latin typeface="Courier New" panose="02070309020205020404" pitchFamily="49" charset="0"/>
-                <a:cs typeface="Courier New" panose="02070309020205020404" pitchFamily="49" charset="0"/>
-              </a:rPr>
-              <a:t>int</a:t>
-            </a:r>
-            <a:endParaRPr lang="de-DE" dirty="0" smtClean="0">
-              <a:latin typeface="Courier New" panose="02070309020205020404" pitchFamily="49" charset="0"/>
-              <a:cs typeface="Courier New" panose="02070309020205020404" pitchFamily="49" charset="0"/>
-            </a:endParaRPr>
-          </a:p>
-          <a:p>
-            <a:pPr lvl="1"/>
-            <a:r>
-              <a:rPr lang="de-DE" dirty="0" smtClean="0"/>
-              <a:t>Sie nimmt 0, 1 oder </a:t>
-            </a:r>
-            <a:r>
-              <a:rPr lang="de-DE" dirty="0"/>
-              <a:t>2 Zahlen Komma-separiert entgegen </a:t>
-            </a:r>
-            <a:r>
-              <a:rPr lang="de-DE" dirty="0" smtClean="0"/>
-              <a:t>und gibt ihre Summe zurück.</a:t>
-            </a:r>
-            <a:br>
-              <a:rPr lang="de-DE" dirty="0" smtClean="0"/>
-            </a:br>
-            <a:r>
-              <a:rPr lang="de-DE" dirty="0" smtClean="0"/>
-              <a:t>Eingaben: „“ oder „1“ oder „1,2“</a:t>
-            </a:r>
-          </a:p>
-          <a:p>
-            <a:pPr marL="514350" indent="-514350">
-              <a:buFont typeface="+mj-lt"/>
-              <a:buAutoNum type="arabicPeriod"/>
-            </a:pPr>
-            <a:endParaRPr lang="de-DE" dirty="0" smtClean="0"/>
-          </a:p>
-        </p:txBody>
-      </p:sp>
-    </p:spTree>
-    <p:extLst>
-      <p:ext uri="{BB962C8B-B14F-4D97-AF65-F5344CB8AC3E}">
-        <p14:creationId xmlns:p14="http://schemas.microsoft.com/office/powerpoint/2010/main" val="2940747982"/>
-      </p:ext>
-    </p:extLst>
-  </p:cSld>
-  <p:clrMapOvr>
-    <a:masterClrMapping/>
-  </p:clrMapOvr>
-  <p:timing>
-    <p:tnLst>
-      <p:par>
-        <p:cTn id="1" dur="indefinite" restart="never" nodeType="tmRoot"/>
-      </p:par>
-    </p:tnLst>
-  </p:timing>
-</p:sld>
-</file>
-
 <file path=ppt/slides/slide5.xml><?xml version="1.0" encoding="utf-8"?>
 <p:sld xmlns:a="http://schemas.openxmlformats.org/drawingml/2006/main" xmlns:r="http://schemas.openxmlformats.org/officeDocument/2006/relationships" xmlns:p="http://schemas.openxmlformats.org/presentationml/2006/main">
   <p:cSld>
@@ -4572,7 +4626,7 @@
             </a:pPr>
             <a:r>
               <a:rPr lang="de-DE" dirty="0" smtClean="0"/>
-              <a:t>Zusätzliche Anforderung:</a:t>
+              <a:t>Entwickelt eine Taschenrechner-Anwendung mit folgenden Eigenschaften:</a:t>
             </a:r>
           </a:p>
           <a:p>
@@ -4580,28 +4634,84 @@
               <a:buNone/>
             </a:pPr>
             <a:r>
+              <a:rPr lang="de-DE" dirty="0" smtClean="0"/>
+              <a:t>1. Rechner hat Methode </a:t>
+            </a:r>
+            <a:r>
+              <a:rPr lang="de-DE" dirty="0" err="1" smtClean="0">
+                <a:latin typeface="Courier New" panose="02070309020205020404" pitchFamily="49" charset="0"/>
+                <a:cs typeface="Courier New" panose="02070309020205020404" pitchFamily="49" charset="0"/>
+              </a:rPr>
+              <a:t>add</a:t>
+            </a:r>
+            <a:r>
+              <a:rPr lang="de-DE" dirty="0" smtClean="0">
+                <a:latin typeface="Courier New" panose="02070309020205020404" pitchFamily="49" charset="0"/>
+                <a:cs typeface="Courier New" panose="02070309020205020404" pitchFamily="49" charset="0"/>
+              </a:rPr>
+              <a:t>(</a:t>
+            </a:r>
+            <a:r>
+              <a:rPr lang="de-DE" dirty="0" err="1" smtClean="0">
+                <a:latin typeface="Courier New" panose="02070309020205020404" pitchFamily="49" charset="0"/>
+                <a:cs typeface="Courier New" panose="02070309020205020404" pitchFamily="49" charset="0"/>
+              </a:rPr>
+              <a:t>numbers</a:t>
+            </a:r>
+            <a:r>
+              <a:rPr lang="de-DE" dirty="0" smtClean="0">
+                <a:latin typeface="Courier New" panose="02070309020205020404" pitchFamily="49" charset="0"/>
+                <a:cs typeface="Courier New" panose="02070309020205020404" pitchFamily="49" charset="0"/>
+              </a:rPr>
+              <a:t>: String): </a:t>
+            </a:r>
+            <a:r>
+              <a:rPr lang="de-DE" dirty="0" err="1" smtClean="0">
+                <a:latin typeface="Courier New" panose="02070309020205020404" pitchFamily="49" charset="0"/>
+                <a:cs typeface="Courier New" panose="02070309020205020404" pitchFamily="49" charset="0"/>
+              </a:rPr>
+              <a:t>int</a:t>
+            </a:r>
+            <a:endParaRPr lang="de-DE" dirty="0" smtClean="0">
+              <a:latin typeface="Courier New" panose="02070309020205020404" pitchFamily="49" charset="0"/>
+              <a:cs typeface="Courier New" panose="02070309020205020404" pitchFamily="49" charset="0"/>
+            </a:endParaRPr>
+          </a:p>
+          <a:p>
+            <a:pPr lvl="1"/>
+            <a:r>
+              <a:rPr lang="de-DE" dirty="0" smtClean="0"/>
+              <a:t>Sie nimmt 0, 1 oder </a:t>
+            </a:r>
+            <a:r>
               <a:rPr lang="de-DE" dirty="0"/>
-              <a:t>2</a:t>
+              <a:t>2 Zahlen Komma-separiert entgegen </a:t>
             </a:r>
             <a:r>
               <a:rPr lang="de-DE" dirty="0" smtClean="0"/>
-              <a:t>. Die Methode </a:t>
-            </a:r>
-            <a:r>
-              <a:rPr lang="de-DE" dirty="0" err="1" smtClean="0"/>
-              <a:t>add</a:t>
-            </a:r>
-            <a:r>
+              <a:t>und gibt ihre Summe zurück.</a:t>
+            </a:r>
+            <a:br>
               <a:rPr lang="de-DE" dirty="0" smtClean="0"/>
-              <a:t> soll eine beliebige Anzahl von Zahlen entgegennehmen können.</a:t>
-            </a:r>
+            </a:br>
+            <a:r>
+              <a:rPr lang="de-DE" dirty="0" smtClean="0"/>
+              <a:t>Eingaben: „“ oder „1“ oder „1,2“</a:t>
+            </a:r>
+          </a:p>
+          <a:p>
+            <a:pPr marL="514350" indent="-514350">
+              <a:buFont typeface="+mj-lt"/>
+              <a:buAutoNum type="arabicPeriod"/>
+            </a:pPr>
+            <a:endParaRPr lang="de-DE" dirty="0" smtClean="0"/>
           </a:p>
         </p:txBody>
       </p:sp>
     </p:spTree>
     <p:extLst>
       <p:ext uri="{BB962C8B-B14F-4D97-AF65-F5344CB8AC3E}">
-        <p14:creationId xmlns:p14="http://schemas.microsoft.com/office/powerpoint/2010/main" val="2514873725"/>
+        <p14:creationId xmlns:p14="http://schemas.microsoft.com/office/powerpoint/2010/main" val="2940747982"/>
       </p:ext>
     </p:extLst>
   </p:cSld>
@@ -4690,8 +4800,12 @@
               <a:buNone/>
             </a:pPr>
             <a:r>
+              <a:rPr lang="de-DE" dirty="0"/>
+              <a:t>2</a:t>
+            </a:r>
+            <a:r>
               <a:rPr lang="de-DE" dirty="0" smtClean="0"/>
-              <a:t>3. Die Methode </a:t>
+              <a:t>. Die Methode </a:t>
             </a:r>
             <a:r>
               <a:rPr lang="de-DE" dirty="0" err="1" smtClean="0"/>
@@ -4699,38 +4813,7 @@
             </a:r>
             <a:r>
               <a:rPr lang="de-DE" dirty="0" smtClean="0"/>
-              <a:t> soll Zeilenumbrüche statt der Kommas als </a:t>
-            </a:r>
-            <a:r>
-              <a:rPr lang="de-DE" dirty="0" err="1" smtClean="0"/>
-              <a:t>Trenner</a:t>
-            </a:r>
-            <a:r>
-              <a:rPr lang="de-DE" dirty="0" smtClean="0"/>
-              <a:t> zwischen eingegebenen Zahlen erlauben.</a:t>
-            </a:r>
-            <a:br>
-              <a:rPr lang="de-DE" dirty="0" smtClean="0"/>
-            </a:br>
-            <a:r>
-              <a:rPr lang="de-DE" dirty="0"/>
-              <a:t>Bsp</a:t>
-            </a:r>
-            <a:r>
-              <a:rPr lang="de-DE" dirty="0" smtClean="0"/>
-              <a:t>.:</a:t>
-            </a:r>
-          </a:p>
-          <a:p>
-            <a:r>
-              <a:rPr lang="de-DE" dirty="0" smtClean="0"/>
-              <a:t>gültige Eingabe: „1\n2,3“</a:t>
-            </a:r>
-          </a:p>
-          <a:p>
-            <a:r>
-              <a:rPr lang="de-DE" dirty="0" smtClean="0"/>
-              <a:t>Ungültige Eingabe: „1,\n“ (muss hier nicht speziell behandelt werden)</a:t>
+              <a:t> soll eine beliebige Anzahl von Zahlen entgegennehmen können.</a:t>
             </a:r>
           </a:p>
         </p:txBody>
@@ -4738,7 +4821,7 @@
     </p:spTree>
     <p:extLst>
       <p:ext uri="{BB962C8B-B14F-4D97-AF65-F5344CB8AC3E}">
-        <p14:creationId xmlns:p14="http://schemas.microsoft.com/office/powerpoint/2010/main" val="3345074588"/>
+        <p14:creationId xmlns:p14="http://schemas.microsoft.com/office/powerpoint/2010/main" val="2514873725"/>
       </p:ext>
     </p:extLst>
   </p:cSld>
@@ -4827,53 +4910,47 @@
               <a:buNone/>
             </a:pPr>
             <a:r>
+              <a:rPr lang="de-DE" dirty="0" smtClean="0"/>
+              <a:t>3. Die Methode </a:t>
+            </a:r>
+            <a:r>
+              <a:rPr lang="de-DE" dirty="0" err="1" smtClean="0"/>
+              <a:t>add</a:t>
+            </a:r>
+            <a:r>
+              <a:rPr lang="de-DE" dirty="0" smtClean="0"/>
+              <a:t> soll Zeilenumbrüche statt der Kommas als </a:t>
+            </a:r>
+            <a:r>
+              <a:rPr lang="de-DE" dirty="0" err="1" smtClean="0"/>
+              <a:t>Trenner</a:t>
+            </a:r>
+            <a:r>
+              <a:rPr lang="de-DE" dirty="0" smtClean="0"/>
+              <a:t> zwischen eingegebenen Zahlen erlauben.</a:t>
+            </a:r>
+            <a:br>
+              <a:rPr lang="de-DE" dirty="0" smtClean="0"/>
+            </a:br>
+            <a:r>
               <a:rPr lang="de-DE" dirty="0"/>
-              <a:t>4</a:t>
+              <a:t>Bsp</a:t>
             </a:r>
             <a:r>
               <a:rPr lang="de-DE" dirty="0" smtClean="0"/>
-              <a:t>. Trennzeichen sollen frei wählbar sein.</a:t>
-            </a:r>
-          </a:p>
-          <a:p>
-            <a:pPr lvl="1"/>
+              <a:t>.:</a:t>
+            </a:r>
+          </a:p>
+          <a:p>
             <a:r>
               <a:rPr lang="de-DE" dirty="0" smtClean="0"/>
-              <a:t>Zum Ändern des Trennzeichens soll der Eingabestring mit einer zusätzlichen Zeile beginnen, die wie </a:t>
-            </a:r>
-            <a:r>
-              <a:rPr lang="de-DE" dirty="0"/>
-              <a:t>folgt aussieht:</a:t>
-            </a:r>
-            <a:br>
-              <a:rPr lang="de-DE" dirty="0"/>
-            </a:br>
+              <a:t>gültige Eingabe: „1\n2,3“</a:t>
+            </a:r>
+          </a:p>
+          <a:p>
             <a:r>
               <a:rPr lang="de-DE" dirty="0" smtClean="0"/>
-              <a:t>„//[</a:t>
-            </a:r>
-            <a:r>
-              <a:rPr lang="de-DE" dirty="0" err="1"/>
-              <a:t>delimiter</a:t>
-            </a:r>
-            <a:r>
-              <a:rPr lang="de-DE" dirty="0"/>
-              <a:t>]\n[</a:t>
-            </a:r>
-            <a:r>
-              <a:rPr lang="de-DE" dirty="0" err="1"/>
-              <a:t>numbers</a:t>
-            </a:r>
-            <a:r>
-              <a:rPr lang="de-DE" dirty="0" smtClean="0"/>
-              <a:t>…]“, Bsp.: „//;\n1;2“</a:t>
-            </a:r>
-          </a:p>
-          <a:p>
-            <a:pPr lvl="1"/>
-            <a:r>
-              <a:rPr lang="de-DE" dirty="0" smtClean="0"/>
-              <a:t>Die Zeile zum Bestimmen des Trennzeichens soll optional sein.</a:t>
+              <a:t>Ungültige Eingabe: „1,\n“ (muss hier nicht speziell behandelt werden)</a:t>
             </a:r>
           </a:p>
         </p:txBody>
@@ -4881,7 +4958,7 @@
     </p:spTree>
     <p:extLst>
       <p:ext uri="{BB962C8B-B14F-4D97-AF65-F5344CB8AC3E}">
-        <p14:creationId xmlns:p14="http://schemas.microsoft.com/office/powerpoint/2010/main" val="1616037980"/>
+        <p14:creationId xmlns:p14="http://schemas.microsoft.com/office/powerpoint/2010/main" val="3345074588"/>
       </p:ext>
     </p:extLst>
   </p:cSld>
@@ -4970,54 +5047,53 @@
               <a:buNone/>
             </a:pPr>
             <a:r>
+              <a:rPr lang="de-DE" dirty="0"/>
+              <a:t>4</a:t>
+            </a:r>
+            <a:r>
               <a:rPr lang="de-DE" dirty="0" smtClean="0"/>
-              <a:t>5. Der Aufruf der </a:t>
-            </a:r>
-            <a:r>
-              <a:rPr lang="de-DE" dirty="0" err="1" smtClean="0"/>
-              <a:t>add</a:t>
-            </a:r>
+              <a:t>. Trennzeichen sollen frei wählbar sein.</a:t>
+            </a:r>
+          </a:p>
+          <a:p>
+            <a:pPr lvl="1"/>
             <a:r>
               <a:rPr lang="de-DE" dirty="0" smtClean="0"/>
-              <a:t>-Methode mit einer negativen Zahl soll eine </a:t>
-            </a:r>
-            <a:r>
-              <a:rPr lang="de-DE" dirty="0" err="1" smtClean="0"/>
-              <a:t>Exception</a:t>
-            </a:r>
+              <a:t>Zum Ändern des Trennzeichens soll der Eingabestring mit einer zusätzlichen Zeile beginnen, die wie </a:t>
+            </a:r>
+            <a:r>
+              <a:rPr lang="de-DE" dirty="0"/>
+              <a:t>folgt aussieht:</a:t>
+            </a:r>
+            <a:br>
+              <a:rPr lang="de-DE" dirty="0"/>
+            </a:br>
             <a:r>
               <a:rPr lang="de-DE" dirty="0" smtClean="0"/>
-              <a:t> „Negative Zahlen sind nicht erlaubt.“ werfen.</a:t>
+              <a:t>„//[</a:t>
+            </a:r>
+            <a:r>
+              <a:rPr lang="de-DE" dirty="0" err="1"/>
+              <a:t>delimiter</a:t>
+            </a:r>
+            <a:r>
+              <a:rPr lang="de-DE" dirty="0"/>
+              <a:t>]\n[</a:t>
+            </a:r>
+            <a:r>
+              <a:rPr lang="de-DE" dirty="0" err="1"/>
+              <a:t>numbers</a:t>
+            </a:r>
+            <a:r>
+              <a:rPr lang="de-DE" dirty="0" smtClean="0"/>
+              <a:t>…]“, Bsp.: „//;\n1;2“</a:t>
             </a:r>
           </a:p>
           <a:p>
             <a:pPr lvl="1"/>
             <a:r>
               <a:rPr lang="de-DE" dirty="0" smtClean="0"/>
-              <a:t>Die </a:t>
-            </a:r>
-            <a:r>
-              <a:rPr lang="de-DE" dirty="0" err="1" smtClean="0"/>
-              <a:t>Exception</a:t>
-            </a:r>
-            <a:r>
-              <a:rPr lang="de-DE" dirty="0" smtClean="0"/>
-              <a:t> soll die negative Zahl enthalten.</a:t>
-            </a:r>
-          </a:p>
-          <a:p>
-            <a:pPr lvl="1"/>
-            <a:r>
-              <a:rPr lang="de-DE" dirty="0" smtClean="0"/>
-              <a:t>Bei mehreren negativen Zahlen sollen alle in der </a:t>
-            </a:r>
-            <a:r>
-              <a:rPr lang="de-DE" dirty="0" err="1" smtClean="0"/>
-              <a:t>Exception</a:t>
-            </a:r>
-            <a:r>
-              <a:rPr lang="de-DE" dirty="0" smtClean="0"/>
-              <a:t> aufgelistet werden.</a:t>
+              <a:t>Die Zeile zum Bestimmen des Trennzeichens soll optional sein.</a:t>
             </a:r>
           </a:p>
         </p:txBody>
@@ -5025,7 +5101,7 @@
     </p:spTree>
     <p:extLst>
       <p:ext uri="{BB962C8B-B14F-4D97-AF65-F5344CB8AC3E}">
-        <p14:creationId xmlns:p14="http://schemas.microsoft.com/office/powerpoint/2010/main" val="1858178028"/>
+        <p14:creationId xmlns:p14="http://schemas.microsoft.com/office/powerpoint/2010/main" val="1616037980"/>
       </p:ext>
     </p:extLst>
   </p:cSld>
@@ -5114,48 +5190,54 @@
               <a:buNone/>
             </a:pPr>
             <a:r>
-              <a:rPr lang="de-DE" dirty="0"/>
-              <a:t>6</a:t>
-            </a:r>
-            <a:r>
               <a:rPr lang="de-DE" dirty="0" smtClean="0"/>
-              <a:t>. Eine </a:t>
+              <a:t>5. Der Aufruf der </a:t>
             </a:r>
             <a:r>
               <a:rPr lang="de-DE" dirty="0" err="1" smtClean="0"/>
-              <a:t>multiply</a:t>
+              <a:t>add</a:t>
             </a:r>
             <a:r>
               <a:rPr lang="de-DE" dirty="0" smtClean="0"/>
-              <a:t>-Methode zur Multiplikation von Zahlen soll ergänzt werden.</a:t>
+              <a:t>-Methode mit einer negativen Zahl soll eine </a:t>
+            </a:r>
+            <a:r>
+              <a:rPr lang="de-DE" dirty="0" err="1" smtClean="0"/>
+              <a:t>Exception</a:t>
+            </a:r>
+            <a:r>
+              <a:rPr lang="de-DE" dirty="0" smtClean="0"/>
+              <a:t> „Negative Zahlen sind nicht erlaubt.“ werfen.</a:t>
             </a:r>
           </a:p>
           <a:p>
             <a:pPr lvl="1"/>
             <a:r>
               <a:rPr lang="de-DE" dirty="0" smtClean="0"/>
-              <a:t>Die zu verwendende Operation soll per optionaler Zeile angegeben werden:</a:t>
-            </a:r>
-            <a:br>
+              <a:t>Die </a:t>
+            </a:r>
+            <a:r>
+              <a:rPr lang="de-DE" dirty="0" err="1" smtClean="0"/>
+              <a:t>Exception</a:t>
+            </a:r>
+            <a:r>
               <a:rPr lang="de-DE" dirty="0" smtClean="0"/>
-            </a:br>
+              <a:t> soll die negative Zahl enthalten.</a:t>
+            </a:r>
+          </a:p>
+          <a:p>
+            <a:pPr lvl="1"/>
             <a:r>
               <a:rPr lang="de-DE" dirty="0" smtClean="0"/>
-              <a:t>„+\n5,3“ kennzeichnet die Operation 5 + 3</a:t>
-            </a:r>
-            <a:br>
+              <a:t>Bei mehreren negativen Zahlen sollen alle in der </a:t>
+            </a:r>
+            <a:r>
+              <a:rPr lang="de-DE" dirty="0" err="1" smtClean="0"/>
+              <a:t>Exception</a:t>
+            </a:r>
+            <a:r>
               <a:rPr lang="de-DE" dirty="0" smtClean="0"/>
-            </a:br>
-            <a:r>
-              <a:rPr lang="de-DE" dirty="0" smtClean="0"/>
-              <a:t>„*\n5,3“ kennzeichnet die Operation 5 * 3</a:t>
-            </a:r>
-          </a:p>
-          <a:p>
-            <a:pPr lvl="1"/>
-            <a:r>
-              <a:rPr lang="de-DE" dirty="0" smtClean="0"/>
-              <a:t>Wird nichts explizit angegeben, wird von einer Addition ausgegangen.</a:t>
+              <a:t> aufgelistet werden.</a:t>
             </a:r>
           </a:p>
         </p:txBody>
@@ -5163,7 +5245,7 @@
     </p:spTree>
     <p:extLst>
       <p:ext uri="{BB962C8B-B14F-4D97-AF65-F5344CB8AC3E}">
-        <p14:creationId xmlns:p14="http://schemas.microsoft.com/office/powerpoint/2010/main" val="3003817183"/>
+        <p14:creationId xmlns:p14="http://schemas.microsoft.com/office/powerpoint/2010/main" val="1858178028"/>
       </p:ext>
     </p:extLst>
   </p:cSld>

--- a/StringCalculator/doc/Coding-Dojo-2015-02-18.pptx
+++ b/StringCalculator/doc/Coding-Dojo-2015-02-18.pptx
@@ -9,13 +9,15 @@
     <p:sldId id="266" r:id="rId3"/>
     <p:sldId id="268" r:id="rId4"/>
     <p:sldId id="267" r:id="rId5"/>
-    <p:sldId id="258" r:id="rId6"/>
-    <p:sldId id="260" r:id="rId7"/>
-    <p:sldId id="261" r:id="rId8"/>
-    <p:sldId id="262" r:id="rId9"/>
-    <p:sldId id="263" r:id="rId10"/>
-    <p:sldId id="265" r:id="rId11"/>
-    <p:sldId id="264" r:id="rId12"/>
+    <p:sldId id="269" r:id="rId6"/>
+    <p:sldId id="258" r:id="rId7"/>
+    <p:sldId id="260" r:id="rId8"/>
+    <p:sldId id="261" r:id="rId9"/>
+    <p:sldId id="262" r:id="rId10"/>
+    <p:sldId id="263" r:id="rId11"/>
+    <p:sldId id="265" r:id="rId12"/>
+    <p:sldId id="264" r:id="rId13"/>
+    <p:sldId id="270" r:id="rId14"/>
   </p:sldIdLst>
   <p:sldSz cx="9144000" cy="6858000" type="screen4x3"/>
   <p:notesSz cx="6858000" cy="9144000"/>
@@ -3300,56 +3302,117 @@
               <a:buNone/>
             </a:pPr>
             <a:r>
-              <a:rPr lang="de-DE" dirty="0"/>
-              <a:t>6</a:t>
-            </a:r>
-            <a:r>
               <a:rPr lang="de-DE" dirty="0" smtClean="0"/>
-              <a:t>. Eine </a:t>
+              <a:t>5. Der Aufruf der </a:t>
             </a:r>
             <a:r>
               <a:rPr lang="de-DE" dirty="0" err="1" smtClean="0"/>
-              <a:t>multiply</a:t>
+              <a:t>add</a:t>
             </a:r>
             <a:r>
               <a:rPr lang="de-DE" dirty="0" smtClean="0"/>
-              <a:t>-Methode zur Multiplikation von Zahlen soll ergänzt werden.</a:t>
+              <a:t>-Methode mit einer negativen Zahl soll eine </a:t>
+            </a:r>
+            <a:r>
+              <a:rPr lang="de-DE" dirty="0" err="1" smtClean="0"/>
+              <a:t>Exception</a:t>
+            </a:r>
+            <a:r>
+              <a:rPr lang="de-DE" dirty="0" smtClean="0"/>
+              <a:t> „Negative Zahlen sind nicht erlaubt.“ werfen.</a:t>
             </a:r>
           </a:p>
           <a:p>
             <a:pPr lvl="1"/>
             <a:r>
               <a:rPr lang="de-DE" dirty="0" smtClean="0"/>
-              <a:t>Die zu verwendende Operation soll per optionaler Zeile angegeben werden:</a:t>
-            </a:r>
-            <a:br>
+              <a:t>Die </a:t>
+            </a:r>
+            <a:r>
+              <a:rPr lang="de-DE" dirty="0" err="1" smtClean="0"/>
+              <a:t>Exception</a:t>
+            </a:r>
+            <a:r>
               <a:rPr lang="de-DE" dirty="0" smtClean="0"/>
-            </a:br>
+              <a:t> soll die negative Zahl enthalten.</a:t>
+            </a:r>
+          </a:p>
+          <a:p>
+            <a:pPr lvl="1"/>
             <a:r>
               <a:rPr lang="de-DE" dirty="0" smtClean="0"/>
-              <a:t>„+\n5,3“ kennzeichnet die Operation 5 + 3</a:t>
-            </a:r>
-            <a:br>
+              <a:t>Bei mehreren negativen Zahlen sollen alle in der </a:t>
+            </a:r>
+            <a:r>
+              <a:rPr lang="de-DE" dirty="0" err="1" smtClean="0"/>
+              <a:t>Exception</a:t>
+            </a:r>
+            <a:r>
               <a:rPr lang="de-DE" dirty="0" smtClean="0"/>
-            </a:br>
-            <a:r>
-              <a:rPr lang="de-DE" dirty="0" smtClean="0"/>
-              <a:t>„*\n5,3“ kennzeichnet die Operation 5 * 3</a:t>
-            </a:r>
-          </a:p>
-          <a:p>
-            <a:pPr lvl="1"/>
-            <a:r>
-              <a:rPr lang="de-DE" dirty="0" smtClean="0"/>
-              <a:t>Wird nichts explizit angegeben, wird von einer Addition ausgegangen.</a:t>
-            </a:r>
+              <a:t> aufgelistet werden.</a:t>
+            </a:r>
+          </a:p>
+        </p:txBody>
+      </p:sp>
+      <p:sp>
+        <p:nvSpPr>
+          <p:cNvPr id="4" name="Abgerundetes Rechteck 3"/>
+          <p:cNvSpPr/>
+          <p:nvPr/>
+        </p:nvSpPr>
+        <p:spPr>
+          <a:xfrm rot="21114850">
+            <a:off x="5975728" y="4367081"/>
+            <a:ext cx="2122235" cy="655870"/>
+          </a:xfrm>
+          <a:prstGeom prst="roundRect">
+            <a:avLst/>
+          </a:prstGeom>
+          <a:solidFill>
+            <a:schemeClr val="bg1"/>
+          </a:solidFill>
+        </p:spPr>
+        <p:style>
+          <a:lnRef idx="2">
+            <a:schemeClr val="accent1">
+              <a:shade val="50000"/>
+            </a:schemeClr>
+          </a:lnRef>
+          <a:fillRef idx="1">
+            <a:schemeClr val="accent1"/>
+          </a:fillRef>
+          <a:effectRef idx="0">
+            <a:schemeClr val="accent1"/>
+          </a:effectRef>
+          <a:fontRef idx="minor">
+            <a:schemeClr val="lt1"/>
+          </a:fontRef>
+        </p:style>
+        <p:txBody>
+          <a:bodyPr rtlCol="0" anchor="ctr"/>
+          <a:lstStyle/>
+          <a:p>
+            <a:pPr algn="ctr"/>
+            <a:r>
+              <a:rPr lang="de-DE" sz="3600" dirty="0" smtClean="0">
+                <a:solidFill>
+                  <a:schemeClr val="tx2"/>
+                </a:solidFill>
+              </a:rPr>
+              <a:t>erledigt</a:t>
+            </a:r>
+            <a:endParaRPr lang="de-DE" sz="3600" dirty="0" smtClean="0">
+              <a:solidFill>
+                <a:schemeClr val="tx2"/>
+              </a:solidFill>
+            </a:endParaRPr>
           </a:p>
         </p:txBody>
       </p:sp>
     </p:spTree>
     <p:extLst>
       <p:ext uri="{BB962C8B-B14F-4D97-AF65-F5344CB8AC3E}">
-        <p14:creationId xmlns:p14="http://schemas.microsoft.com/office/powerpoint/2010/main" val="3003817183"/>
+        <p14:creationId xmlns:p14="http://schemas.microsoft.com/office/powerpoint/2010/main" val="1858178028"/>
       </p:ext>
     </p:extLst>
   </p:cSld>
@@ -3359,9 +3422,83 @@
   <p:timing>
     <p:tnLst>
       <p:par>
-        <p:cTn id="1" dur="indefinite" restart="never" nodeType="tmRoot"/>
+        <p:cTn id="1" dur="indefinite" restart="never" nodeType="tmRoot">
+          <p:childTnLst>
+            <p:seq concurrent="1" nextAc="seek">
+              <p:cTn id="2" dur="indefinite" nodeType="mainSeq">
+                <p:childTnLst>
+                  <p:par>
+                    <p:cTn id="3" fill="hold">
+                      <p:stCondLst>
+                        <p:cond delay="indefinite"/>
+                        <p:cond evt="onBegin" delay="0">
+                          <p:tn val="2"/>
+                        </p:cond>
+                      </p:stCondLst>
+                      <p:childTnLst>
+                        <p:par>
+                          <p:cTn id="4" fill="hold">
+                            <p:stCondLst>
+                              <p:cond delay="0"/>
+                            </p:stCondLst>
+                            <p:childTnLst>
+                              <p:par>
+                                <p:cTn id="5" presetID="1" presetClass="entr" presetSubtype="0" fill="hold" grpId="0" nodeType="withEffect">
+                                  <p:stCondLst>
+                                    <p:cond delay="0"/>
+                                  </p:stCondLst>
+                                  <p:childTnLst>
+                                    <p:set>
+                                      <p:cBhvr>
+                                        <p:cTn id="6" dur="1" fill="hold">
+                                          <p:stCondLst>
+                                            <p:cond delay="0"/>
+                                          </p:stCondLst>
+                                        </p:cTn>
+                                        <p:tgtEl>
+                                          <p:spTgt spid="4"/>
+                                        </p:tgtEl>
+                                        <p:attrNameLst>
+                                          <p:attrName>style.visibility</p:attrName>
+                                        </p:attrNameLst>
+                                      </p:cBhvr>
+                                      <p:to>
+                                        <p:strVal val="visible"/>
+                                      </p:to>
+                                    </p:set>
+                                  </p:childTnLst>
+                                </p:cTn>
+                              </p:par>
+                            </p:childTnLst>
+                          </p:cTn>
+                        </p:par>
+                      </p:childTnLst>
+                    </p:cTn>
+                  </p:par>
+                </p:childTnLst>
+              </p:cTn>
+              <p:prevCondLst>
+                <p:cond evt="onPrev" delay="0">
+                  <p:tgtEl>
+                    <p:sldTgt/>
+                  </p:tgtEl>
+                </p:cond>
+              </p:prevCondLst>
+              <p:nextCondLst>
+                <p:cond evt="onNext" delay="0">
+                  <p:tgtEl>
+                    <p:sldTgt/>
+                  </p:tgtEl>
+                </p:cond>
+              </p:nextCondLst>
+            </p:seq>
+          </p:childTnLst>
+        </p:cTn>
       </p:par>
     </p:tnLst>
+    <p:bldLst>
+      <p:bldP spid="4" grpId="0" animBg="1"/>
+    </p:bldLst>
   </p:timing>
 </p:sld>
 </file>
@@ -3401,6 +3538,144 @@
           <a:lstStyle/>
           <a:p>
             <a:r>
+              <a:rPr lang="de-DE" dirty="0" smtClean="0"/>
+              <a:t>Aufgabe: Taschenrechner</a:t>
+            </a:r>
+            <a:endParaRPr lang="de-DE" dirty="0"/>
+          </a:p>
+        </p:txBody>
+      </p:sp>
+      <p:sp>
+        <p:nvSpPr>
+          <p:cNvPr id="3" name="Inhaltsplatzhalter 2"/>
+          <p:cNvSpPr>
+            <a:spLocks noGrp="1"/>
+          </p:cNvSpPr>
+          <p:nvPr>
+            <p:ph idx="1"/>
+          </p:nvPr>
+        </p:nvSpPr>
+        <p:spPr/>
+        <p:txBody>
+          <a:bodyPr>
+            <a:normAutofit/>
+          </a:bodyPr>
+          <a:lstStyle/>
+          <a:p>
+            <a:pPr marL="0" indent="0">
+              <a:buNone/>
+            </a:pPr>
+            <a:r>
+              <a:rPr lang="de-DE" dirty="0" smtClean="0"/>
+              <a:t>Zusätzliche Anforderung:</a:t>
+            </a:r>
+          </a:p>
+          <a:p>
+            <a:pPr marL="0" indent="0">
+              <a:buNone/>
+            </a:pPr>
+            <a:r>
+              <a:rPr lang="de-DE" dirty="0"/>
+              <a:t>6</a:t>
+            </a:r>
+            <a:r>
+              <a:rPr lang="de-DE" dirty="0" smtClean="0"/>
+              <a:t>. Eine </a:t>
+            </a:r>
+            <a:r>
+              <a:rPr lang="de-DE" dirty="0" err="1" smtClean="0"/>
+              <a:t>multiply</a:t>
+            </a:r>
+            <a:r>
+              <a:rPr lang="de-DE" dirty="0" smtClean="0"/>
+              <a:t>-Methode zur Multiplikation von Zahlen soll ergänzt werden.</a:t>
+            </a:r>
+          </a:p>
+          <a:p>
+            <a:pPr lvl="1"/>
+            <a:r>
+              <a:rPr lang="de-DE" dirty="0" smtClean="0"/>
+              <a:t>Die zu verwendende Operation soll per optionaler Zeile angegeben werden:</a:t>
+            </a:r>
+            <a:br>
+              <a:rPr lang="de-DE" dirty="0" smtClean="0"/>
+            </a:br>
+            <a:r>
+              <a:rPr lang="de-DE" dirty="0" smtClean="0"/>
+              <a:t>„+\n5,3“ kennzeichnet die Operation 5 + 3</a:t>
+            </a:r>
+            <a:br>
+              <a:rPr lang="de-DE" dirty="0" smtClean="0"/>
+            </a:br>
+            <a:r>
+              <a:rPr lang="de-DE" dirty="0" smtClean="0"/>
+              <a:t>„*\n5,3“ kennzeichnet die Operation 5 * 3</a:t>
+            </a:r>
+          </a:p>
+          <a:p>
+            <a:pPr lvl="1"/>
+            <a:r>
+              <a:rPr lang="de-DE" dirty="0" smtClean="0"/>
+              <a:t>Wird nichts explizit angegeben, wird von einer Addition ausgegangen.</a:t>
+            </a:r>
+          </a:p>
+        </p:txBody>
+      </p:sp>
+    </p:spTree>
+    <p:extLst>
+      <p:ext uri="{BB962C8B-B14F-4D97-AF65-F5344CB8AC3E}">
+        <p14:creationId xmlns:p14="http://schemas.microsoft.com/office/powerpoint/2010/main" val="3003817183"/>
+      </p:ext>
+    </p:extLst>
+  </p:cSld>
+  <p:clrMapOvr>
+    <a:masterClrMapping/>
+  </p:clrMapOvr>
+  <p:timing>
+    <p:tnLst>
+      <p:par>
+        <p:cTn id="1" dur="indefinite" restart="never" nodeType="tmRoot"/>
+      </p:par>
+    </p:tnLst>
+  </p:timing>
+</p:sld>
+</file>
+
+<file path=ppt/slides/slide12.xml><?xml version="1.0" encoding="utf-8"?>
+<p:sld xmlns:a="http://schemas.openxmlformats.org/drawingml/2006/main" xmlns:r="http://schemas.openxmlformats.org/officeDocument/2006/relationships" xmlns:p="http://schemas.openxmlformats.org/presentationml/2006/main">
+  <p:cSld>
+    <p:spTree>
+      <p:nvGrpSpPr>
+        <p:cNvPr id="1" name=""/>
+        <p:cNvGrpSpPr/>
+        <p:nvPr/>
+      </p:nvGrpSpPr>
+      <p:grpSpPr>
+        <a:xfrm>
+          <a:off x="0" y="0"/>
+          <a:ext cx="0" cy="0"/>
+          <a:chOff x="0" y="0"/>
+          <a:chExt cx="0" cy="0"/>
+        </a:xfrm>
+      </p:grpSpPr>
+      <p:sp>
+        <p:nvSpPr>
+          <p:cNvPr id="2" name="Titel 1"/>
+          <p:cNvSpPr>
+            <a:spLocks noGrp="1"/>
+          </p:cNvSpPr>
+          <p:nvPr>
+            <p:ph type="title"/>
+          </p:nvPr>
+        </p:nvSpPr>
+        <p:spPr/>
+        <p:txBody>
+          <a:bodyPr>
+            <a:normAutofit fontScale="90000"/>
+          </a:bodyPr>
+          <a:lstStyle/>
+          <a:p>
+            <a:r>
               <a:rPr lang="de-DE" dirty="0"/>
               <a:t>Retrospektive</a:t>
             </a:r>
@@ -3420,25 +3695,13 @@
         <p:spPr/>
         <p:txBody>
           <a:bodyPr>
-            <a:normAutofit fontScale="85000" lnSpcReduction="20000"/>
+            <a:normAutofit/>
           </a:bodyPr>
           <a:lstStyle/>
           <a:p>
             <a:r>
-              <a:rPr lang="en-US" dirty="0" smtClean="0"/>
-              <a:t>War die </a:t>
-            </a:r>
-            <a:r>
               <a:rPr lang="en-US" dirty="0" err="1" smtClean="0"/>
-              <a:t>Anpassung</a:t>
-            </a:r>
-            <a:r>
-              <a:rPr lang="en-US" dirty="0" smtClean="0"/>
-              <a:t> der Tests und der </a:t>
-            </a:r>
-            <a:r>
-              <a:rPr lang="en-US" dirty="0" err="1" smtClean="0"/>
-              <a:t>Taschenrechner-Implementierung</a:t>
+              <a:t>Kanntet</a:t>
             </a:r>
             <a:r>
               <a:rPr lang="en-US" dirty="0" smtClean="0"/>
@@ -3446,15 +3709,73 @@
             </a:r>
             <a:r>
               <a:rPr lang="en-US" dirty="0" err="1" smtClean="0"/>
-              <a:t>durch</a:t>
+              <a:t>ihr</a:t>
+            </a:r>
+            <a:r>
+              <a:rPr lang="en-US" dirty="0" smtClean="0"/>
+              <a:t> Bad Smells </a:t>
+            </a:r>
+            <a:r>
+              <a:rPr lang="en-US" dirty="0" err="1" smtClean="0"/>
+              <a:t>vorher</a:t>
+            </a:r>
+            <a:r>
+              <a:rPr lang="en-US" dirty="0" smtClean="0"/>
+              <a:t>?</a:t>
+            </a:r>
+            <a:endParaRPr lang="en-US" dirty="0"/>
+          </a:p>
+          <a:p>
+            <a:r>
+              <a:rPr lang="en-US" dirty="0" err="1" smtClean="0"/>
+              <a:t>Ist</a:t>
+            </a:r>
+            <a:r>
+              <a:rPr lang="en-US" dirty="0" smtClean="0"/>
+              <a:t> der </a:t>
+            </a:r>
+            <a:r>
+              <a:rPr lang="en-US" dirty="0" err="1" smtClean="0"/>
+              <a:t>Begriff</a:t>
+            </a:r>
+            <a:r>
+              <a:rPr lang="en-US" dirty="0" smtClean="0"/>
+              <a:t> Bad Smell (nun) </a:t>
+            </a:r>
+            <a:r>
+              <a:rPr lang="en-US" dirty="0" err="1" smtClean="0"/>
+              <a:t>klar</a:t>
+            </a:r>
+            <a:r>
+              <a:rPr lang="en-US" dirty="0" smtClean="0"/>
+              <a:t>?</a:t>
+            </a:r>
+            <a:endParaRPr lang="en-US" dirty="0" smtClean="0"/>
+          </a:p>
+          <a:p>
+            <a:r>
+              <a:rPr lang="en-US" dirty="0" err="1" smtClean="0"/>
+              <a:t>Haben</a:t>
+            </a:r>
+            <a:r>
+              <a:rPr lang="en-US" dirty="0" smtClean="0"/>
+              <a:t> die </a:t>
+            </a:r>
+            <a:r>
+              <a:rPr lang="en-US" dirty="0" err="1" smtClean="0"/>
+              <a:t>Refactorings</a:t>
             </a:r>
             <a:r>
               <a:rPr lang="en-US" dirty="0" smtClean="0"/>
               <a:t> </a:t>
             </a:r>
             <a:r>
+              <a:rPr lang="en-US" dirty="0" smtClean="0"/>
+              <a:t>die </a:t>
+            </a:r>
+            <a:r>
               <a:rPr lang="en-US" dirty="0" err="1" smtClean="0"/>
-              <a:t>neue</a:t>
+              <a:t>Qualität</a:t>
             </a:r>
             <a:r>
               <a:rPr lang="en-US" dirty="0" smtClean="0"/>
@@ -3462,7 +3783,22 @@
             </a:r>
             <a:r>
               <a:rPr lang="en-US" dirty="0" err="1" smtClean="0"/>
-              <a:t>Anforderungen</a:t>
+              <a:t>verbessert</a:t>
+            </a:r>
+            <a:r>
+              <a:rPr lang="en-US" dirty="0" smtClean="0"/>
+              <a:t>?</a:t>
+            </a:r>
+            <a:endParaRPr lang="en-US" dirty="0" smtClean="0"/>
+          </a:p>
+          <a:p>
+            <a:r>
+              <a:rPr lang="en-US" dirty="0" smtClean="0"/>
+              <a:t>Sind die </a:t>
+            </a:r>
+            <a:r>
+              <a:rPr lang="en-US" dirty="0" err="1" smtClean="0"/>
+              <a:t>Alternativen</a:t>
             </a:r>
             <a:r>
               <a:rPr lang="en-US" dirty="0" smtClean="0"/>
@@ -3470,26 +3806,33 @@
             </a:r>
             <a:r>
               <a:rPr lang="en-US" dirty="0" err="1" smtClean="0"/>
-              <a:t>aufwendig</a:t>
+              <a:t>Lösungsansätze</a:t>
+            </a:r>
+            <a:r>
+              <a:rPr lang="en-US" dirty="0" smtClean="0"/>
+              <a:t> </a:t>
+            </a:r>
+            <a:r>
+              <a:rPr lang="en-US" dirty="0" err="1" smtClean="0"/>
+              <a:t>hilfreich</a:t>
+            </a:r>
+            <a:r>
+              <a:rPr lang="en-US" dirty="0" smtClean="0"/>
+              <a:t> </a:t>
+            </a:r>
+            <a:r>
+              <a:rPr lang="en-US" dirty="0" err="1" smtClean="0"/>
+              <a:t>gewesen</a:t>
             </a:r>
             <a:r>
               <a:rPr lang="en-US" dirty="0" smtClean="0"/>
               <a:t>?</a:t>
             </a:r>
-            <a:endParaRPr lang="en-US" dirty="0"/>
           </a:p>
           <a:p>
             <a:r>
               <a:rPr lang="en-US" dirty="0" err="1" smtClean="0"/>
-              <a:t>Hätte</a:t>
-            </a:r>
-            <a:r>
-              <a:rPr lang="en-US" dirty="0" smtClean="0"/>
-              <a:t> man den </a:t>
-            </a:r>
-            <a:r>
-              <a:rPr lang="en-US" dirty="0" err="1" smtClean="0"/>
-              <a:t>Aufwand</a:t>
+              <a:t>Zu</a:t>
             </a:r>
             <a:r>
               <a:rPr lang="en-US" dirty="0" smtClean="0"/>
@@ -3497,7 +3840,7 @@
             </a:r>
             <a:r>
               <a:rPr lang="en-US" dirty="0" err="1" smtClean="0"/>
-              <a:t>durch</a:t>
+              <a:t>welchen</a:t>
             </a:r>
             <a:r>
               <a:rPr lang="en-US" dirty="0" smtClean="0"/>
@@ -3505,7 +3848,7 @@
             </a:r>
             <a:r>
               <a:rPr lang="en-US" dirty="0" err="1" smtClean="0"/>
-              <a:t>anderes</a:t>
+              <a:t>Themen</a:t>
             </a:r>
             <a:r>
               <a:rPr lang="en-US" dirty="0" smtClean="0"/>
@@ -3513,7 +3856,7 @@
             </a:r>
             <a:r>
               <a:rPr lang="en-US" dirty="0" err="1" smtClean="0"/>
-              <a:t>Vorgehen</a:t>
+              <a:t>würdet</a:t>
             </a:r>
             <a:r>
               <a:rPr lang="en-US" dirty="0" smtClean="0"/>
@@ -3521,7 +3864,7 @@
             </a:r>
             <a:r>
               <a:rPr lang="en-US" dirty="0" err="1" smtClean="0"/>
-              <a:t>reduzieren</a:t>
+              <a:t>ihr</a:t>
             </a:r>
             <a:r>
               <a:rPr lang="en-US" dirty="0" smtClean="0"/>
@@ -3529,7 +3872,7 @@
             </a:r>
             <a:r>
               <a:rPr lang="en-US" dirty="0" err="1" smtClean="0"/>
-              <a:t>können</a:t>
+              <a:t>gerne</a:t>
             </a:r>
             <a:r>
               <a:rPr lang="en-US" dirty="0" smtClean="0"/>
@@ -3537,7 +3880,7 @@
             </a:r>
             <a:r>
               <a:rPr lang="en-US" dirty="0" err="1" smtClean="0"/>
-              <a:t>ohne</a:t>
+              <a:t>mehr</a:t>
             </a:r>
             <a:r>
               <a:rPr lang="en-US" dirty="0" smtClean="0"/>
@@ -3545,290 +3888,13 @@
             </a:r>
             <a:r>
               <a:rPr lang="en-US" dirty="0" err="1" smtClean="0"/>
-              <a:t>Qualität</a:t>
-            </a:r>
-            <a:r>
-              <a:rPr lang="en-US" dirty="0" smtClean="0"/>
-              <a:t> </a:t>
-            </a:r>
-            <a:r>
-              <a:rPr lang="en-US" dirty="0" err="1" smtClean="0"/>
-              <a:t>einzubüßen</a:t>
+              <a:t>erfahren</a:t>
             </a:r>
             <a:r>
               <a:rPr lang="en-US" dirty="0" smtClean="0"/>
               <a:t>?</a:t>
             </a:r>
-          </a:p>
-          <a:p>
-            <a:r>
-              <a:rPr lang="en-US" dirty="0" err="1" smtClean="0"/>
-              <a:t>Waren</a:t>
-            </a:r>
-            <a:r>
-              <a:rPr lang="en-US" dirty="0" smtClean="0"/>
-              <a:t> </a:t>
-            </a:r>
-            <a:r>
-              <a:rPr lang="en-US" dirty="0" err="1" smtClean="0"/>
-              <a:t>nötige</a:t>
-            </a:r>
-            <a:r>
-              <a:rPr lang="en-US" dirty="0" smtClean="0"/>
-              <a:t> </a:t>
-            </a:r>
-            <a:r>
-              <a:rPr lang="en-US" dirty="0" err="1" smtClean="0"/>
-              <a:t>Refactorings</a:t>
-            </a:r>
-            <a:r>
-              <a:rPr lang="en-US" dirty="0" smtClean="0"/>
-              <a:t> </a:t>
-            </a:r>
-            <a:r>
-              <a:rPr lang="en-US" dirty="0" err="1" smtClean="0"/>
-              <a:t>leicht</a:t>
-            </a:r>
-            <a:r>
-              <a:rPr lang="en-US" dirty="0" smtClean="0"/>
-              <a:t> </a:t>
-            </a:r>
-            <a:r>
-              <a:rPr lang="en-US" dirty="0" err="1" smtClean="0"/>
-              <a:t>zu</a:t>
-            </a:r>
-            <a:r>
-              <a:rPr lang="en-US" dirty="0" smtClean="0"/>
-              <a:t> </a:t>
-            </a:r>
-            <a:r>
-              <a:rPr lang="en-US" dirty="0" err="1" smtClean="0"/>
-              <a:t>erkennen</a:t>
-            </a:r>
-            <a:r>
-              <a:rPr lang="en-US" dirty="0" smtClean="0"/>
-              <a:t>? </a:t>
-            </a:r>
-            <a:r>
-              <a:rPr lang="en-US" dirty="0"/>
-              <a:t>Sind </a:t>
-            </a:r>
-            <a:r>
-              <a:rPr lang="en-US" dirty="0" err="1"/>
-              <a:t>euch</a:t>
-            </a:r>
-            <a:r>
-              <a:rPr lang="en-US" dirty="0"/>
-              <a:t> Bad Smells </a:t>
-            </a:r>
-            <a:r>
-              <a:rPr lang="en-US" dirty="0" err="1"/>
-              <a:t>schnell</a:t>
-            </a:r>
-            <a:r>
-              <a:rPr lang="en-US" dirty="0"/>
-              <a:t> </a:t>
-            </a:r>
-            <a:r>
-              <a:rPr lang="en-US" dirty="0" err="1"/>
-              <a:t>aufgefallen</a:t>
-            </a:r>
-            <a:r>
-              <a:rPr lang="en-US" dirty="0"/>
-              <a:t>?</a:t>
-            </a:r>
-          </a:p>
-          <a:p>
-            <a:r>
-              <a:rPr lang="en-US" dirty="0" err="1" smtClean="0"/>
-              <a:t>Haben</a:t>
-            </a:r>
-            <a:r>
-              <a:rPr lang="en-US" dirty="0" smtClean="0"/>
-              <a:t> </a:t>
-            </a:r>
-            <a:r>
-              <a:rPr lang="en-US" dirty="0" err="1" smtClean="0"/>
-              <a:t>Refactorings</a:t>
-            </a:r>
-            <a:r>
-              <a:rPr lang="en-US" dirty="0" smtClean="0"/>
-              <a:t> die </a:t>
-            </a:r>
-            <a:r>
-              <a:rPr lang="en-US" dirty="0" err="1" smtClean="0"/>
-              <a:t>Qualität</a:t>
-            </a:r>
-            <a:r>
-              <a:rPr lang="en-US" dirty="0" smtClean="0"/>
-              <a:t> </a:t>
-            </a:r>
-            <a:r>
-              <a:rPr lang="en-US" dirty="0" err="1" smtClean="0"/>
-              <a:t>verbessert</a:t>
-            </a:r>
-            <a:r>
-              <a:rPr lang="en-US" dirty="0" smtClean="0"/>
-              <a:t>?</a:t>
-            </a:r>
-          </a:p>
-          <a:p>
-            <a:r>
-              <a:rPr lang="en-US" dirty="0" err="1" smtClean="0"/>
-              <a:t>Haben</a:t>
-            </a:r>
-            <a:r>
-              <a:rPr lang="en-US" dirty="0" smtClean="0"/>
-              <a:t> </a:t>
-            </a:r>
-            <a:r>
-              <a:rPr lang="en-US" dirty="0" err="1" smtClean="0"/>
-              <a:t>Refactorings</a:t>
-            </a:r>
-            <a:r>
-              <a:rPr lang="en-US" dirty="0" smtClean="0"/>
-              <a:t> </a:t>
-            </a:r>
-            <a:r>
-              <a:rPr lang="en-US" dirty="0" err="1" smtClean="0"/>
-              <a:t>euch</a:t>
-            </a:r>
-            <a:r>
-              <a:rPr lang="en-US" dirty="0" smtClean="0"/>
-              <a:t> </a:t>
-            </a:r>
-            <a:r>
-              <a:rPr lang="en-US" dirty="0" err="1" smtClean="0"/>
-              <a:t>merkbar</a:t>
-            </a:r>
-            <a:r>
-              <a:rPr lang="en-US" dirty="0" smtClean="0"/>
-              <a:t> </a:t>
-            </a:r>
-            <a:r>
-              <a:rPr lang="en-US" dirty="0" err="1" smtClean="0"/>
-              <a:t>aufgehalten</a:t>
-            </a:r>
-            <a:r>
-              <a:rPr lang="en-US" dirty="0" smtClean="0"/>
-              <a:t>?</a:t>
-            </a:r>
-          </a:p>
-          <a:p>
-            <a:r>
-              <a:rPr lang="en-US" dirty="0" err="1" smtClean="0"/>
-              <a:t>Haben</a:t>
-            </a:r>
-            <a:r>
-              <a:rPr lang="en-US" dirty="0" smtClean="0"/>
-              <a:t> </a:t>
-            </a:r>
-            <a:r>
-              <a:rPr lang="en-US" dirty="0" err="1" smtClean="0"/>
-              <a:t>euch</a:t>
-            </a:r>
-            <a:r>
-              <a:rPr lang="en-US" dirty="0" smtClean="0"/>
-              <a:t> </a:t>
-            </a:r>
-            <a:r>
-              <a:rPr lang="en-US" dirty="0" err="1" smtClean="0"/>
-              <a:t>Refactorings</a:t>
-            </a:r>
-            <a:r>
-              <a:rPr lang="en-US" dirty="0" smtClean="0"/>
-              <a:t> </a:t>
-            </a:r>
-            <a:r>
-              <a:rPr lang="en-US" dirty="0" err="1" smtClean="0"/>
-              <a:t>beim</a:t>
-            </a:r>
-            <a:r>
-              <a:rPr lang="en-US" dirty="0" smtClean="0"/>
-              <a:t> </a:t>
-            </a:r>
-            <a:r>
-              <a:rPr lang="en-US" dirty="0" err="1" smtClean="0"/>
-              <a:t>Verständnis</a:t>
-            </a:r>
-            <a:r>
-              <a:rPr lang="en-US" dirty="0" smtClean="0"/>
-              <a:t> des Codes </a:t>
-            </a:r>
-            <a:r>
-              <a:rPr lang="en-US" dirty="0" err="1" smtClean="0"/>
-              <a:t>geholfen</a:t>
-            </a:r>
-            <a:r>
-              <a:rPr lang="en-US" dirty="0" smtClean="0"/>
-              <a:t>?</a:t>
-            </a:r>
-          </a:p>
-          <a:p>
-            <a:r>
-              <a:rPr lang="en-US" dirty="0" err="1" smtClean="0"/>
-              <a:t>Ist</a:t>
-            </a:r>
-            <a:r>
-              <a:rPr lang="en-US" dirty="0" smtClean="0"/>
-              <a:t> </a:t>
-            </a:r>
-            <a:r>
-              <a:rPr lang="en-US" dirty="0" err="1" smtClean="0"/>
-              <a:t>ein</a:t>
-            </a:r>
-            <a:r>
-              <a:rPr lang="en-US" dirty="0" smtClean="0"/>
-              <a:t> </a:t>
-            </a:r>
-            <a:r>
-              <a:rPr lang="en-US" dirty="0" err="1" smtClean="0"/>
-              <a:t>Klassendiagramm</a:t>
-            </a:r>
-            <a:r>
-              <a:rPr lang="en-US" dirty="0" smtClean="0"/>
-              <a:t> </a:t>
-            </a:r>
-            <a:r>
-              <a:rPr lang="en-US" dirty="0" err="1" smtClean="0"/>
-              <a:t>auch</a:t>
-            </a:r>
-            <a:r>
-              <a:rPr lang="en-US" dirty="0" smtClean="0"/>
-              <a:t> </a:t>
-            </a:r>
-            <a:r>
-              <a:rPr lang="en-US" dirty="0" err="1" smtClean="0"/>
-              <a:t>hier</a:t>
-            </a:r>
-            <a:r>
-              <a:rPr lang="en-US" dirty="0" smtClean="0"/>
-              <a:t> </a:t>
-            </a:r>
-            <a:r>
-              <a:rPr lang="en-US" dirty="0" err="1" smtClean="0"/>
-              <a:t>zur</a:t>
-            </a:r>
-            <a:r>
-              <a:rPr lang="en-US" dirty="0" smtClean="0"/>
-              <a:t> </a:t>
-            </a:r>
-            <a:r>
-              <a:rPr lang="en-US" dirty="0" err="1" smtClean="0"/>
-              <a:t>Übersicht</a:t>
-            </a:r>
-            <a:r>
-              <a:rPr lang="en-US" dirty="0" smtClean="0"/>
-              <a:t> </a:t>
-            </a:r>
-            <a:r>
-              <a:rPr lang="en-US" dirty="0" err="1" smtClean="0"/>
-              <a:t>hilfreich</a:t>
-            </a:r>
-            <a:r>
-              <a:rPr lang="en-US" dirty="0" smtClean="0"/>
-              <a:t>?</a:t>
-            </a:r>
+            <a:endParaRPr lang="en-US" dirty="0" smtClean="0"/>
           </a:p>
         </p:txBody>
       </p:sp>
@@ -3852,7 +3918,7 @@
 </p:sld>
 </file>
 
-<file path=ppt/slides/slide2.xml><?xml version="1.0" encoding="utf-8"?>
+<file path=ppt/slides/slide13.xml><?xml version="1.0" encoding="utf-8"?>
 <p:sld xmlns:a="http://schemas.openxmlformats.org/drawingml/2006/main" xmlns:r="http://schemas.openxmlformats.org/officeDocument/2006/relationships" xmlns:p="http://schemas.openxmlformats.org/presentationml/2006/main">
   <p:cSld>
     <p:spTree>
@@ -3888,6 +3954,160 @@
           <a:p>
             <a:r>
               <a:rPr lang="de-DE" dirty="0" smtClean="0"/>
+              <a:t>Ausblick</a:t>
+            </a:r>
+            <a:endParaRPr lang="de-DE" dirty="0"/>
+          </a:p>
+        </p:txBody>
+      </p:sp>
+      <p:sp>
+        <p:nvSpPr>
+          <p:cNvPr id="3" name="Inhaltsplatzhalter 2"/>
+          <p:cNvSpPr>
+            <a:spLocks noGrp="1"/>
+          </p:cNvSpPr>
+          <p:nvPr>
+            <p:ph idx="1"/>
+          </p:nvPr>
+        </p:nvSpPr>
+        <p:spPr/>
+        <p:txBody>
+          <a:bodyPr>
+            <a:normAutofit/>
+          </a:bodyPr>
+          <a:lstStyle/>
+          <a:p>
+            <a:pPr marL="0" indent="0">
+              <a:buNone/>
+            </a:pPr>
+            <a:r>
+              <a:rPr lang="en-US" dirty="0" smtClean="0"/>
+              <a:t>Code Coverage</a:t>
+            </a:r>
+          </a:p>
+          <a:p>
+            <a:r>
+              <a:rPr lang="en-US" dirty="0" smtClean="0"/>
+              <a:t>Was </a:t>
+            </a:r>
+            <a:r>
+              <a:rPr lang="en-US" dirty="0" err="1" smtClean="0"/>
+              <a:t>ist</a:t>
+            </a:r>
+            <a:r>
+              <a:rPr lang="en-US" dirty="0" smtClean="0"/>
+              <a:t> Code Coverage?</a:t>
+            </a:r>
+          </a:p>
+          <a:p>
+            <a:r>
+              <a:rPr lang="en-US" dirty="0" err="1" smtClean="0"/>
+              <a:t>Wie</a:t>
+            </a:r>
+            <a:r>
+              <a:rPr lang="en-US" dirty="0" smtClean="0"/>
+              <a:t> </a:t>
+            </a:r>
+            <a:r>
+              <a:rPr lang="en-US" dirty="0" err="1" smtClean="0"/>
+              <a:t>hilft</a:t>
+            </a:r>
+            <a:r>
+              <a:rPr lang="en-US" dirty="0" smtClean="0"/>
+              <a:t> </a:t>
+            </a:r>
+            <a:r>
+              <a:rPr lang="en-US" dirty="0" err="1" smtClean="0"/>
+              <a:t>uns</a:t>
+            </a:r>
+            <a:r>
+              <a:rPr lang="en-US" dirty="0" smtClean="0"/>
+              <a:t> </a:t>
+            </a:r>
+            <a:r>
+              <a:rPr lang="en-US" dirty="0" err="1" smtClean="0"/>
+              <a:t>diese</a:t>
+            </a:r>
+            <a:r>
+              <a:rPr lang="en-US" dirty="0" smtClean="0"/>
+              <a:t> </a:t>
+            </a:r>
+            <a:r>
+              <a:rPr lang="en-US" dirty="0" err="1" smtClean="0"/>
+              <a:t>bei</a:t>
+            </a:r>
+            <a:r>
+              <a:rPr lang="en-US" dirty="0" smtClean="0"/>
+              <a:t> der </a:t>
+            </a:r>
+            <a:r>
+              <a:rPr lang="en-US" dirty="0" err="1" smtClean="0"/>
+              <a:t>Entwicklung</a:t>
+            </a:r>
+            <a:r>
+              <a:rPr lang="en-US" dirty="0" smtClean="0"/>
+              <a:t>?</a:t>
+            </a:r>
+            <a:endParaRPr lang="en-US" dirty="0" smtClean="0"/>
+          </a:p>
+        </p:txBody>
+      </p:sp>
+    </p:spTree>
+    <p:extLst>
+      <p:ext uri="{BB962C8B-B14F-4D97-AF65-F5344CB8AC3E}">
+        <p14:creationId xmlns:p14="http://schemas.microsoft.com/office/powerpoint/2010/main" val="3423984556"/>
+      </p:ext>
+    </p:extLst>
+  </p:cSld>
+  <p:clrMapOvr>
+    <a:masterClrMapping/>
+  </p:clrMapOvr>
+  <p:timing>
+    <p:tnLst>
+      <p:par>
+        <p:cTn id="1" dur="indefinite" restart="never" nodeType="tmRoot"/>
+      </p:par>
+    </p:tnLst>
+  </p:timing>
+</p:sld>
+</file>
+
+<file path=ppt/slides/slide2.xml><?xml version="1.0" encoding="utf-8"?>
+<p:sld xmlns:a="http://schemas.openxmlformats.org/drawingml/2006/main" xmlns:r="http://schemas.openxmlformats.org/officeDocument/2006/relationships" xmlns:p="http://schemas.openxmlformats.org/presentationml/2006/main" show="0">
+  <p:cSld>
+    <p:spTree>
+      <p:nvGrpSpPr>
+        <p:cNvPr id="1" name=""/>
+        <p:cNvGrpSpPr/>
+        <p:nvPr/>
+      </p:nvGrpSpPr>
+      <p:grpSpPr>
+        <a:xfrm>
+          <a:off x="0" y="0"/>
+          <a:ext cx="0" cy="0"/>
+          <a:chOff x="0" y="0"/>
+          <a:chExt cx="0" cy="0"/>
+        </a:xfrm>
+      </p:grpSpPr>
+      <p:sp>
+        <p:nvSpPr>
+          <p:cNvPr id="2" name="Titel 1"/>
+          <p:cNvSpPr>
+            <a:spLocks noGrp="1"/>
+          </p:cNvSpPr>
+          <p:nvPr>
+            <p:ph type="title"/>
+          </p:nvPr>
+        </p:nvSpPr>
+        <p:spPr/>
+        <p:txBody>
+          <a:bodyPr>
+            <a:normAutofit fontScale="90000"/>
+          </a:bodyPr>
+          <a:lstStyle/>
+          <a:p>
+            <a:r>
+              <a:rPr lang="de-DE" dirty="0" smtClean="0"/>
               <a:t>Aktueller Stand &amp; nächste Schritte</a:t>
             </a:r>
             <a:endParaRPr lang="de-DE" dirty="0"/>
@@ -3948,6 +4168,14 @@
   <p:clrMapOvr>
     <a:masterClrMapping/>
   </p:clrMapOvr>
+  <mc:AlternateContent xmlns:mc="http://schemas.openxmlformats.org/markup-compatibility/2006">
+    <mc:Choice xmlns:p14="http://schemas.microsoft.com/office/powerpoint/2010/main" Requires="p14">
+      <p:transition spd="slow" p14:dur="2000"/>
+    </mc:Choice>
+    <mc:Fallback>
+      <p:transition spd="slow"/>
+    </mc:Fallback>
+  </mc:AlternateContent>
   <p:timing>
     <p:tnLst>
       <p:par>
@@ -4598,7 +4826,11 @@
           <a:p>
             <a:r>
               <a:rPr lang="de-DE" dirty="0" smtClean="0"/>
-              <a:t>Aufgabe: Taschenrechner</a:t>
+              <a:t>Gemeinsames </a:t>
+            </a:r>
+            <a:r>
+              <a:rPr lang="de-DE" dirty="0" err="1" smtClean="0"/>
+              <a:t>Refactoring</a:t>
             </a:r>
             <a:endParaRPr lang="de-DE" dirty="0"/>
           </a:p>
@@ -4617,7 +4849,7 @@
         <p:spPr/>
         <p:txBody>
           <a:bodyPr>
-            <a:normAutofit/>
+            <a:normAutofit lnSpcReduction="10000"/>
           </a:bodyPr>
           <a:lstStyle/>
           <a:p>
@@ -4625,93 +4857,64 @@
               <a:buNone/>
             </a:pPr>
             <a:r>
-              <a:rPr lang="de-DE" dirty="0" smtClean="0"/>
-              <a:t>Entwickelt eine Taschenrechner-Anwendung mit folgenden Eigenschaften:</a:t>
-            </a:r>
-          </a:p>
-          <a:p>
-            <a:pPr marL="0" indent="0">
-              <a:buNone/>
-            </a:pPr>
-            <a:r>
-              <a:rPr lang="de-DE" dirty="0" smtClean="0"/>
-              <a:t>1. Rechner hat Methode </a:t>
-            </a:r>
-            <a:r>
-              <a:rPr lang="de-DE" dirty="0" err="1" smtClean="0">
-                <a:latin typeface="Courier New" panose="02070309020205020404" pitchFamily="49" charset="0"/>
-                <a:cs typeface="Courier New" panose="02070309020205020404" pitchFamily="49" charset="0"/>
-              </a:rPr>
-              <a:t>add</a:t>
-            </a:r>
-            <a:r>
-              <a:rPr lang="de-DE" dirty="0" smtClean="0">
-                <a:latin typeface="Courier New" panose="02070309020205020404" pitchFamily="49" charset="0"/>
-                <a:cs typeface="Courier New" panose="02070309020205020404" pitchFamily="49" charset="0"/>
-              </a:rPr>
-              <a:t>(</a:t>
-            </a:r>
-            <a:r>
-              <a:rPr lang="de-DE" dirty="0" err="1" smtClean="0">
-                <a:latin typeface="Courier New" panose="02070309020205020404" pitchFamily="49" charset="0"/>
-                <a:cs typeface="Courier New" panose="02070309020205020404" pitchFamily="49" charset="0"/>
-              </a:rPr>
-              <a:t>numbers</a:t>
-            </a:r>
-            <a:r>
-              <a:rPr lang="de-DE" dirty="0" smtClean="0">
-                <a:latin typeface="Courier New" panose="02070309020205020404" pitchFamily="49" charset="0"/>
-                <a:cs typeface="Courier New" panose="02070309020205020404" pitchFamily="49" charset="0"/>
-              </a:rPr>
-              <a:t>: String): </a:t>
-            </a:r>
-            <a:r>
-              <a:rPr lang="de-DE" dirty="0" err="1" smtClean="0">
-                <a:latin typeface="Courier New" panose="02070309020205020404" pitchFamily="49" charset="0"/>
-                <a:cs typeface="Courier New" panose="02070309020205020404" pitchFamily="49" charset="0"/>
-              </a:rPr>
-              <a:t>int</a:t>
-            </a:r>
-            <a:endParaRPr lang="de-DE" dirty="0" smtClean="0">
-              <a:latin typeface="Courier New" panose="02070309020205020404" pitchFamily="49" charset="0"/>
-              <a:cs typeface="Courier New" panose="02070309020205020404" pitchFamily="49" charset="0"/>
-            </a:endParaRPr>
-          </a:p>
-          <a:p>
-            <a:pPr lvl="1"/>
-            <a:r>
-              <a:rPr lang="de-DE" dirty="0" smtClean="0"/>
-              <a:t>Sie nimmt 0, 1 oder </a:t>
-            </a:r>
-            <a:r>
-              <a:rPr lang="de-DE" dirty="0"/>
-              <a:t>2 Zahlen Komma-separiert entgegen </a:t>
-            </a:r>
-            <a:r>
-              <a:rPr lang="de-DE" dirty="0" smtClean="0"/>
-              <a:t>und gibt ihre Summe zurück.</a:t>
-            </a:r>
-            <a:br>
-              <a:rPr lang="de-DE" dirty="0" smtClean="0"/>
-            </a:br>
-            <a:r>
-              <a:rPr lang="de-DE" dirty="0" smtClean="0"/>
-              <a:t>Eingaben: „“ oder „1“ oder „1,2“</a:t>
-            </a:r>
-          </a:p>
-          <a:p>
-            <a:pPr marL="514350" indent="-514350">
-              <a:buFont typeface="+mj-lt"/>
-              <a:buAutoNum type="arabicPeriod"/>
-            </a:pPr>
-            <a:endParaRPr lang="de-DE" dirty="0" smtClean="0"/>
+              <a:rPr lang="de-DE" sz="3600" b="1" dirty="0" smtClean="0"/>
+              <a:t>Aufgaben für heute</a:t>
+            </a:r>
+          </a:p>
+          <a:p>
+            <a:r>
+              <a:rPr lang="de-DE" sz="3600" dirty="0" smtClean="0"/>
+              <a:t>bisherigen Code ansehen</a:t>
+            </a:r>
+          </a:p>
+          <a:p>
+            <a:r>
+              <a:rPr lang="de-DE" sz="3600" dirty="0" smtClean="0"/>
+              <a:t>Bad </a:t>
+            </a:r>
+            <a:r>
+              <a:rPr lang="de-DE" sz="3600" dirty="0" err="1" smtClean="0"/>
+              <a:t>Smells</a:t>
+            </a:r>
+            <a:r>
+              <a:rPr lang="de-DE" sz="3600" dirty="0" smtClean="0"/>
+              <a:t> und andere Mängel aufzeigen</a:t>
+            </a:r>
+          </a:p>
+          <a:p>
+            <a:r>
+              <a:rPr lang="de-DE" sz="3600" dirty="0" err="1" smtClean="0"/>
+              <a:t>Refactorings</a:t>
+            </a:r>
+            <a:r>
+              <a:rPr lang="de-DE" sz="3600" dirty="0" smtClean="0"/>
+              <a:t> durchführen</a:t>
+            </a:r>
+          </a:p>
+          <a:p>
+            <a:r>
+              <a:rPr lang="de-DE" sz="3600" dirty="0" smtClean="0"/>
+              <a:t>Tests ggf. ergänzen</a:t>
+            </a:r>
+          </a:p>
+          <a:p>
+            <a:endParaRPr lang="de-DE" sz="3600" dirty="0"/>
+          </a:p>
+          <a:p>
+            <a:r>
+              <a:rPr lang="de-DE" sz="3600" dirty="0" smtClean="0"/>
+              <a:t>mit den fertigen Lösungsvorschlägen vergleichen</a:t>
+            </a:r>
+          </a:p>
+          <a:p>
+            <a:endParaRPr lang="de-DE" sz="3600" dirty="0"/>
           </a:p>
         </p:txBody>
       </p:sp>
     </p:spTree>
     <p:extLst>
       <p:ext uri="{BB962C8B-B14F-4D97-AF65-F5344CB8AC3E}">
-        <p14:creationId xmlns:p14="http://schemas.microsoft.com/office/powerpoint/2010/main" val="2940747982"/>
+        <p14:creationId xmlns:p14="http://schemas.microsoft.com/office/powerpoint/2010/main" val="2682521544"/>
       </p:ext>
     </p:extLst>
   </p:cSld>
@@ -4792,7 +4995,7 @@
             </a:pPr>
             <a:r>
               <a:rPr lang="de-DE" dirty="0" smtClean="0"/>
-              <a:t>Zusätzliche Anforderung:</a:t>
+              <a:t>Entwickelt eine Taschenrechner-Anwendung mit folgenden Eigenschaften:</a:t>
             </a:r>
           </a:p>
           <a:p>
@@ -4800,28 +5003,139 @@
               <a:buNone/>
             </a:pPr>
             <a:r>
+              <a:rPr lang="de-DE" dirty="0" smtClean="0"/>
+              <a:t>1. Rechner hat Methode </a:t>
+            </a:r>
+            <a:r>
+              <a:rPr lang="de-DE" dirty="0" err="1" smtClean="0">
+                <a:latin typeface="Courier New" panose="02070309020205020404" pitchFamily="49" charset="0"/>
+                <a:cs typeface="Courier New" panose="02070309020205020404" pitchFamily="49" charset="0"/>
+              </a:rPr>
+              <a:t>add</a:t>
+            </a:r>
+            <a:r>
+              <a:rPr lang="de-DE" dirty="0" smtClean="0">
+                <a:latin typeface="Courier New" panose="02070309020205020404" pitchFamily="49" charset="0"/>
+                <a:cs typeface="Courier New" panose="02070309020205020404" pitchFamily="49" charset="0"/>
+              </a:rPr>
+              <a:t>(</a:t>
+            </a:r>
+            <a:r>
+              <a:rPr lang="de-DE" dirty="0" err="1" smtClean="0">
+                <a:latin typeface="Courier New" panose="02070309020205020404" pitchFamily="49" charset="0"/>
+                <a:cs typeface="Courier New" panose="02070309020205020404" pitchFamily="49" charset="0"/>
+              </a:rPr>
+              <a:t>numbers</a:t>
+            </a:r>
+            <a:r>
+              <a:rPr lang="de-DE" dirty="0" smtClean="0">
+                <a:latin typeface="Courier New" panose="02070309020205020404" pitchFamily="49" charset="0"/>
+                <a:cs typeface="Courier New" panose="02070309020205020404" pitchFamily="49" charset="0"/>
+              </a:rPr>
+              <a:t>: String): </a:t>
+            </a:r>
+            <a:r>
+              <a:rPr lang="de-DE" dirty="0" err="1" smtClean="0">
+                <a:latin typeface="Courier New" panose="02070309020205020404" pitchFamily="49" charset="0"/>
+                <a:cs typeface="Courier New" panose="02070309020205020404" pitchFamily="49" charset="0"/>
+              </a:rPr>
+              <a:t>int</a:t>
+            </a:r>
+            <a:endParaRPr lang="de-DE" dirty="0" smtClean="0">
+              <a:latin typeface="Courier New" panose="02070309020205020404" pitchFamily="49" charset="0"/>
+              <a:cs typeface="Courier New" panose="02070309020205020404" pitchFamily="49" charset="0"/>
+            </a:endParaRPr>
+          </a:p>
+          <a:p>
+            <a:pPr lvl="1"/>
+            <a:r>
+              <a:rPr lang="de-DE" dirty="0" smtClean="0"/>
+              <a:t>Sie nimmt 0, 1 oder </a:t>
+            </a:r>
+            <a:r>
               <a:rPr lang="de-DE" dirty="0"/>
-              <a:t>2</a:t>
+              <a:t>2 Zahlen Komma-separiert entgegen </a:t>
             </a:r>
             <a:r>
               <a:rPr lang="de-DE" dirty="0" smtClean="0"/>
-              <a:t>. Die Methode </a:t>
-            </a:r>
-            <a:r>
-              <a:rPr lang="de-DE" dirty="0" err="1" smtClean="0"/>
-              <a:t>add</a:t>
-            </a:r>
-            <a:r>
+              <a:t>und gibt ihre Summe zurück.</a:t>
+            </a:r>
+            <a:br>
               <a:rPr lang="de-DE" dirty="0" smtClean="0"/>
-              <a:t> soll eine beliebige Anzahl von Zahlen entgegennehmen können.</a:t>
-            </a:r>
+            </a:br>
+            <a:r>
+              <a:rPr lang="de-DE" dirty="0" smtClean="0"/>
+              <a:t>Eingaben: „“ oder „1“ oder „1,2“</a:t>
+            </a:r>
+          </a:p>
+          <a:p>
+            <a:pPr marL="514350" indent="-514350">
+              <a:buFont typeface="+mj-lt"/>
+              <a:buAutoNum type="arabicPeriod"/>
+            </a:pPr>
+            <a:endParaRPr lang="de-DE" dirty="0" smtClean="0"/>
+          </a:p>
+        </p:txBody>
+      </p:sp>
+      <p:sp>
+        <p:nvSpPr>
+          <p:cNvPr id="4" name="Abgerundetes Rechteck 3"/>
+          <p:cNvSpPr/>
+          <p:nvPr/>
+        </p:nvSpPr>
+        <p:spPr>
+          <a:xfrm rot="21114850">
+            <a:off x="5975728" y="4367081"/>
+            <a:ext cx="2122235" cy="655870"/>
+          </a:xfrm>
+          <a:prstGeom prst="roundRect">
+            <a:avLst/>
+          </a:prstGeom>
+          <a:solidFill>
+            <a:schemeClr val="bg1"/>
+          </a:solidFill>
+        </p:spPr>
+        <p:style>
+          <a:lnRef idx="2">
+            <a:schemeClr val="accent1">
+              <a:shade val="50000"/>
+            </a:schemeClr>
+          </a:lnRef>
+          <a:fillRef idx="1">
+            <a:schemeClr val="accent1"/>
+          </a:fillRef>
+          <a:effectRef idx="0">
+            <a:schemeClr val="accent1"/>
+          </a:effectRef>
+          <a:fontRef idx="minor">
+            <a:schemeClr val="lt1"/>
+          </a:fontRef>
+        </p:style>
+        <p:txBody>
+          <a:bodyPr rtlCol="0" anchor="ctr"/>
+          <a:lstStyle/>
+          <a:p>
+            <a:pPr algn="ctr"/>
+            <a:r>
+              <a:rPr lang="de-DE" sz="3600" dirty="0" smtClean="0">
+                <a:solidFill>
+                  <a:schemeClr val="tx2"/>
+                </a:solidFill>
+              </a:rPr>
+              <a:t>erledigt</a:t>
+            </a:r>
+            <a:endParaRPr lang="de-DE" sz="3600" dirty="0" smtClean="0">
+              <a:solidFill>
+                <a:schemeClr val="tx2"/>
+              </a:solidFill>
+            </a:endParaRPr>
           </a:p>
         </p:txBody>
       </p:sp>
     </p:spTree>
     <p:extLst>
       <p:ext uri="{BB962C8B-B14F-4D97-AF65-F5344CB8AC3E}">
-        <p14:creationId xmlns:p14="http://schemas.microsoft.com/office/powerpoint/2010/main" val="2514873725"/>
+        <p14:creationId xmlns:p14="http://schemas.microsoft.com/office/powerpoint/2010/main" val="2940747982"/>
       </p:ext>
     </p:extLst>
   </p:cSld>
@@ -4831,9 +5145,83 @@
   <p:timing>
     <p:tnLst>
       <p:par>
-        <p:cTn id="1" dur="indefinite" restart="never" nodeType="tmRoot"/>
+        <p:cTn id="1" dur="indefinite" restart="never" nodeType="tmRoot">
+          <p:childTnLst>
+            <p:seq concurrent="1" nextAc="seek">
+              <p:cTn id="2" dur="indefinite" nodeType="mainSeq">
+                <p:childTnLst>
+                  <p:par>
+                    <p:cTn id="3" fill="hold">
+                      <p:stCondLst>
+                        <p:cond delay="indefinite"/>
+                        <p:cond evt="onBegin" delay="0">
+                          <p:tn val="2"/>
+                        </p:cond>
+                      </p:stCondLst>
+                      <p:childTnLst>
+                        <p:par>
+                          <p:cTn id="4" fill="hold">
+                            <p:stCondLst>
+                              <p:cond delay="0"/>
+                            </p:stCondLst>
+                            <p:childTnLst>
+                              <p:par>
+                                <p:cTn id="5" presetID="1" presetClass="entr" presetSubtype="0" fill="hold" grpId="0" nodeType="withEffect">
+                                  <p:stCondLst>
+                                    <p:cond delay="0"/>
+                                  </p:stCondLst>
+                                  <p:childTnLst>
+                                    <p:set>
+                                      <p:cBhvr>
+                                        <p:cTn id="6" dur="1" fill="hold">
+                                          <p:stCondLst>
+                                            <p:cond delay="0"/>
+                                          </p:stCondLst>
+                                        </p:cTn>
+                                        <p:tgtEl>
+                                          <p:spTgt spid="4"/>
+                                        </p:tgtEl>
+                                        <p:attrNameLst>
+                                          <p:attrName>style.visibility</p:attrName>
+                                        </p:attrNameLst>
+                                      </p:cBhvr>
+                                      <p:to>
+                                        <p:strVal val="visible"/>
+                                      </p:to>
+                                    </p:set>
+                                  </p:childTnLst>
+                                </p:cTn>
+                              </p:par>
+                            </p:childTnLst>
+                          </p:cTn>
+                        </p:par>
+                      </p:childTnLst>
+                    </p:cTn>
+                  </p:par>
+                </p:childTnLst>
+              </p:cTn>
+              <p:prevCondLst>
+                <p:cond evt="onPrev" delay="0">
+                  <p:tgtEl>
+                    <p:sldTgt/>
+                  </p:tgtEl>
+                </p:cond>
+              </p:prevCondLst>
+              <p:nextCondLst>
+                <p:cond evt="onNext" delay="0">
+                  <p:tgtEl>
+                    <p:sldTgt/>
+                  </p:tgtEl>
+                </p:cond>
+              </p:nextCondLst>
+            </p:seq>
+          </p:childTnLst>
+        </p:cTn>
       </p:par>
     </p:tnLst>
+    <p:bldLst>
+      <p:bldP spid="4" grpId="0" animBg="1"/>
+    </p:bldLst>
   </p:timing>
 </p:sld>
 </file>
@@ -4910,8 +5298,12 @@
               <a:buNone/>
             </a:pPr>
             <a:r>
+              <a:rPr lang="de-DE" dirty="0"/>
+              <a:t>2</a:t>
+            </a:r>
+            <a:r>
               <a:rPr lang="de-DE" dirty="0" smtClean="0"/>
-              <a:t>3. Die Methode </a:t>
+              <a:t>. Die Methode </a:t>
             </a:r>
             <a:r>
               <a:rPr lang="de-DE" dirty="0" err="1" smtClean="0"/>
@@ -4919,46 +5311,70 @@
             </a:r>
             <a:r>
               <a:rPr lang="de-DE" dirty="0" smtClean="0"/>
-              <a:t> soll Zeilenumbrüche statt der Kommas als </a:t>
-            </a:r>
-            <a:r>
-              <a:rPr lang="de-DE" dirty="0" err="1" smtClean="0"/>
-              <a:t>Trenner</a:t>
-            </a:r>
-            <a:r>
-              <a:rPr lang="de-DE" dirty="0" smtClean="0"/>
-              <a:t> zwischen eingegebenen Zahlen erlauben.</a:t>
-            </a:r>
-            <a:br>
-              <a:rPr lang="de-DE" dirty="0" smtClean="0"/>
-            </a:br>
-            <a:r>
-              <a:rPr lang="de-DE" dirty="0"/>
-              <a:t>Bsp</a:t>
-            </a:r>
-            <a:r>
-              <a:rPr lang="de-DE" dirty="0" smtClean="0"/>
-              <a:t>.:</a:t>
-            </a:r>
-          </a:p>
-          <a:p>
-            <a:r>
-              <a:rPr lang="de-DE" dirty="0" smtClean="0"/>
-              <a:t>gültige Eingabe: „1\n2,3“</a:t>
-            </a:r>
-          </a:p>
-          <a:p>
-            <a:r>
-              <a:rPr lang="de-DE" dirty="0" smtClean="0"/>
-              <a:t>Ungültige Eingabe: „1,\n“ (muss hier nicht speziell behandelt werden)</a:t>
-            </a:r>
+              <a:t> soll eine beliebige Anzahl von Zahlen entgegennehmen können.</a:t>
+            </a:r>
+          </a:p>
+        </p:txBody>
+      </p:sp>
+      <p:sp>
+        <p:nvSpPr>
+          <p:cNvPr id="4" name="Abgerundetes Rechteck 3"/>
+          <p:cNvSpPr/>
+          <p:nvPr/>
+        </p:nvSpPr>
+        <p:spPr>
+          <a:xfrm rot="21114850">
+            <a:off x="5975728" y="4367081"/>
+            <a:ext cx="2122235" cy="655870"/>
+          </a:xfrm>
+          <a:prstGeom prst="roundRect">
+            <a:avLst/>
+          </a:prstGeom>
+          <a:solidFill>
+            <a:schemeClr val="bg1"/>
+          </a:solidFill>
+        </p:spPr>
+        <p:style>
+          <a:lnRef idx="2">
+            <a:schemeClr val="accent1">
+              <a:shade val="50000"/>
+            </a:schemeClr>
+          </a:lnRef>
+          <a:fillRef idx="1">
+            <a:schemeClr val="accent1"/>
+          </a:fillRef>
+          <a:effectRef idx="0">
+            <a:schemeClr val="accent1"/>
+          </a:effectRef>
+          <a:fontRef idx="minor">
+            <a:schemeClr val="lt1"/>
+          </a:fontRef>
+        </p:style>
+        <p:txBody>
+          <a:bodyPr rtlCol="0" anchor="ctr"/>
+          <a:lstStyle/>
+          <a:p>
+            <a:pPr algn="ctr"/>
+            <a:r>
+              <a:rPr lang="de-DE" sz="3600" dirty="0" smtClean="0">
+                <a:solidFill>
+                  <a:schemeClr val="tx2"/>
+                </a:solidFill>
+              </a:rPr>
+              <a:t>erledigt</a:t>
+            </a:r>
+            <a:endParaRPr lang="de-DE" sz="3600" dirty="0" smtClean="0">
+              <a:solidFill>
+                <a:schemeClr val="tx2"/>
+              </a:solidFill>
+            </a:endParaRPr>
           </a:p>
         </p:txBody>
       </p:sp>
     </p:spTree>
     <p:extLst>
       <p:ext uri="{BB962C8B-B14F-4D97-AF65-F5344CB8AC3E}">
-        <p14:creationId xmlns:p14="http://schemas.microsoft.com/office/powerpoint/2010/main" val="3345074588"/>
+        <p14:creationId xmlns:p14="http://schemas.microsoft.com/office/powerpoint/2010/main" val="2514873725"/>
       </p:ext>
     </p:extLst>
   </p:cSld>
@@ -4968,9 +5384,83 @@
   <p:timing>
     <p:tnLst>
       <p:par>
-        <p:cTn id="1" dur="indefinite" restart="never" nodeType="tmRoot"/>
+        <p:cTn id="1" dur="indefinite" restart="never" nodeType="tmRoot">
+          <p:childTnLst>
+            <p:seq concurrent="1" nextAc="seek">
+              <p:cTn id="2" dur="indefinite" nodeType="mainSeq">
+                <p:childTnLst>
+                  <p:par>
+                    <p:cTn id="3" fill="hold">
+                      <p:stCondLst>
+                        <p:cond delay="indefinite"/>
+                        <p:cond evt="onBegin" delay="0">
+                          <p:tn val="2"/>
+                        </p:cond>
+                      </p:stCondLst>
+                      <p:childTnLst>
+                        <p:par>
+                          <p:cTn id="4" fill="hold">
+                            <p:stCondLst>
+                              <p:cond delay="0"/>
+                            </p:stCondLst>
+                            <p:childTnLst>
+                              <p:par>
+                                <p:cTn id="5" presetID="1" presetClass="entr" presetSubtype="0" fill="hold" grpId="0" nodeType="withEffect">
+                                  <p:stCondLst>
+                                    <p:cond delay="0"/>
+                                  </p:stCondLst>
+                                  <p:childTnLst>
+                                    <p:set>
+                                      <p:cBhvr>
+                                        <p:cTn id="6" dur="1" fill="hold">
+                                          <p:stCondLst>
+                                            <p:cond delay="0"/>
+                                          </p:stCondLst>
+                                        </p:cTn>
+                                        <p:tgtEl>
+                                          <p:spTgt spid="4"/>
+                                        </p:tgtEl>
+                                        <p:attrNameLst>
+                                          <p:attrName>style.visibility</p:attrName>
+                                        </p:attrNameLst>
+                                      </p:cBhvr>
+                                      <p:to>
+                                        <p:strVal val="visible"/>
+                                      </p:to>
+                                    </p:set>
+                                  </p:childTnLst>
+                                </p:cTn>
+                              </p:par>
+                            </p:childTnLst>
+                          </p:cTn>
+                        </p:par>
+                      </p:childTnLst>
+                    </p:cTn>
+                  </p:par>
+                </p:childTnLst>
+              </p:cTn>
+              <p:prevCondLst>
+                <p:cond evt="onPrev" delay="0">
+                  <p:tgtEl>
+                    <p:sldTgt/>
+                  </p:tgtEl>
+                </p:cond>
+              </p:prevCondLst>
+              <p:nextCondLst>
+                <p:cond evt="onNext" delay="0">
+                  <p:tgtEl>
+                    <p:sldTgt/>
+                  </p:tgtEl>
+                </p:cond>
+              </p:nextCondLst>
+            </p:seq>
+          </p:childTnLst>
+        </p:cTn>
       </p:par>
     </p:tnLst>
+    <p:bldLst>
+      <p:bldP spid="4" grpId="0" animBg="1"/>
+    </p:bldLst>
   </p:timing>
 </p:sld>
 </file>
@@ -5047,61 +5537,110 @@
               <a:buNone/>
             </a:pPr>
             <a:r>
+              <a:rPr lang="de-DE" dirty="0" smtClean="0"/>
+              <a:t>3. Die Methode </a:t>
+            </a:r>
+            <a:r>
+              <a:rPr lang="de-DE" dirty="0" err="1" smtClean="0"/>
+              <a:t>add</a:t>
+            </a:r>
+            <a:r>
+              <a:rPr lang="de-DE" dirty="0" smtClean="0"/>
+              <a:t> soll Zeilenumbrüche statt der Kommas als </a:t>
+            </a:r>
+            <a:r>
+              <a:rPr lang="de-DE" dirty="0" err="1" smtClean="0"/>
+              <a:t>Trenner</a:t>
+            </a:r>
+            <a:r>
+              <a:rPr lang="de-DE" dirty="0" smtClean="0"/>
+              <a:t> zwischen eingegebenen Zahlen erlauben.</a:t>
+            </a:r>
+            <a:br>
+              <a:rPr lang="de-DE" dirty="0" smtClean="0"/>
+            </a:br>
+            <a:r>
               <a:rPr lang="de-DE" dirty="0"/>
-              <a:t>4</a:t>
+              <a:t>Bsp</a:t>
             </a:r>
             <a:r>
               <a:rPr lang="de-DE" dirty="0" smtClean="0"/>
-              <a:t>. Trennzeichen sollen frei wählbar sein.</a:t>
-            </a:r>
-          </a:p>
-          <a:p>
-            <a:pPr lvl="1"/>
+              <a:t>.:</a:t>
+            </a:r>
+          </a:p>
+          <a:p>
             <a:r>
               <a:rPr lang="de-DE" dirty="0" smtClean="0"/>
-              <a:t>Zum Ändern des Trennzeichens soll der Eingabestring mit einer zusätzlichen Zeile beginnen, die wie </a:t>
-            </a:r>
-            <a:r>
-              <a:rPr lang="de-DE" dirty="0"/>
-              <a:t>folgt aussieht:</a:t>
-            </a:r>
-            <a:br>
-              <a:rPr lang="de-DE" dirty="0"/>
-            </a:br>
+              <a:t>gültige Eingabe: „1\n2,3“</a:t>
+            </a:r>
+          </a:p>
+          <a:p>
             <a:r>
               <a:rPr lang="de-DE" dirty="0" smtClean="0"/>
-              <a:t>„//[</a:t>
-            </a:r>
-            <a:r>
-              <a:rPr lang="de-DE" dirty="0" err="1"/>
-              <a:t>delimiter</a:t>
-            </a:r>
-            <a:r>
-              <a:rPr lang="de-DE" dirty="0"/>
-              <a:t>]\n[</a:t>
-            </a:r>
-            <a:r>
-              <a:rPr lang="de-DE" dirty="0" err="1"/>
-              <a:t>numbers</a:t>
-            </a:r>
-            <a:r>
-              <a:rPr lang="de-DE" dirty="0" smtClean="0"/>
-              <a:t>…]“, Bsp.: „//;\n1;2“</a:t>
-            </a:r>
-          </a:p>
-          <a:p>
-            <a:pPr lvl="1"/>
-            <a:r>
-              <a:rPr lang="de-DE" dirty="0" smtClean="0"/>
-              <a:t>Die Zeile zum Bestimmen des Trennzeichens soll optional sein.</a:t>
-            </a:r>
+              <a:t>Ungültige Eingabe: „1,\n“ (muss hier nicht speziell behandelt werden)</a:t>
+            </a:r>
+          </a:p>
+        </p:txBody>
+      </p:sp>
+      <p:sp>
+        <p:nvSpPr>
+          <p:cNvPr id="4" name="Abgerundetes Rechteck 3"/>
+          <p:cNvSpPr/>
+          <p:nvPr/>
+        </p:nvSpPr>
+        <p:spPr>
+          <a:xfrm rot="21114850">
+            <a:off x="6002621" y="5015152"/>
+            <a:ext cx="2122235" cy="655870"/>
+          </a:xfrm>
+          <a:prstGeom prst="roundRect">
+            <a:avLst/>
+          </a:prstGeom>
+          <a:solidFill>
+            <a:schemeClr val="bg1"/>
+          </a:solidFill>
+        </p:spPr>
+        <p:style>
+          <a:lnRef idx="2">
+            <a:schemeClr val="accent1">
+              <a:shade val="50000"/>
+            </a:schemeClr>
+          </a:lnRef>
+          <a:fillRef idx="1">
+            <a:schemeClr val="accent1"/>
+          </a:fillRef>
+          <a:effectRef idx="0">
+            <a:schemeClr val="accent1"/>
+          </a:effectRef>
+          <a:fontRef idx="minor">
+            <a:schemeClr val="lt1"/>
+          </a:fontRef>
+        </p:style>
+        <p:txBody>
+          <a:bodyPr rtlCol="0" anchor="ctr"/>
+          <a:lstStyle/>
+          <a:p>
+            <a:pPr algn="ctr"/>
+            <a:r>
+              <a:rPr lang="de-DE" sz="3600" dirty="0" smtClean="0">
+                <a:solidFill>
+                  <a:schemeClr val="tx2"/>
+                </a:solidFill>
+              </a:rPr>
+              <a:t>erledigt</a:t>
+            </a:r>
+            <a:endParaRPr lang="de-DE" sz="3600" dirty="0" smtClean="0">
+              <a:solidFill>
+                <a:schemeClr val="tx2"/>
+              </a:solidFill>
+            </a:endParaRPr>
           </a:p>
         </p:txBody>
       </p:sp>
     </p:spTree>
     <p:extLst>
       <p:ext uri="{BB962C8B-B14F-4D97-AF65-F5344CB8AC3E}">
-        <p14:creationId xmlns:p14="http://schemas.microsoft.com/office/powerpoint/2010/main" val="1616037980"/>
+        <p14:creationId xmlns:p14="http://schemas.microsoft.com/office/powerpoint/2010/main" val="3345074588"/>
       </p:ext>
     </p:extLst>
   </p:cSld>
@@ -5111,9 +5650,83 @@
   <p:timing>
     <p:tnLst>
       <p:par>
-        <p:cTn id="1" dur="indefinite" restart="never" nodeType="tmRoot"/>
+        <p:cTn id="1" dur="indefinite" restart="never" nodeType="tmRoot">
+          <p:childTnLst>
+            <p:seq concurrent="1" nextAc="seek">
+              <p:cTn id="2" dur="indefinite" nodeType="mainSeq">
+                <p:childTnLst>
+                  <p:par>
+                    <p:cTn id="3" fill="hold">
+                      <p:stCondLst>
+                        <p:cond delay="indefinite"/>
+                        <p:cond evt="onBegin" delay="0">
+                          <p:tn val="2"/>
+                        </p:cond>
+                      </p:stCondLst>
+                      <p:childTnLst>
+                        <p:par>
+                          <p:cTn id="4" fill="hold">
+                            <p:stCondLst>
+                              <p:cond delay="0"/>
+                            </p:stCondLst>
+                            <p:childTnLst>
+                              <p:par>
+                                <p:cTn id="5" presetID="1" presetClass="entr" presetSubtype="0" fill="hold" grpId="0" nodeType="withEffect">
+                                  <p:stCondLst>
+                                    <p:cond delay="0"/>
+                                  </p:stCondLst>
+                                  <p:childTnLst>
+                                    <p:set>
+                                      <p:cBhvr>
+                                        <p:cTn id="6" dur="1" fill="hold">
+                                          <p:stCondLst>
+                                            <p:cond delay="0"/>
+                                          </p:stCondLst>
+                                        </p:cTn>
+                                        <p:tgtEl>
+                                          <p:spTgt spid="4"/>
+                                        </p:tgtEl>
+                                        <p:attrNameLst>
+                                          <p:attrName>style.visibility</p:attrName>
+                                        </p:attrNameLst>
+                                      </p:cBhvr>
+                                      <p:to>
+                                        <p:strVal val="visible"/>
+                                      </p:to>
+                                    </p:set>
+                                  </p:childTnLst>
+                                </p:cTn>
+                              </p:par>
+                            </p:childTnLst>
+                          </p:cTn>
+                        </p:par>
+                      </p:childTnLst>
+                    </p:cTn>
+                  </p:par>
+                </p:childTnLst>
+              </p:cTn>
+              <p:prevCondLst>
+                <p:cond evt="onPrev" delay="0">
+                  <p:tgtEl>
+                    <p:sldTgt/>
+                  </p:tgtEl>
+                </p:cond>
+              </p:prevCondLst>
+              <p:nextCondLst>
+                <p:cond evt="onNext" delay="0">
+                  <p:tgtEl>
+                    <p:sldTgt/>
+                  </p:tgtEl>
+                </p:cond>
+              </p:nextCondLst>
+            </p:seq>
+          </p:childTnLst>
+        </p:cTn>
       </p:par>
     </p:tnLst>
+    <p:bldLst>
+      <p:bldP spid="4" grpId="0" animBg="1"/>
+    </p:bldLst>
   </p:timing>
 </p:sld>
 </file>
@@ -5190,62 +5803,116 @@
               <a:buNone/>
             </a:pPr>
             <a:r>
+              <a:rPr lang="de-DE" dirty="0"/>
+              <a:t>4</a:t>
+            </a:r>
+            <a:r>
               <a:rPr lang="de-DE" dirty="0" smtClean="0"/>
-              <a:t>5. Der Aufruf der </a:t>
-            </a:r>
-            <a:r>
-              <a:rPr lang="de-DE" dirty="0" err="1" smtClean="0"/>
-              <a:t>add</a:t>
-            </a:r>
+              <a:t>. Trennzeichen sollen frei wählbar sein.</a:t>
+            </a:r>
+          </a:p>
+          <a:p>
+            <a:pPr lvl="1"/>
             <a:r>
               <a:rPr lang="de-DE" dirty="0" smtClean="0"/>
-              <a:t>-Methode mit einer negativen Zahl soll eine </a:t>
-            </a:r>
-            <a:r>
-              <a:rPr lang="de-DE" dirty="0" err="1" smtClean="0"/>
-              <a:t>Exception</a:t>
-            </a:r>
+              <a:t>Zum Ändern des Trennzeichens soll der Eingabestring mit einer zusätzlichen Zeile beginnen, die wie </a:t>
+            </a:r>
+            <a:r>
+              <a:rPr lang="de-DE" dirty="0"/>
+              <a:t>folgt aussieht:</a:t>
+            </a:r>
+            <a:br>
+              <a:rPr lang="de-DE" dirty="0"/>
+            </a:br>
             <a:r>
               <a:rPr lang="de-DE" dirty="0" smtClean="0"/>
-              <a:t> „Negative Zahlen sind nicht erlaubt.“ werfen.</a:t>
+              <a:t>„//[</a:t>
+            </a:r>
+            <a:r>
+              <a:rPr lang="de-DE" dirty="0" err="1"/>
+              <a:t>delimiter</a:t>
+            </a:r>
+            <a:r>
+              <a:rPr lang="de-DE" dirty="0"/>
+              <a:t>]\n[</a:t>
+            </a:r>
+            <a:r>
+              <a:rPr lang="de-DE" dirty="0" err="1"/>
+              <a:t>numbers</a:t>
+            </a:r>
+            <a:r>
+              <a:rPr lang="de-DE" dirty="0" smtClean="0"/>
+              <a:t>…]“, Bsp.: „//;\n1;2“</a:t>
             </a:r>
           </a:p>
           <a:p>
             <a:pPr lvl="1"/>
             <a:r>
               <a:rPr lang="de-DE" dirty="0" smtClean="0"/>
-              <a:t>Die </a:t>
-            </a:r>
-            <a:r>
-              <a:rPr lang="de-DE" dirty="0" err="1" smtClean="0"/>
-              <a:t>Exception</a:t>
-            </a:r>
-            <a:r>
-              <a:rPr lang="de-DE" dirty="0" smtClean="0"/>
-              <a:t> soll die negative Zahl enthalten.</a:t>
-            </a:r>
-          </a:p>
-          <a:p>
-            <a:pPr lvl="1"/>
-            <a:r>
-              <a:rPr lang="de-DE" dirty="0" smtClean="0"/>
-              <a:t>Bei mehreren negativen Zahlen sollen alle in der </a:t>
-            </a:r>
-            <a:r>
-              <a:rPr lang="de-DE" dirty="0" err="1" smtClean="0"/>
-              <a:t>Exception</a:t>
-            </a:r>
-            <a:r>
-              <a:rPr lang="de-DE" dirty="0" smtClean="0"/>
-              <a:t> aufgelistet werden.</a:t>
-            </a:r>
+              <a:t>Die Zeile zum Bestimmen des Trennzeichens soll optional sein.</a:t>
+            </a:r>
+          </a:p>
+        </p:txBody>
+      </p:sp>
+      <p:sp>
+        <p:nvSpPr>
+          <p:cNvPr id="4" name="Abgerundetes Rechteck 3"/>
+          <p:cNvSpPr/>
+          <p:nvPr/>
+        </p:nvSpPr>
+        <p:spPr>
+          <a:xfrm rot="21114850">
+            <a:off x="5975728" y="4655112"/>
+            <a:ext cx="2122235" cy="655870"/>
+          </a:xfrm>
+          <a:prstGeom prst="roundRect">
+            <a:avLst/>
+          </a:prstGeom>
+          <a:solidFill>
+            <a:schemeClr val="bg1"/>
+          </a:solidFill>
+        </p:spPr>
+        <p:style>
+          <a:lnRef idx="2">
+            <a:schemeClr val="accent1">
+              <a:shade val="50000"/>
+            </a:schemeClr>
+          </a:lnRef>
+          <a:fillRef idx="1">
+            <a:schemeClr val="accent1"/>
+          </a:fillRef>
+          <a:effectRef idx="0">
+            <a:schemeClr val="accent1"/>
+          </a:effectRef>
+          <a:fontRef idx="minor">
+            <a:schemeClr val="lt1"/>
+          </a:fontRef>
+        </p:style>
+        <p:txBody>
+          <a:bodyPr rtlCol="0" anchor="ctr"/>
+          <a:lstStyle/>
+          <a:p>
+            <a:pPr algn="ctr"/>
+            <a:r>
+              <a:rPr lang="de-DE" sz="3600" dirty="0" smtClean="0">
+                <a:solidFill>
+                  <a:schemeClr val="tx2"/>
+                </a:solidFill>
+              </a:rPr>
+              <a:t>erledigt</a:t>
+            </a:r>
+            <a:endParaRPr lang="de-DE" sz="3600" dirty="0" smtClean="0">
+              <a:solidFill>
+                <a:schemeClr val="tx2"/>
+              </a:solidFill>
+            </a:endParaRPr>
           </a:p>
         </p:txBody>
       </p:sp>
     </p:spTree>
     <p:extLst>
       <p:ext uri="{BB962C8B-B14F-4D97-AF65-F5344CB8AC3E}">
-        <p14:creationId xmlns:p14="http://schemas.microsoft.com/office/powerpoint/2010/main" val="1858178028"/>
+        <p14:creationId xmlns:p14="http://schemas.microsoft.com/office/powerpoint/2010/main" val="1616037980"/>
       </p:ext>
     </p:extLst>
   </p:cSld>
@@ -5255,9 +5922,83 @@
   <p:timing>
     <p:tnLst>
       <p:par>
-        <p:cTn id="1" dur="indefinite" restart="never" nodeType="tmRoot"/>
+        <p:cTn id="1" dur="indefinite" restart="never" nodeType="tmRoot">
+          <p:childTnLst>
+            <p:seq concurrent="1" nextAc="seek">
+              <p:cTn id="2" dur="indefinite" nodeType="mainSeq">
+                <p:childTnLst>
+                  <p:par>
+                    <p:cTn id="3" fill="hold">
+                      <p:stCondLst>
+                        <p:cond delay="indefinite"/>
+                        <p:cond evt="onBegin" delay="0">
+                          <p:tn val="2"/>
+                        </p:cond>
+                      </p:stCondLst>
+                      <p:childTnLst>
+                        <p:par>
+                          <p:cTn id="4" fill="hold">
+                            <p:stCondLst>
+                              <p:cond delay="0"/>
+                            </p:stCondLst>
+                            <p:childTnLst>
+                              <p:par>
+                                <p:cTn id="5" presetID="1" presetClass="entr" presetSubtype="0" fill="hold" grpId="0" nodeType="withEffect">
+                                  <p:stCondLst>
+                                    <p:cond delay="0"/>
+                                  </p:stCondLst>
+                                  <p:childTnLst>
+                                    <p:set>
+                                      <p:cBhvr>
+                                        <p:cTn id="6" dur="1" fill="hold">
+                                          <p:stCondLst>
+                                            <p:cond delay="0"/>
+                                          </p:stCondLst>
+                                        </p:cTn>
+                                        <p:tgtEl>
+                                          <p:spTgt spid="4"/>
+                                        </p:tgtEl>
+                                        <p:attrNameLst>
+                                          <p:attrName>style.visibility</p:attrName>
+                                        </p:attrNameLst>
+                                      </p:cBhvr>
+                                      <p:to>
+                                        <p:strVal val="visible"/>
+                                      </p:to>
+                                    </p:set>
+                                  </p:childTnLst>
+                                </p:cTn>
+                              </p:par>
+                            </p:childTnLst>
+                          </p:cTn>
+                        </p:par>
+                      </p:childTnLst>
+                    </p:cTn>
+                  </p:par>
+                </p:childTnLst>
+              </p:cTn>
+              <p:prevCondLst>
+                <p:cond evt="onPrev" delay="0">
+                  <p:tgtEl>
+                    <p:sldTgt/>
+                  </p:tgtEl>
+                </p:cond>
+              </p:prevCondLst>
+              <p:nextCondLst>
+                <p:cond evt="onNext" delay="0">
+                  <p:tgtEl>
+                    <p:sldTgt/>
+                  </p:tgtEl>
+                </p:cond>
+              </p:nextCondLst>
+            </p:seq>
+          </p:childTnLst>
+        </p:cTn>
       </p:par>
     </p:tnLst>
+    <p:bldLst>
+      <p:bldP spid="4" grpId="0" animBg="1"/>
+    </p:bldLst>
   </p:timing>
 </p:sld>
 </file>

--- a/StringCalculator/doc/Coding-Dojo-2015-02-18.pptx
+++ b/StringCalculator/doc/Coding-Dojo-2015-02-18.pptx
@@ -6,18 +6,24 @@
   </p:sldMasterIdLst>
   <p:sldIdLst>
     <p:sldId id="259" r:id="rId2"/>
-    <p:sldId id="266" r:id="rId3"/>
-    <p:sldId id="268" r:id="rId4"/>
-    <p:sldId id="267" r:id="rId5"/>
-    <p:sldId id="269" r:id="rId6"/>
-    <p:sldId id="258" r:id="rId7"/>
-    <p:sldId id="260" r:id="rId8"/>
-    <p:sldId id="261" r:id="rId9"/>
-    <p:sldId id="262" r:id="rId10"/>
-    <p:sldId id="263" r:id="rId11"/>
-    <p:sldId id="265" r:id="rId12"/>
-    <p:sldId id="264" r:id="rId13"/>
-    <p:sldId id="270" r:id="rId14"/>
+    <p:sldId id="268" r:id="rId3"/>
+    <p:sldId id="267" r:id="rId4"/>
+    <p:sldId id="273" r:id="rId5"/>
+    <p:sldId id="272" r:id="rId6"/>
+    <p:sldId id="274" r:id="rId7"/>
+    <p:sldId id="271" r:id="rId8"/>
+    <p:sldId id="258" r:id="rId9"/>
+    <p:sldId id="260" r:id="rId10"/>
+    <p:sldId id="261" r:id="rId11"/>
+    <p:sldId id="262" r:id="rId12"/>
+    <p:sldId id="263" r:id="rId13"/>
+    <p:sldId id="265" r:id="rId14"/>
+    <p:sldId id="275" r:id="rId15"/>
+    <p:sldId id="276" r:id="rId16"/>
+    <p:sldId id="277" r:id="rId17"/>
+    <p:sldId id="278" r:id="rId18"/>
+    <p:sldId id="264" r:id="rId19"/>
+    <p:sldId id="270" r:id="rId20"/>
   </p:sldIdLst>
   <p:sldSz cx="9144000" cy="6858000" type="screen4x3"/>
   <p:notesSz cx="6858000" cy="9144000"/>
@@ -300,7 +306,7 @@
           <a:p>
             <a:fld id="{1BA50D42-C9CD-4801-B293-61D1F53EC57E}" type="datetimeFigureOut">
               <a:rPr lang="de-DE" smtClean="0"/>
-              <a:t>17.02.2015</a:t>
+              <a:t>18.02.2015</a:t>
             </a:fld>
             <a:endParaRPr lang="de-DE"/>
           </a:p>
@@ -465,7 +471,7 @@
           <a:p>
             <a:fld id="{1BA50D42-C9CD-4801-B293-61D1F53EC57E}" type="datetimeFigureOut">
               <a:rPr lang="de-DE" smtClean="0"/>
-              <a:t>17.02.2015</a:t>
+              <a:t>18.02.2015</a:t>
             </a:fld>
             <a:endParaRPr lang="de-DE"/>
           </a:p>
@@ -640,7 +646,7 @@
           <a:p>
             <a:fld id="{1BA50D42-C9CD-4801-B293-61D1F53EC57E}" type="datetimeFigureOut">
               <a:rPr lang="de-DE" smtClean="0"/>
-              <a:t>17.02.2015</a:t>
+              <a:t>18.02.2015</a:t>
             </a:fld>
             <a:endParaRPr lang="de-DE"/>
           </a:p>
@@ -805,7 +811,7 @@
           <a:p>
             <a:fld id="{1BA50D42-C9CD-4801-B293-61D1F53EC57E}" type="datetimeFigureOut">
               <a:rPr lang="de-DE" smtClean="0"/>
-              <a:t>17.02.2015</a:t>
+              <a:t>18.02.2015</a:t>
             </a:fld>
             <a:endParaRPr lang="de-DE"/>
           </a:p>
@@ -1046,7 +1052,7 @@
           <a:p>
             <a:fld id="{1BA50D42-C9CD-4801-B293-61D1F53EC57E}" type="datetimeFigureOut">
               <a:rPr lang="de-DE" smtClean="0"/>
-              <a:t>17.02.2015</a:t>
+              <a:t>18.02.2015</a:t>
             </a:fld>
             <a:endParaRPr lang="de-DE"/>
           </a:p>
@@ -1329,7 +1335,7 @@
           <a:p>
             <a:fld id="{1BA50D42-C9CD-4801-B293-61D1F53EC57E}" type="datetimeFigureOut">
               <a:rPr lang="de-DE" smtClean="0"/>
-              <a:t>17.02.2015</a:t>
+              <a:t>18.02.2015</a:t>
             </a:fld>
             <a:endParaRPr lang="de-DE"/>
           </a:p>
@@ -1746,7 +1752,7 @@
           <a:p>
             <a:fld id="{1BA50D42-C9CD-4801-B293-61D1F53EC57E}" type="datetimeFigureOut">
               <a:rPr lang="de-DE" smtClean="0"/>
-              <a:t>17.02.2015</a:t>
+              <a:t>18.02.2015</a:t>
             </a:fld>
             <a:endParaRPr lang="de-DE"/>
           </a:p>
@@ -1859,7 +1865,7 @@
           <a:p>
             <a:fld id="{1BA50D42-C9CD-4801-B293-61D1F53EC57E}" type="datetimeFigureOut">
               <a:rPr lang="de-DE" smtClean="0"/>
-              <a:t>17.02.2015</a:t>
+              <a:t>18.02.2015</a:t>
             </a:fld>
             <a:endParaRPr lang="de-DE"/>
           </a:p>
@@ -1949,7 +1955,7 @@
           <a:p>
             <a:fld id="{1BA50D42-C9CD-4801-B293-61D1F53EC57E}" type="datetimeFigureOut">
               <a:rPr lang="de-DE" smtClean="0"/>
-              <a:t>17.02.2015</a:t>
+              <a:t>18.02.2015</a:t>
             </a:fld>
             <a:endParaRPr lang="de-DE"/>
           </a:p>
@@ -2221,7 +2227,7 @@
           <a:p>
             <a:fld id="{1BA50D42-C9CD-4801-B293-61D1F53EC57E}" type="datetimeFigureOut">
               <a:rPr lang="de-DE" smtClean="0"/>
-              <a:t>17.02.2015</a:t>
+              <a:t>18.02.2015</a:t>
             </a:fld>
             <a:endParaRPr lang="de-DE"/>
           </a:p>
@@ -2469,7 +2475,7 @@
           <a:p>
             <a:fld id="{1BA50D42-C9CD-4801-B293-61D1F53EC57E}" type="datetimeFigureOut">
               <a:rPr lang="de-DE" smtClean="0"/>
-              <a:t>17.02.2015</a:t>
+              <a:t>18.02.2015</a:t>
             </a:fld>
             <a:endParaRPr lang="de-DE"/>
           </a:p>
@@ -2677,7 +2683,7 @@
           <a:p>
             <a:fld id="{1BA50D42-C9CD-4801-B293-61D1F53EC57E}" type="datetimeFigureOut">
               <a:rPr lang="de-DE" smtClean="0"/>
-              <a:t>17.02.2015</a:t>
+              <a:t>18.02.2015</a:t>
             </a:fld>
             <a:endParaRPr lang="de-DE"/>
           </a:p>
@@ -3066,7 +3072,11 @@
           <a:p>
             <a:r>
               <a:rPr lang="de-DE" dirty="0" smtClean="0"/>
-              <a:t>Unser Vorgehen heute</a:t>
+              <a:t>Regeln für </a:t>
+            </a:r>
+            <a:r>
+              <a:rPr lang="de-DE" dirty="0" smtClean="0"/>
+              <a:t>heute</a:t>
             </a:r>
             <a:endParaRPr lang="de-DE" dirty="0"/>
           </a:p>
@@ -3115,17 +3125,18 @@
           </a:p>
           <a:p>
             <a:r>
-              <a:rPr lang="de-DE" sz="2800" dirty="0" smtClean="0">
-                <a:solidFill>
-                  <a:srgbClr val="FF0000"/>
-                </a:solidFill>
-              </a:rPr>
-              <a:t>Semi-automatische</a:t>
-            </a:r>
-            <a:r>
               <a:rPr lang="de-DE" sz="2800" dirty="0" smtClean="0"/>
-              <a:t> Aktualisierung des Diagramms</a:t>
-            </a:r>
+              <a:t>Aktualisierung </a:t>
+            </a:r>
+            <a:r>
+              <a:rPr lang="de-DE" sz="2800" dirty="0" smtClean="0"/>
+              <a:t>des </a:t>
+            </a:r>
+            <a:r>
+              <a:rPr lang="de-DE" sz="2800" dirty="0" smtClean="0"/>
+              <a:t>Diagramms spätestens bei Wechsel des Piloten / Co-Piloten</a:t>
+            </a:r>
+            <a:endParaRPr lang="de-DE" sz="2800" dirty="0" smtClean="0"/>
           </a:p>
           <a:p>
             <a:r>
@@ -3154,7 +3165,18 @@
             </a:r>
             <a:r>
               <a:rPr lang="de-DE" sz="2800" dirty="0" smtClean="0"/>
-              <a:t>: Programmierstil, insb. </a:t>
+              <a:t>:</a:t>
+            </a:r>
+            <a:br>
+              <a:rPr lang="de-DE" sz="2800" dirty="0" smtClean="0"/>
+            </a:br>
+            <a:r>
+              <a:rPr lang="de-DE" sz="2800" dirty="0" smtClean="0"/>
+              <a:t>Programmierstil</a:t>
+            </a:r>
+            <a:r>
+              <a:rPr lang="de-DE" sz="2800" dirty="0" smtClean="0"/>
+              <a:t>, insb. </a:t>
             </a:r>
             <a:r>
               <a:rPr lang="de-DE" sz="2800" dirty="0" smtClean="0">
@@ -3303,7 +3325,7 @@
             </a:pPr>
             <a:r>
               <a:rPr lang="de-DE" dirty="0" smtClean="0"/>
-              <a:t>5. Der Aufruf der </a:t>
+              <a:t>3. Die Methode </a:t>
             </a:r>
             <a:r>
               <a:rPr lang="de-DE" dirty="0" err="1" smtClean="0"/>
@@ -3311,45 +3333,38 @@
             </a:r>
             <a:r>
               <a:rPr lang="de-DE" dirty="0" smtClean="0"/>
-              <a:t>-Methode mit einer negativen Zahl soll eine </a:t>
+              <a:t> soll Zeilenumbrüche statt der Kommas als </a:t>
             </a:r>
             <a:r>
               <a:rPr lang="de-DE" dirty="0" err="1" smtClean="0"/>
-              <a:t>Exception</a:t>
+              <a:t>Trenner</a:t>
             </a:r>
             <a:r>
               <a:rPr lang="de-DE" dirty="0" smtClean="0"/>
-              <a:t> „Negative Zahlen sind nicht erlaubt.“ werfen.</a:t>
-            </a:r>
-          </a:p>
-          <a:p>
-            <a:pPr lvl="1"/>
-            <a:r>
+              <a:t> zwischen eingegebenen Zahlen erlauben.</a:t>
+            </a:r>
+            <a:br>
               <a:rPr lang="de-DE" dirty="0" smtClean="0"/>
-              <a:t>Die </a:t>
-            </a:r>
-            <a:r>
-              <a:rPr lang="de-DE" dirty="0" err="1" smtClean="0"/>
-              <a:t>Exception</a:t>
+            </a:br>
+            <a:r>
+              <a:rPr lang="de-DE" dirty="0"/>
+              <a:t>Bsp</a:t>
             </a:r>
             <a:r>
               <a:rPr lang="de-DE" dirty="0" smtClean="0"/>
-              <a:t> soll die negative Zahl enthalten.</a:t>
-            </a:r>
-          </a:p>
-          <a:p>
-            <a:pPr lvl="1"/>
+              <a:t>.:</a:t>
+            </a:r>
+          </a:p>
+          <a:p>
             <a:r>
               <a:rPr lang="de-DE" dirty="0" smtClean="0"/>
-              <a:t>Bei mehreren negativen Zahlen sollen alle in der </a:t>
-            </a:r>
-            <a:r>
-              <a:rPr lang="de-DE" dirty="0" err="1" smtClean="0"/>
-              <a:t>Exception</a:t>
-            </a:r>
+              <a:t>gültige Eingabe: „1\n2,3“</a:t>
+            </a:r>
+          </a:p>
+          <a:p>
             <a:r>
               <a:rPr lang="de-DE" dirty="0" smtClean="0"/>
-              <a:t> aufgelistet werden.</a:t>
+              <a:t>Ungültige Eingabe: „1,\n“ (muss hier nicht speziell behandelt werden)</a:t>
             </a:r>
           </a:p>
         </p:txBody>
@@ -3362,7 +3377,7 @@
         </p:nvSpPr>
         <p:spPr>
           <a:xfrm rot="21114850">
-            <a:off x="5975728" y="4367081"/>
+            <a:off x="6002621" y="5015152"/>
             <a:ext cx="2122235" cy="655870"/>
           </a:xfrm>
           <a:prstGeom prst="roundRect">
@@ -3401,18 +3416,13 @@
               </a:rPr>
               <a:t>erledigt</a:t>
             </a:r>
-            <a:endParaRPr lang="de-DE" sz="3600" dirty="0" smtClean="0">
-              <a:solidFill>
-                <a:schemeClr val="tx2"/>
-              </a:solidFill>
-            </a:endParaRPr>
           </a:p>
         </p:txBody>
       </p:sp>
     </p:spTree>
     <p:extLst>
       <p:ext uri="{BB962C8B-B14F-4D97-AF65-F5344CB8AC3E}">
-        <p14:creationId xmlns:p14="http://schemas.microsoft.com/office/powerpoint/2010/main" val="1858178028"/>
+        <p14:creationId xmlns:p14="http://schemas.microsoft.com/office/powerpoint/2010/main" val="3345074588"/>
       </p:ext>
     </p:extLst>
   </p:cSld>
@@ -3576,957 +3586,56 @@
             </a:pPr>
             <a:r>
               <a:rPr lang="de-DE" dirty="0"/>
-              <a:t>6</a:t>
+              <a:t>4</a:t>
             </a:r>
             <a:r>
               <a:rPr lang="de-DE" dirty="0" smtClean="0"/>
-              <a:t>. Eine </a:t>
-            </a:r>
-            <a:r>
-              <a:rPr lang="de-DE" dirty="0" err="1" smtClean="0"/>
-              <a:t>multiply</a:t>
-            </a:r>
+              <a:t>. Trennzeichen sollen frei wählbar sein.</a:t>
+            </a:r>
+          </a:p>
+          <a:p>
+            <a:pPr lvl="1"/>
             <a:r>
               <a:rPr lang="de-DE" dirty="0" smtClean="0"/>
-              <a:t>-Methode zur Multiplikation von Zahlen soll ergänzt werden.</a:t>
+              <a:t>Zum Ändern des Trennzeichens soll der Eingabestring mit einer zusätzlichen Zeile beginnen, die wie </a:t>
+            </a:r>
+            <a:r>
+              <a:rPr lang="de-DE" dirty="0"/>
+              <a:t>folgt aussieht:</a:t>
+            </a:r>
+            <a:br>
+              <a:rPr lang="de-DE" dirty="0"/>
+            </a:br>
+            <a:r>
+              <a:rPr lang="de-DE" dirty="0" smtClean="0"/>
+              <a:t>„//[</a:t>
+            </a:r>
+            <a:r>
+              <a:rPr lang="de-DE" dirty="0" err="1"/>
+              <a:t>delimiter</a:t>
+            </a:r>
+            <a:r>
+              <a:rPr lang="de-DE" dirty="0"/>
+              <a:t>]\n[</a:t>
+            </a:r>
+            <a:r>
+              <a:rPr lang="de-DE" dirty="0" err="1"/>
+              <a:t>numbers</a:t>
+            </a:r>
+            <a:r>
+              <a:rPr lang="de-DE" dirty="0" smtClean="0"/>
+              <a:t>…]“, Bsp.: „//;\n1;2“</a:t>
             </a:r>
           </a:p>
           <a:p>
             <a:pPr lvl="1"/>
             <a:r>
               <a:rPr lang="de-DE" dirty="0" smtClean="0"/>
-              <a:t>Die zu verwendende Operation soll per optionaler Zeile angegeben werden:</a:t>
-            </a:r>
-            <a:br>
-              <a:rPr lang="de-DE" dirty="0" smtClean="0"/>
-            </a:br>
-            <a:r>
-              <a:rPr lang="de-DE" dirty="0" smtClean="0"/>
-              <a:t>„+\n5,3“ kennzeichnet die Operation 5 + 3</a:t>
-            </a:r>
-            <a:br>
-              <a:rPr lang="de-DE" dirty="0" smtClean="0"/>
-            </a:br>
-            <a:r>
-              <a:rPr lang="de-DE" dirty="0" smtClean="0"/>
-              <a:t>„*\n5,3“ kennzeichnet die Operation 5 * 3</a:t>
-            </a:r>
-          </a:p>
-          <a:p>
-            <a:pPr lvl="1"/>
-            <a:r>
-              <a:rPr lang="de-DE" dirty="0" smtClean="0"/>
-              <a:t>Wird nichts explizit angegeben, wird von einer Addition ausgegangen.</a:t>
-            </a:r>
-          </a:p>
-        </p:txBody>
-      </p:sp>
-    </p:spTree>
-    <p:extLst>
-      <p:ext uri="{BB962C8B-B14F-4D97-AF65-F5344CB8AC3E}">
-        <p14:creationId xmlns:p14="http://schemas.microsoft.com/office/powerpoint/2010/main" val="3003817183"/>
-      </p:ext>
-    </p:extLst>
-  </p:cSld>
-  <p:clrMapOvr>
-    <a:masterClrMapping/>
-  </p:clrMapOvr>
-  <p:timing>
-    <p:tnLst>
-      <p:par>
-        <p:cTn id="1" dur="indefinite" restart="never" nodeType="tmRoot"/>
-      </p:par>
-    </p:tnLst>
-  </p:timing>
-</p:sld>
-</file>
-
-<file path=ppt/slides/slide12.xml><?xml version="1.0" encoding="utf-8"?>
-<p:sld xmlns:a="http://schemas.openxmlformats.org/drawingml/2006/main" xmlns:r="http://schemas.openxmlformats.org/officeDocument/2006/relationships" xmlns:p="http://schemas.openxmlformats.org/presentationml/2006/main">
-  <p:cSld>
-    <p:spTree>
-      <p:nvGrpSpPr>
-        <p:cNvPr id="1" name=""/>
-        <p:cNvGrpSpPr/>
-        <p:nvPr/>
-      </p:nvGrpSpPr>
-      <p:grpSpPr>
-        <a:xfrm>
-          <a:off x="0" y="0"/>
-          <a:ext cx="0" cy="0"/>
-          <a:chOff x="0" y="0"/>
-          <a:chExt cx="0" cy="0"/>
-        </a:xfrm>
-      </p:grpSpPr>
-      <p:sp>
-        <p:nvSpPr>
-          <p:cNvPr id="2" name="Titel 1"/>
-          <p:cNvSpPr>
-            <a:spLocks noGrp="1"/>
-          </p:cNvSpPr>
-          <p:nvPr>
-            <p:ph type="title"/>
-          </p:nvPr>
-        </p:nvSpPr>
-        <p:spPr/>
-        <p:txBody>
-          <a:bodyPr>
-            <a:normAutofit fontScale="90000"/>
-          </a:bodyPr>
-          <a:lstStyle/>
-          <a:p>
-            <a:r>
-              <a:rPr lang="de-DE" dirty="0"/>
-              <a:t>Retrospektive</a:t>
-            </a:r>
-          </a:p>
-        </p:txBody>
-      </p:sp>
-      <p:sp>
-        <p:nvSpPr>
-          <p:cNvPr id="3" name="Inhaltsplatzhalter 2"/>
-          <p:cNvSpPr>
-            <a:spLocks noGrp="1"/>
-          </p:cNvSpPr>
-          <p:nvPr>
-            <p:ph idx="1"/>
-          </p:nvPr>
-        </p:nvSpPr>
-        <p:spPr/>
-        <p:txBody>
-          <a:bodyPr>
-            <a:normAutofit/>
-          </a:bodyPr>
-          <a:lstStyle/>
-          <a:p>
-            <a:r>
-              <a:rPr lang="en-US" dirty="0" err="1" smtClean="0"/>
-              <a:t>Kanntet</a:t>
-            </a:r>
-            <a:r>
-              <a:rPr lang="en-US" dirty="0" smtClean="0"/>
-              <a:t> </a:t>
-            </a:r>
-            <a:r>
-              <a:rPr lang="en-US" dirty="0" err="1" smtClean="0"/>
-              <a:t>ihr</a:t>
-            </a:r>
-            <a:r>
-              <a:rPr lang="en-US" dirty="0" smtClean="0"/>
-              <a:t> Bad Smells </a:t>
-            </a:r>
-            <a:r>
-              <a:rPr lang="en-US" dirty="0" err="1" smtClean="0"/>
-              <a:t>vorher</a:t>
-            </a:r>
-            <a:r>
-              <a:rPr lang="en-US" dirty="0" smtClean="0"/>
-              <a:t>?</a:t>
-            </a:r>
-            <a:endParaRPr lang="en-US" dirty="0"/>
-          </a:p>
-          <a:p>
-            <a:r>
-              <a:rPr lang="en-US" dirty="0" err="1" smtClean="0"/>
-              <a:t>Ist</a:t>
-            </a:r>
-            <a:r>
-              <a:rPr lang="en-US" dirty="0" smtClean="0"/>
-              <a:t> der </a:t>
-            </a:r>
-            <a:r>
-              <a:rPr lang="en-US" dirty="0" err="1" smtClean="0"/>
-              <a:t>Begriff</a:t>
-            </a:r>
-            <a:r>
-              <a:rPr lang="en-US" dirty="0" smtClean="0"/>
-              <a:t> Bad Smell (nun) </a:t>
-            </a:r>
-            <a:r>
-              <a:rPr lang="en-US" dirty="0" err="1" smtClean="0"/>
-              <a:t>klar</a:t>
-            </a:r>
-            <a:r>
-              <a:rPr lang="en-US" dirty="0" smtClean="0"/>
-              <a:t>?</a:t>
-            </a:r>
-            <a:endParaRPr lang="en-US" dirty="0" smtClean="0"/>
-          </a:p>
-          <a:p>
-            <a:r>
-              <a:rPr lang="en-US" dirty="0" err="1" smtClean="0"/>
-              <a:t>Haben</a:t>
-            </a:r>
-            <a:r>
-              <a:rPr lang="en-US" dirty="0" smtClean="0"/>
-              <a:t> die </a:t>
-            </a:r>
-            <a:r>
-              <a:rPr lang="en-US" dirty="0" err="1" smtClean="0"/>
-              <a:t>Refactorings</a:t>
-            </a:r>
-            <a:r>
-              <a:rPr lang="en-US" dirty="0" smtClean="0"/>
-              <a:t> </a:t>
-            </a:r>
-            <a:r>
-              <a:rPr lang="en-US" dirty="0" smtClean="0"/>
-              <a:t>die </a:t>
-            </a:r>
-            <a:r>
-              <a:rPr lang="en-US" dirty="0" err="1" smtClean="0"/>
-              <a:t>Qualität</a:t>
-            </a:r>
-            <a:r>
-              <a:rPr lang="en-US" dirty="0" smtClean="0"/>
-              <a:t> </a:t>
-            </a:r>
-            <a:r>
-              <a:rPr lang="en-US" dirty="0" err="1" smtClean="0"/>
-              <a:t>verbessert</a:t>
-            </a:r>
-            <a:r>
-              <a:rPr lang="en-US" dirty="0" smtClean="0"/>
-              <a:t>?</a:t>
-            </a:r>
-            <a:endParaRPr lang="en-US" dirty="0" smtClean="0"/>
-          </a:p>
-          <a:p>
-            <a:r>
-              <a:rPr lang="en-US" dirty="0" smtClean="0"/>
-              <a:t>Sind die </a:t>
-            </a:r>
-            <a:r>
-              <a:rPr lang="en-US" dirty="0" err="1" smtClean="0"/>
-              <a:t>Alternativen</a:t>
-            </a:r>
-            <a:r>
-              <a:rPr lang="en-US" dirty="0" smtClean="0"/>
-              <a:t> </a:t>
-            </a:r>
-            <a:r>
-              <a:rPr lang="en-US" dirty="0" err="1" smtClean="0"/>
-              <a:t>Lösungsansätze</a:t>
-            </a:r>
-            <a:r>
-              <a:rPr lang="en-US" dirty="0" smtClean="0"/>
-              <a:t> </a:t>
-            </a:r>
-            <a:r>
-              <a:rPr lang="en-US" dirty="0" err="1" smtClean="0"/>
-              <a:t>hilfreich</a:t>
-            </a:r>
-            <a:r>
-              <a:rPr lang="en-US" dirty="0" smtClean="0"/>
-              <a:t> </a:t>
-            </a:r>
-            <a:r>
-              <a:rPr lang="en-US" dirty="0" err="1" smtClean="0"/>
-              <a:t>gewesen</a:t>
-            </a:r>
-            <a:r>
-              <a:rPr lang="en-US" dirty="0" smtClean="0"/>
-              <a:t>?</a:t>
-            </a:r>
-          </a:p>
-          <a:p>
-            <a:r>
-              <a:rPr lang="en-US" dirty="0" err="1" smtClean="0"/>
-              <a:t>Zu</a:t>
-            </a:r>
-            <a:r>
-              <a:rPr lang="en-US" dirty="0" smtClean="0"/>
-              <a:t> </a:t>
-            </a:r>
-            <a:r>
-              <a:rPr lang="en-US" dirty="0" err="1" smtClean="0"/>
-              <a:t>welchen</a:t>
-            </a:r>
-            <a:r>
-              <a:rPr lang="en-US" dirty="0" smtClean="0"/>
-              <a:t> </a:t>
-            </a:r>
-            <a:r>
-              <a:rPr lang="en-US" dirty="0" err="1" smtClean="0"/>
-              <a:t>Themen</a:t>
-            </a:r>
-            <a:r>
-              <a:rPr lang="en-US" dirty="0" smtClean="0"/>
-              <a:t> </a:t>
-            </a:r>
-            <a:r>
-              <a:rPr lang="en-US" dirty="0" err="1" smtClean="0"/>
-              <a:t>würdet</a:t>
-            </a:r>
-            <a:r>
-              <a:rPr lang="en-US" dirty="0" smtClean="0"/>
-              <a:t> </a:t>
-            </a:r>
-            <a:r>
-              <a:rPr lang="en-US" dirty="0" err="1" smtClean="0"/>
-              <a:t>ihr</a:t>
-            </a:r>
-            <a:r>
-              <a:rPr lang="en-US" dirty="0" smtClean="0"/>
-              <a:t> </a:t>
-            </a:r>
-            <a:r>
-              <a:rPr lang="en-US" dirty="0" err="1" smtClean="0"/>
-              <a:t>gerne</a:t>
-            </a:r>
-            <a:r>
-              <a:rPr lang="en-US" dirty="0" smtClean="0"/>
-              <a:t> </a:t>
-            </a:r>
-            <a:r>
-              <a:rPr lang="en-US" dirty="0" err="1" smtClean="0"/>
-              <a:t>mehr</a:t>
-            </a:r>
-            <a:r>
-              <a:rPr lang="en-US" dirty="0" smtClean="0"/>
-              <a:t> </a:t>
-            </a:r>
-            <a:r>
-              <a:rPr lang="en-US" dirty="0" err="1" smtClean="0"/>
-              <a:t>erfahren</a:t>
-            </a:r>
-            <a:r>
-              <a:rPr lang="en-US" dirty="0" smtClean="0"/>
-              <a:t>?</a:t>
-            </a:r>
-            <a:endParaRPr lang="en-US" dirty="0" smtClean="0"/>
-          </a:p>
-        </p:txBody>
-      </p:sp>
-    </p:spTree>
-    <p:extLst>
-      <p:ext uri="{BB962C8B-B14F-4D97-AF65-F5344CB8AC3E}">
-        <p14:creationId xmlns:p14="http://schemas.microsoft.com/office/powerpoint/2010/main" val="856470280"/>
-      </p:ext>
-    </p:extLst>
-  </p:cSld>
-  <p:clrMapOvr>
-    <a:masterClrMapping/>
-  </p:clrMapOvr>
-  <p:timing>
-    <p:tnLst>
-      <p:par>
-        <p:cTn id="1" dur="indefinite" restart="never" nodeType="tmRoot"/>
-      </p:par>
-    </p:tnLst>
-  </p:timing>
-</p:sld>
-</file>
-
-<file path=ppt/slides/slide13.xml><?xml version="1.0" encoding="utf-8"?>
-<p:sld xmlns:a="http://schemas.openxmlformats.org/drawingml/2006/main" xmlns:r="http://schemas.openxmlformats.org/officeDocument/2006/relationships" xmlns:p="http://schemas.openxmlformats.org/presentationml/2006/main">
-  <p:cSld>
-    <p:spTree>
-      <p:nvGrpSpPr>
-        <p:cNvPr id="1" name=""/>
-        <p:cNvGrpSpPr/>
-        <p:nvPr/>
-      </p:nvGrpSpPr>
-      <p:grpSpPr>
-        <a:xfrm>
-          <a:off x="0" y="0"/>
-          <a:ext cx="0" cy="0"/>
-          <a:chOff x="0" y="0"/>
-          <a:chExt cx="0" cy="0"/>
-        </a:xfrm>
-      </p:grpSpPr>
-      <p:sp>
-        <p:nvSpPr>
-          <p:cNvPr id="2" name="Titel 1"/>
-          <p:cNvSpPr>
-            <a:spLocks noGrp="1"/>
-          </p:cNvSpPr>
-          <p:nvPr>
-            <p:ph type="title"/>
-          </p:nvPr>
-        </p:nvSpPr>
-        <p:spPr/>
-        <p:txBody>
-          <a:bodyPr>
-            <a:normAutofit fontScale="90000"/>
-          </a:bodyPr>
-          <a:lstStyle/>
-          <a:p>
-            <a:r>
-              <a:rPr lang="de-DE" dirty="0" smtClean="0"/>
-              <a:t>Ausblick</a:t>
-            </a:r>
-            <a:endParaRPr lang="de-DE" dirty="0"/>
-          </a:p>
-        </p:txBody>
-      </p:sp>
-      <p:sp>
-        <p:nvSpPr>
-          <p:cNvPr id="3" name="Inhaltsplatzhalter 2"/>
-          <p:cNvSpPr>
-            <a:spLocks noGrp="1"/>
-          </p:cNvSpPr>
-          <p:nvPr>
-            <p:ph idx="1"/>
-          </p:nvPr>
-        </p:nvSpPr>
-        <p:spPr/>
-        <p:txBody>
-          <a:bodyPr>
-            <a:normAutofit/>
-          </a:bodyPr>
-          <a:lstStyle/>
-          <a:p>
-            <a:pPr marL="0" indent="0">
-              <a:buNone/>
-            </a:pPr>
-            <a:r>
-              <a:rPr lang="en-US" dirty="0" smtClean="0"/>
-              <a:t>Code Coverage</a:t>
-            </a:r>
-          </a:p>
-          <a:p>
-            <a:r>
-              <a:rPr lang="en-US" dirty="0" smtClean="0"/>
-              <a:t>Was </a:t>
-            </a:r>
-            <a:r>
-              <a:rPr lang="en-US" dirty="0" err="1" smtClean="0"/>
-              <a:t>ist</a:t>
-            </a:r>
-            <a:r>
-              <a:rPr lang="en-US" dirty="0" smtClean="0"/>
-              <a:t> Code Coverage?</a:t>
-            </a:r>
-          </a:p>
-          <a:p>
-            <a:r>
-              <a:rPr lang="en-US" dirty="0" err="1" smtClean="0"/>
-              <a:t>Wie</a:t>
-            </a:r>
-            <a:r>
-              <a:rPr lang="en-US" dirty="0" smtClean="0"/>
-              <a:t> </a:t>
-            </a:r>
-            <a:r>
-              <a:rPr lang="en-US" dirty="0" err="1" smtClean="0"/>
-              <a:t>hilft</a:t>
-            </a:r>
-            <a:r>
-              <a:rPr lang="en-US" dirty="0" smtClean="0"/>
-              <a:t> </a:t>
-            </a:r>
-            <a:r>
-              <a:rPr lang="en-US" dirty="0" err="1" smtClean="0"/>
-              <a:t>uns</a:t>
-            </a:r>
-            <a:r>
-              <a:rPr lang="en-US" dirty="0" smtClean="0"/>
-              <a:t> </a:t>
-            </a:r>
-            <a:r>
-              <a:rPr lang="en-US" dirty="0" err="1" smtClean="0"/>
-              <a:t>diese</a:t>
-            </a:r>
-            <a:r>
-              <a:rPr lang="en-US" dirty="0" smtClean="0"/>
-              <a:t> </a:t>
-            </a:r>
-            <a:r>
-              <a:rPr lang="en-US" dirty="0" err="1" smtClean="0"/>
-              <a:t>bei</a:t>
-            </a:r>
-            <a:r>
-              <a:rPr lang="en-US" dirty="0" smtClean="0"/>
-              <a:t> der </a:t>
-            </a:r>
-            <a:r>
-              <a:rPr lang="en-US" dirty="0" err="1" smtClean="0"/>
-              <a:t>Entwicklung</a:t>
-            </a:r>
-            <a:r>
-              <a:rPr lang="en-US" dirty="0" smtClean="0"/>
-              <a:t>?</a:t>
-            </a:r>
-            <a:endParaRPr lang="en-US" dirty="0" smtClean="0"/>
-          </a:p>
-        </p:txBody>
-      </p:sp>
-    </p:spTree>
-    <p:extLst>
-      <p:ext uri="{BB962C8B-B14F-4D97-AF65-F5344CB8AC3E}">
-        <p14:creationId xmlns:p14="http://schemas.microsoft.com/office/powerpoint/2010/main" val="3423984556"/>
-      </p:ext>
-    </p:extLst>
-  </p:cSld>
-  <p:clrMapOvr>
-    <a:masterClrMapping/>
-  </p:clrMapOvr>
-  <p:timing>
-    <p:tnLst>
-      <p:par>
-        <p:cTn id="1" dur="indefinite" restart="never" nodeType="tmRoot"/>
-      </p:par>
-    </p:tnLst>
-  </p:timing>
-</p:sld>
-</file>
-
-<file path=ppt/slides/slide2.xml><?xml version="1.0" encoding="utf-8"?>
-<p:sld xmlns:a="http://schemas.openxmlformats.org/drawingml/2006/main" xmlns:r="http://schemas.openxmlformats.org/officeDocument/2006/relationships" xmlns:p="http://schemas.openxmlformats.org/presentationml/2006/main" show="0">
-  <p:cSld>
-    <p:spTree>
-      <p:nvGrpSpPr>
-        <p:cNvPr id="1" name=""/>
-        <p:cNvGrpSpPr/>
-        <p:nvPr/>
-      </p:nvGrpSpPr>
-      <p:grpSpPr>
-        <a:xfrm>
-          <a:off x="0" y="0"/>
-          <a:ext cx="0" cy="0"/>
-          <a:chOff x="0" y="0"/>
-          <a:chExt cx="0" cy="0"/>
-        </a:xfrm>
-      </p:grpSpPr>
-      <p:sp>
-        <p:nvSpPr>
-          <p:cNvPr id="2" name="Titel 1"/>
-          <p:cNvSpPr>
-            <a:spLocks noGrp="1"/>
-          </p:cNvSpPr>
-          <p:nvPr>
-            <p:ph type="title"/>
-          </p:nvPr>
-        </p:nvSpPr>
-        <p:spPr/>
-        <p:txBody>
-          <a:bodyPr>
-            <a:normAutofit fontScale="90000"/>
-          </a:bodyPr>
-          <a:lstStyle/>
-          <a:p>
-            <a:r>
-              <a:rPr lang="de-DE" dirty="0" smtClean="0"/>
-              <a:t>Aktueller Stand &amp; nächste Schritte</a:t>
-            </a:r>
-            <a:endParaRPr lang="de-DE" dirty="0"/>
-          </a:p>
-        </p:txBody>
-      </p:sp>
-      <p:sp>
-        <p:nvSpPr>
-          <p:cNvPr id="3" name="Inhaltsplatzhalter 2"/>
-          <p:cNvSpPr>
-            <a:spLocks noGrp="1"/>
-          </p:cNvSpPr>
-          <p:nvPr>
-            <p:ph idx="1"/>
-          </p:nvPr>
-        </p:nvSpPr>
-        <p:spPr/>
-        <p:txBody>
-          <a:bodyPr>
-            <a:normAutofit/>
-          </a:bodyPr>
-          <a:lstStyle/>
-          <a:p>
-            <a:pPr marL="0" indent="0">
-              <a:buNone/>
-            </a:pPr>
-            <a:r>
-              <a:rPr lang="de-DE" sz="2800" b="1" dirty="0" smtClean="0"/>
-              <a:t>Stand:</a:t>
-            </a:r>
-          </a:p>
-          <a:p>
-            <a:r>
-              <a:rPr lang="de-DE" sz="2800" dirty="0" smtClean="0"/>
-              <a:t>Eine kompilierbare Lösung (Parser &amp; Rechner getrennt)</a:t>
-            </a:r>
-          </a:p>
-          <a:p>
-            <a:r>
-              <a:rPr lang="de-DE" sz="2800" dirty="0" smtClean="0"/>
-              <a:t>Weitere Lösungen zum </a:t>
-            </a:r>
-            <a:r>
-              <a:rPr lang="de-DE" sz="2800" dirty="0" smtClean="0"/>
-              <a:t>Vergleich</a:t>
-            </a:r>
-            <a:endParaRPr lang="de-DE" sz="2800" dirty="0" smtClean="0"/>
-          </a:p>
-        </p:txBody>
-      </p:sp>
-    </p:spTree>
-    <p:extLst>
-      <p:ext uri="{BB962C8B-B14F-4D97-AF65-F5344CB8AC3E}">
-        <p14:creationId xmlns:p14="http://schemas.microsoft.com/office/powerpoint/2010/main" val="1792310792"/>
-      </p:ext>
-    </p:extLst>
-  </p:cSld>
-  <p:clrMapOvr>
-    <a:masterClrMapping/>
-  </p:clrMapOvr>
-  <mc:AlternateContent xmlns:mc="http://schemas.openxmlformats.org/markup-compatibility/2006">
-    <mc:Choice xmlns:p14="http://schemas.microsoft.com/office/powerpoint/2010/main" Requires="p14">
-      <p:transition spd="slow" p14:dur="2000"/>
-    </mc:Choice>
-    <mc:Fallback>
-      <p:transition spd="slow"/>
-    </mc:Fallback>
-  </mc:AlternateContent>
-  <p:timing>
-    <p:tnLst>
-      <p:par>
-        <p:cTn id="1" dur="indefinite" restart="never" nodeType="tmRoot"/>
-      </p:par>
-    </p:tnLst>
-  </p:timing>
-</p:sld>
-</file>
-
-<file path=ppt/slides/slide3.xml><?xml version="1.0" encoding="utf-8"?>
-<p:sld xmlns:a="http://schemas.openxmlformats.org/drawingml/2006/main" xmlns:r="http://schemas.openxmlformats.org/officeDocument/2006/relationships" xmlns:p="http://schemas.openxmlformats.org/presentationml/2006/main">
-  <p:cSld>
-    <p:spTree>
-      <p:nvGrpSpPr>
-        <p:cNvPr id="1" name=""/>
-        <p:cNvGrpSpPr/>
-        <p:nvPr/>
-      </p:nvGrpSpPr>
-      <p:grpSpPr>
-        <a:xfrm>
-          <a:off x="0" y="0"/>
-          <a:ext cx="0" cy="0"/>
-          <a:chOff x="0" y="0"/>
-          <a:chExt cx="0" cy="0"/>
-        </a:xfrm>
-      </p:grpSpPr>
-      <p:sp>
-        <p:nvSpPr>
-          <p:cNvPr id="2" name="Titel 1"/>
-          <p:cNvSpPr>
-            <a:spLocks noGrp="1"/>
-          </p:cNvSpPr>
-          <p:nvPr>
-            <p:ph type="title"/>
-          </p:nvPr>
-        </p:nvSpPr>
-        <p:spPr/>
-        <p:txBody>
-          <a:bodyPr>
-            <a:normAutofit fontScale="90000"/>
-          </a:bodyPr>
-          <a:lstStyle/>
-          <a:p>
-            <a:r>
-              <a:rPr lang="de-DE" dirty="0" smtClean="0"/>
-              <a:t>Aktueller Stand &amp; nächste Schritte</a:t>
-            </a:r>
-            <a:endParaRPr lang="de-DE" dirty="0"/>
-          </a:p>
-        </p:txBody>
-      </p:sp>
-      <p:sp>
-        <p:nvSpPr>
-          <p:cNvPr id="3" name="Inhaltsplatzhalter 2"/>
-          <p:cNvSpPr>
-            <a:spLocks noGrp="1"/>
-          </p:cNvSpPr>
-          <p:nvPr>
-            <p:ph idx="1"/>
-          </p:nvPr>
-        </p:nvSpPr>
-        <p:spPr/>
-        <p:txBody>
-          <a:bodyPr>
-            <a:normAutofit/>
-          </a:bodyPr>
-          <a:lstStyle/>
-          <a:p>
-            <a:pPr marL="0" indent="0">
-              <a:buNone/>
-            </a:pPr>
-            <a:r>
-              <a:rPr lang="de-DE" sz="2800" b="1" dirty="0" smtClean="0"/>
-              <a:t>Stand:</a:t>
-            </a:r>
-          </a:p>
-          <a:p>
-            <a:r>
-              <a:rPr lang="de-DE" sz="2800" dirty="0" smtClean="0"/>
-              <a:t>Eine kompilierbare Lösung (Parser &amp; Rechner getrennt)</a:t>
-            </a:r>
-          </a:p>
-          <a:p>
-            <a:r>
-              <a:rPr lang="de-DE" sz="2800" dirty="0" smtClean="0"/>
-              <a:t>Weitere Lösungen zum Vergleich</a:t>
-            </a:r>
-          </a:p>
-          <a:p>
-            <a:pPr marL="0" indent="0">
-              <a:buNone/>
-            </a:pPr>
-            <a:endParaRPr lang="de-DE" sz="2800" dirty="0"/>
-          </a:p>
-          <a:p>
-            <a:pPr marL="0" indent="0">
-              <a:buNone/>
-            </a:pPr>
-            <a:r>
-              <a:rPr lang="de-DE" sz="2800" b="1" dirty="0" smtClean="0"/>
-              <a:t>Nächste Schritte:</a:t>
-            </a:r>
-          </a:p>
-          <a:p>
-            <a:pPr marL="514350" indent="-514350">
-              <a:buFont typeface="+mj-lt"/>
-              <a:buAutoNum type="arabicPeriod"/>
-            </a:pPr>
-            <a:r>
-              <a:rPr lang="de-DE" sz="2800" dirty="0" smtClean="0"/>
-              <a:t>Bad </a:t>
-            </a:r>
-            <a:r>
-              <a:rPr lang="de-DE" sz="2800" dirty="0" err="1" smtClean="0"/>
-              <a:t>Smells</a:t>
-            </a:r>
-            <a:r>
-              <a:rPr lang="de-DE" sz="2800" dirty="0" smtClean="0"/>
-              <a:t> kennen lernen</a:t>
-            </a:r>
-          </a:p>
-          <a:p>
-            <a:pPr marL="514350" indent="-514350">
-              <a:buFont typeface="+mj-lt"/>
-              <a:buAutoNum type="arabicPeriod"/>
-            </a:pPr>
-            <a:r>
-              <a:rPr lang="de-DE" sz="2800" dirty="0" smtClean="0"/>
-              <a:t>Gemeinsames </a:t>
-            </a:r>
-            <a:r>
-              <a:rPr lang="de-DE" sz="2800" dirty="0" err="1" smtClean="0"/>
-              <a:t>Refactoring</a:t>
-            </a:r>
-            <a:endParaRPr lang="de-DE" sz="2800" dirty="0" smtClean="0"/>
-          </a:p>
-          <a:p>
-            <a:pPr marL="514350" indent="-514350">
-              <a:buFont typeface="+mj-lt"/>
-              <a:buAutoNum type="arabicPeriod"/>
-            </a:pPr>
-            <a:r>
-              <a:rPr lang="de-DE" sz="2800" dirty="0" smtClean="0"/>
-              <a:t>Vergleich fertiger Lösungen miteinander</a:t>
-            </a:r>
-          </a:p>
-          <a:p>
-            <a:pPr marL="514350" indent="-514350">
-              <a:buFont typeface="+mj-lt"/>
-              <a:buAutoNum type="arabicPeriod"/>
-            </a:pPr>
-            <a:r>
-              <a:rPr lang="de-DE" sz="2800" dirty="0" smtClean="0"/>
-              <a:t>Ausblick und Retrospektive</a:t>
-            </a:r>
-          </a:p>
-          <a:p>
-            <a:endParaRPr lang="de-DE" sz="2800" dirty="0"/>
-          </a:p>
-        </p:txBody>
-      </p:sp>
-    </p:spTree>
-    <p:extLst>
-      <p:ext uri="{BB962C8B-B14F-4D97-AF65-F5344CB8AC3E}">
-        <p14:creationId xmlns:p14="http://schemas.microsoft.com/office/powerpoint/2010/main" val="3756376763"/>
-      </p:ext>
-    </p:extLst>
-  </p:cSld>
-  <p:clrMapOvr>
-    <a:masterClrMapping/>
-  </p:clrMapOvr>
-  <p:timing>
-    <p:tnLst>
-      <p:par>
-        <p:cTn id="1" dur="indefinite" restart="never" nodeType="tmRoot"/>
-      </p:par>
-    </p:tnLst>
-  </p:timing>
-</p:sld>
-</file>
-
-<file path=ppt/slides/slide4.xml><?xml version="1.0" encoding="utf-8"?>
-<p:sld xmlns:a="http://schemas.openxmlformats.org/drawingml/2006/main" xmlns:r="http://schemas.openxmlformats.org/officeDocument/2006/relationships" xmlns:p="http://schemas.openxmlformats.org/presentationml/2006/main">
-  <p:cSld>
-    <p:spTree>
-      <p:nvGrpSpPr>
-        <p:cNvPr id="1" name=""/>
-        <p:cNvGrpSpPr/>
-        <p:nvPr/>
-      </p:nvGrpSpPr>
-      <p:grpSpPr>
-        <a:xfrm>
-          <a:off x="0" y="0"/>
-          <a:ext cx="0" cy="0"/>
-          <a:chOff x="0" y="0"/>
-          <a:chExt cx="0" cy="0"/>
-        </a:xfrm>
-      </p:grpSpPr>
-      <p:sp>
-        <p:nvSpPr>
-          <p:cNvPr id="2" name="Titel 1"/>
-          <p:cNvSpPr>
-            <a:spLocks noGrp="1"/>
-          </p:cNvSpPr>
-          <p:nvPr>
-            <p:ph type="title"/>
-          </p:nvPr>
-        </p:nvSpPr>
-        <p:spPr/>
-        <p:txBody>
-          <a:bodyPr>
-            <a:normAutofit fontScale="90000"/>
-          </a:bodyPr>
-          <a:lstStyle/>
-          <a:p>
-            <a:r>
-              <a:rPr lang="de-DE" dirty="0" smtClean="0"/>
-              <a:t>Bad </a:t>
-            </a:r>
-            <a:r>
-              <a:rPr lang="de-DE" dirty="0" err="1" smtClean="0"/>
-              <a:t>Smells</a:t>
-            </a:r>
-            <a:endParaRPr lang="de-DE" dirty="0"/>
-          </a:p>
-        </p:txBody>
-      </p:sp>
-      <p:sp>
-        <p:nvSpPr>
-          <p:cNvPr id="3" name="Inhaltsplatzhalter 2"/>
-          <p:cNvSpPr>
-            <a:spLocks noGrp="1"/>
-          </p:cNvSpPr>
-          <p:nvPr>
-            <p:ph idx="1"/>
-          </p:nvPr>
-        </p:nvSpPr>
-        <p:spPr/>
-        <p:txBody>
-          <a:bodyPr>
-            <a:normAutofit/>
-          </a:bodyPr>
-          <a:lstStyle/>
-          <a:p>
-            <a:pPr marL="0" indent="0">
-              <a:buNone/>
-            </a:pPr>
-            <a:r>
-              <a:rPr lang="de-DE" sz="3600" dirty="0" smtClean="0"/>
-              <a:t>Was sind Bad </a:t>
-            </a:r>
-            <a:r>
-              <a:rPr lang="de-DE" sz="3600" dirty="0" err="1" smtClean="0"/>
-              <a:t>Smells</a:t>
-            </a:r>
-            <a:r>
-              <a:rPr lang="de-DE" sz="3600" dirty="0" smtClean="0"/>
-              <a:t> in der Softwareentwicklung?</a:t>
-            </a:r>
-          </a:p>
-          <a:p>
-            <a:pPr marL="0" indent="0">
-              <a:buNone/>
-            </a:pPr>
-            <a:endParaRPr lang="de-DE" sz="2800" dirty="0"/>
-          </a:p>
-          <a:p>
-            <a:pPr marL="0" indent="0">
-              <a:buNone/>
-            </a:pPr>
-            <a:r>
-              <a:rPr lang="de-DE" sz="3600" dirty="0" smtClean="0"/>
-              <a:t>Kennt ihr Beispiele für Bad </a:t>
-            </a:r>
-            <a:r>
-              <a:rPr lang="de-DE" sz="3600" dirty="0" err="1" smtClean="0"/>
-              <a:t>Smells</a:t>
-            </a:r>
-            <a:r>
-              <a:rPr lang="de-DE" sz="3600" dirty="0" smtClean="0"/>
-              <a:t>?</a:t>
-            </a:r>
-          </a:p>
-          <a:p>
-            <a:pPr marL="0" indent="0">
-              <a:buNone/>
-            </a:pPr>
-            <a:endParaRPr lang="de-DE" sz="3600" dirty="0"/>
-          </a:p>
-          <a:p>
-            <a:pPr marL="0" indent="0">
-              <a:buNone/>
-            </a:pPr>
-            <a:r>
-              <a:rPr lang="de-DE" sz="3600" dirty="0" smtClean="0"/>
-              <a:t>Wozu dienen Bad </a:t>
-            </a:r>
-            <a:r>
-              <a:rPr lang="de-DE" sz="3600" dirty="0" err="1" smtClean="0"/>
-              <a:t>Smells</a:t>
-            </a:r>
-            <a:r>
-              <a:rPr lang="de-DE" sz="3600" dirty="0" smtClean="0"/>
-              <a:t>?</a:t>
-            </a:r>
-            <a:endParaRPr lang="de-DE" sz="3600" dirty="0"/>
-          </a:p>
-        </p:txBody>
-      </p:sp>
-      <p:pic>
-        <p:nvPicPr>
-          <p:cNvPr id="1026" name="Picture 2" descr="http://sr.photos3.fotosearch.com/bthumb/CSP/CSP229/k2296409.jpg"/>
-          <p:cNvPicPr>
-            <a:picLocks noChangeAspect="1" noChangeArrowheads="1"/>
-          </p:cNvPicPr>
-          <p:nvPr/>
-        </p:nvPicPr>
-        <p:blipFill>
-          <a:blip r:embed="rId2">
-            <a:extLst>
-              <a:ext uri="{28A0092B-C50C-407E-A947-70E740481C1C}">
-                <a14:useLocalDpi xmlns:a14="http://schemas.microsoft.com/office/drawing/2010/main" val="0"/>
-              </a:ext>
-            </a:extLst>
-          </a:blip>
-          <a:srcRect/>
-          <a:stretch>
-            <a:fillRect/>
-          </a:stretch>
-        </p:blipFill>
-        <p:spPr bwMode="auto">
-          <a:xfrm flipH="1">
-            <a:off x="5515457" y="3365106"/>
-            <a:ext cx="2088232" cy="2350991"/>
-          </a:xfrm>
-          <a:prstGeom prst="rect">
-            <a:avLst/>
-          </a:prstGeom>
-          <a:noFill/>
-          <a:extLst>
-            <a:ext uri="{909E8E84-426E-40DD-AFC4-6F175D3DCCD1}">
-              <a14:hiddenFill xmlns:a14="http://schemas.microsoft.com/office/drawing/2010/main">
-                <a:solidFill>
-                  <a:srgbClr val="FFFFFF"/>
-                </a:solidFill>
-              </a14:hiddenFill>
-            </a:ext>
-          </a:extLst>
-        </p:spPr>
-      </p:pic>
+              <a:t>Die Zeile zum Bestimmen des Trennzeichens soll optional sein.</a:t>
+            </a:r>
+          </a:p>
+        </p:txBody>
+      </p:sp>
       <p:sp>
         <p:nvSpPr>
           <p:cNvPr id="4" name="Abgerundetes Rechteck 3"/>
@@ -4534,558 +3643,8 @@
           <p:nvPr/>
         </p:nvSpPr>
         <p:spPr>
-          <a:xfrm rot="492780">
-            <a:off x="2969511" y="5371384"/>
-            <a:ext cx="4470124" cy="1072692"/>
-          </a:xfrm>
-          <a:prstGeom prst="roundRect">
-            <a:avLst/>
-          </a:prstGeom>
-          <a:solidFill>
-            <a:schemeClr val="bg1"/>
-          </a:solidFill>
-        </p:spPr>
-        <p:style>
-          <a:lnRef idx="2">
-            <a:schemeClr val="accent1">
-              <a:shade val="50000"/>
-            </a:schemeClr>
-          </a:lnRef>
-          <a:fillRef idx="1">
-            <a:schemeClr val="accent1"/>
-          </a:fillRef>
-          <a:effectRef idx="0">
-            <a:schemeClr val="accent1"/>
-          </a:effectRef>
-          <a:fontRef idx="minor">
-            <a:schemeClr val="lt1"/>
-          </a:fontRef>
-        </p:style>
-        <p:txBody>
-          <a:bodyPr rtlCol="0" anchor="ctr"/>
-          <a:lstStyle/>
-          <a:p>
-            <a:pPr algn="ctr"/>
-            <a:r>
-              <a:rPr lang="de-DE" sz="3600" dirty="0" err="1" smtClean="0">
-                <a:solidFill>
-                  <a:schemeClr val="tx2"/>
-                </a:solidFill>
-              </a:rPr>
-              <a:t>If</a:t>
-            </a:r>
-            <a:r>
-              <a:rPr lang="de-DE" sz="3600" dirty="0" smtClean="0">
-                <a:solidFill>
-                  <a:schemeClr val="tx2"/>
-                </a:solidFill>
-              </a:rPr>
-              <a:t> </a:t>
-            </a:r>
-            <a:r>
-              <a:rPr lang="de-DE" sz="3600" dirty="0" err="1" smtClean="0">
-                <a:solidFill>
-                  <a:schemeClr val="tx2"/>
-                </a:solidFill>
-              </a:rPr>
-              <a:t>it</a:t>
-            </a:r>
-            <a:r>
-              <a:rPr lang="de-DE" sz="3600" dirty="0" smtClean="0">
-                <a:solidFill>
-                  <a:schemeClr val="tx2"/>
-                </a:solidFill>
-              </a:rPr>
-              <a:t> </a:t>
-            </a:r>
-            <a:r>
-              <a:rPr lang="de-DE" sz="3600" dirty="0" err="1" smtClean="0">
-                <a:solidFill>
-                  <a:schemeClr val="tx2"/>
-                </a:solidFill>
-              </a:rPr>
-              <a:t>smells</a:t>
-            </a:r>
-            <a:r>
-              <a:rPr lang="de-DE" sz="3600" dirty="0" smtClean="0">
-                <a:solidFill>
-                  <a:schemeClr val="tx2"/>
-                </a:solidFill>
-              </a:rPr>
-              <a:t>, </a:t>
-            </a:r>
-            <a:r>
-              <a:rPr lang="de-DE" sz="3600" dirty="0" err="1" smtClean="0">
-                <a:solidFill>
-                  <a:schemeClr val="tx2"/>
-                </a:solidFill>
-              </a:rPr>
-              <a:t>change</a:t>
-            </a:r>
-            <a:r>
-              <a:rPr lang="de-DE" sz="3600" dirty="0" smtClean="0">
-                <a:solidFill>
-                  <a:schemeClr val="tx2"/>
-                </a:solidFill>
-              </a:rPr>
-              <a:t> </a:t>
-            </a:r>
-            <a:r>
-              <a:rPr lang="de-DE" sz="3600" dirty="0" err="1" smtClean="0">
-                <a:solidFill>
-                  <a:schemeClr val="tx2"/>
-                </a:solidFill>
-              </a:rPr>
-              <a:t>it!</a:t>
-            </a:r>
-            <a:endParaRPr lang="de-DE" sz="3600" dirty="0" smtClean="0">
-              <a:solidFill>
-                <a:schemeClr val="tx2"/>
-              </a:solidFill>
-            </a:endParaRPr>
-          </a:p>
-          <a:p>
-            <a:pPr algn="ctr"/>
-            <a:r>
-              <a:rPr lang="de-DE" sz="3600" dirty="0" smtClean="0">
-                <a:solidFill>
-                  <a:schemeClr val="tx2"/>
-                </a:solidFill>
-                <a:sym typeface="Wingdings" panose="05000000000000000000" pitchFamily="2" charset="2"/>
-              </a:rPr>
-              <a:t> </a:t>
-            </a:r>
-            <a:r>
-              <a:rPr lang="de-DE" sz="3600" dirty="0" err="1" smtClean="0">
-                <a:solidFill>
-                  <a:schemeClr val="tx2"/>
-                </a:solidFill>
-                <a:sym typeface="Wingdings" panose="05000000000000000000" pitchFamily="2" charset="2"/>
-              </a:rPr>
-              <a:t>Refactoring</a:t>
-            </a:r>
-            <a:endParaRPr lang="de-DE" sz="3600" dirty="0">
-              <a:solidFill>
-                <a:schemeClr val="tx2"/>
-              </a:solidFill>
-            </a:endParaRPr>
-          </a:p>
-        </p:txBody>
-      </p:sp>
-    </p:spTree>
-    <p:extLst>
-      <p:ext uri="{BB962C8B-B14F-4D97-AF65-F5344CB8AC3E}">
-        <p14:creationId xmlns:p14="http://schemas.microsoft.com/office/powerpoint/2010/main" val="3650688813"/>
-      </p:ext>
-    </p:extLst>
-  </p:cSld>
-  <p:clrMapOvr>
-    <a:masterClrMapping/>
-  </p:clrMapOvr>
-  <p:timing>
-    <p:tnLst>
-      <p:par>
-        <p:cTn id="1" dur="indefinite" restart="never" nodeType="tmRoot">
-          <p:childTnLst>
-            <p:seq concurrent="1" nextAc="seek">
-              <p:cTn id="2" dur="indefinite" nodeType="mainSeq">
-                <p:childTnLst>
-                  <p:par>
-                    <p:cTn id="3" fill="hold">
-                      <p:stCondLst>
-                        <p:cond delay="indefinite"/>
-                      </p:stCondLst>
-                      <p:childTnLst>
-                        <p:par>
-                          <p:cTn id="4" fill="hold">
-                            <p:stCondLst>
-                              <p:cond delay="0"/>
-                            </p:stCondLst>
-                            <p:childTnLst>
-                              <p:par>
-                                <p:cTn id="5" presetID="1" presetClass="entr" presetSubtype="0" fill="hold" nodeType="clickEffect">
-                                  <p:stCondLst>
-                                    <p:cond delay="0"/>
-                                  </p:stCondLst>
-                                  <p:childTnLst>
-                                    <p:set>
-                                      <p:cBhvr>
-                                        <p:cTn id="6" dur="1" fill="hold">
-                                          <p:stCondLst>
-                                            <p:cond delay="0"/>
-                                          </p:stCondLst>
-                                        </p:cTn>
-                                        <p:tgtEl>
-                                          <p:spTgt spid="1026"/>
-                                        </p:tgtEl>
-                                        <p:attrNameLst>
-                                          <p:attrName>style.visibility</p:attrName>
-                                        </p:attrNameLst>
-                                      </p:cBhvr>
-                                      <p:to>
-                                        <p:strVal val="visible"/>
-                                      </p:to>
-                                    </p:set>
-                                  </p:childTnLst>
-                                </p:cTn>
-                              </p:par>
-                              <p:par>
-                                <p:cTn id="7" presetID="1" presetClass="entr" presetSubtype="0" fill="hold" grpId="0" nodeType="withEffect">
-                                  <p:stCondLst>
-                                    <p:cond delay="0"/>
-                                  </p:stCondLst>
-                                  <p:childTnLst>
-                                    <p:set>
-                                      <p:cBhvr>
-                                        <p:cTn id="8" dur="1" fill="hold">
-                                          <p:stCondLst>
-                                            <p:cond delay="0"/>
-                                          </p:stCondLst>
-                                        </p:cTn>
-                                        <p:tgtEl>
-                                          <p:spTgt spid="4"/>
-                                        </p:tgtEl>
-                                        <p:attrNameLst>
-                                          <p:attrName>style.visibility</p:attrName>
-                                        </p:attrNameLst>
-                                      </p:cBhvr>
-                                      <p:to>
-                                        <p:strVal val="visible"/>
-                                      </p:to>
-                                    </p:set>
-                                  </p:childTnLst>
-                                </p:cTn>
-                              </p:par>
-                            </p:childTnLst>
-                          </p:cTn>
-                        </p:par>
-                      </p:childTnLst>
-                    </p:cTn>
-                  </p:par>
-                </p:childTnLst>
-              </p:cTn>
-              <p:prevCondLst>
-                <p:cond evt="onPrev" delay="0">
-                  <p:tgtEl>
-                    <p:sldTgt/>
-                  </p:tgtEl>
-                </p:cond>
-              </p:prevCondLst>
-              <p:nextCondLst>
-                <p:cond evt="onNext" delay="0">
-                  <p:tgtEl>
-                    <p:sldTgt/>
-                  </p:tgtEl>
-                </p:cond>
-              </p:nextCondLst>
-            </p:seq>
-          </p:childTnLst>
-        </p:cTn>
-      </p:par>
-    </p:tnLst>
-    <p:bldLst>
-      <p:bldP spid="4" grpId="0" animBg="1"/>
-    </p:bldLst>
-  </p:timing>
-</p:sld>
-</file>
-
-<file path=ppt/slides/slide5.xml><?xml version="1.0" encoding="utf-8"?>
-<p:sld xmlns:a="http://schemas.openxmlformats.org/drawingml/2006/main" xmlns:r="http://schemas.openxmlformats.org/officeDocument/2006/relationships" xmlns:p="http://schemas.openxmlformats.org/presentationml/2006/main">
-  <p:cSld>
-    <p:spTree>
-      <p:nvGrpSpPr>
-        <p:cNvPr id="1" name=""/>
-        <p:cNvGrpSpPr/>
-        <p:nvPr/>
-      </p:nvGrpSpPr>
-      <p:grpSpPr>
-        <a:xfrm>
-          <a:off x="0" y="0"/>
-          <a:ext cx="0" cy="0"/>
-          <a:chOff x="0" y="0"/>
-          <a:chExt cx="0" cy="0"/>
-        </a:xfrm>
-      </p:grpSpPr>
-      <p:sp>
-        <p:nvSpPr>
-          <p:cNvPr id="2" name="Titel 1"/>
-          <p:cNvSpPr>
-            <a:spLocks noGrp="1"/>
-          </p:cNvSpPr>
-          <p:nvPr>
-            <p:ph type="title"/>
-          </p:nvPr>
-        </p:nvSpPr>
-        <p:spPr/>
-        <p:txBody>
-          <a:bodyPr>
-            <a:normAutofit fontScale="90000"/>
-          </a:bodyPr>
-          <a:lstStyle/>
-          <a:p>
-            <a:r>
-              <a:rPr lang="de-DE" dirty="0" smtClean="0"/>
-              <a:t>Gemeinsames </a:t>
-            </a:r>
-            <a:r>
-              <a:rPr lang="de-DE" dirty="0" err="1" smtClean="0"/>
-              <a:t>Refactoring</a:t>
-            </a:r>
-            <a:endParaRPr lang="de-DE" dirty="0"/>
-          </a:p>
-        </p:txBody>
-      </p:sp>
-      <p:sp>
-        <p:nvSpPr>
-          <p:cNvPr id="3" name="Inhaltsplatzhalter 2"/>
-          <p:cNvSpPr>
-            <a:spLocks noGrp="1"/>
-          </p:cNvSpPr>
-          <p:nvPr>
-            <p:ph idx="1"/>
-          </p:nvPr>
-        </p:nvSpPr>
-        <p:spPr/>
-        <p:txBody>
-          <a:bodyPr>
-            <a:normAutofit lnSpcReduction="10000"/>
-          </a:bodyPr>
-          <a:lstStyle/>
-          <a:p>
-            <a:pPr marL="0" indent="0">
-              <a:buNone/>
-            </a:pPr>
-            <a:r>
-              <a:rPr lang="de-DE" sz="3600" b="1" dirty="0" smtClean="0"/>
-              <a:t>Aufgaben für heute</a:t>
-            </a:r>
-          </a:p>
-          <a:p>
-            <a:r>
-              <a:rPr lang="de-DE" sz="3600" dirty="0" smtClean="0"/>
-              <a:t>bisherigen Code ansehen</a:t>
-            </a:r>
-          </a:p>
-          <a:p>
-            <a:r>
-              <a:rPr lang="de-DE" sz="3600" dirty="0" smtClean="0"/>
-              <a:t>Bad </a:t>
-            </a:r>
-            <a:r>
-              <a:rPr lang="de-DE" sz="3600" dirty="0" err="1" smtClean="0"/>
-              <a:t>Smells</a:t>
-            </a:r>
-            <a:r>
-              <a:rPr lang="de-DE" sz="3600" dirty="0" smtClean="0"/>
-              <a:t> und andere Mängel aufzeigen</a:t>
-            </a:r>
-          </a:p>
-          <a:p>
-            <a:r>
-              <a:rPr lang="de-DE" sz="3600" dirty="0" err="1" smtClean="0"/>
-              <a:t>Refactorings</a:t>
-            </a:r>
-            <a:r>
-              <a:rPr lang="de-DE" sz="3600" dirty="0" smtClean="0"/>
-              <a:t> durchführen</a:t>
-            </a:r>
-          </a:p>
-          <a:p>
-            <a:r>
-              <a:rPr lang="de-DE" sz="3600" dirty="0" smtClean="0"/>
-              <a:t>Tests ggf. ergänzen</a:t>
-            </a:r>
-          </a:p>
-          <a:p>
-            <a:endParaRPr lang="de-DE" sz="3600" dirty="0"/>
-          </a:p>
-          <a:p>
-            <a:r>
-              <a:rPr lang="de-DE" sz="3600" dirty="0" smtClean="0"/>
-              <a:t>mit den fertigen Lösungsvorschlägen vergleichen</a:t>
-            </a:r>
-          </a:p>
-          <a:p>
-            <a:endParaRPr lang="de-DE" sz="3600" dirty="0"/>
-          </a:p>
-        </p:txBody>
-      </p:sp>
-    </p:spTree>
-    <p:extLst>
-      <p:ext uri="{BB962C8B-B14F-4D97-AF65-F5344CB8AC3E}">
-        <p14:creationId xmlns:p14="http://schemas.microsoft.com/office/powerpoint/2010/main" val="2682521544"/>
-      </p:ext>
-    </p:extLst>
-  </p:cSld>
-  <p:clrMapOvr>
-    <a:masterClrMapping/>
-  </p:clrMapOvr>
-  <p:timing>
-    <p:tnLst>
-      <p:par>
-        <p:cTn id="1" dur="indefinite" restart="never" nodeType="tmRoot"/>
-      </p:par>
-    </p:tnLst>
-  </p:timing>
-</p:sld>
-</file>
-
-<file path=ppt/slides/slide6.xml><?xml version="1.0" encoding="utf-8"?>
-<p:sld xmlns:a="http://schemas.openxmlformats.org/drawingml/2006/main" xmlns:r="http://schemas.openxmlformats.org/officeDocument/2006/relationships" xmlns:p="http://schemas.openxmlformats.org/presentationml/2006/main">
-  <p:cSld>
-    <p:spTree>
-      <p:nvGrpSpPr>
-        <p:cNvPr id="1" name=""/>
-        <p:cNvGrpSpPr/>
-        <p:nvPr/>
-      </p:nvGrpSpPr>
-      <p:grpSpPr>
-        <a:xfrm>
-          <a:off x="0" y="0"/>
-          <a:ext cx="0" cy="0"/>
-          <a:chOff x="0" y="0"/>
-          <a:chExt cx="0" cy="0"/>
-        </a:xfrm>
-      </p:grpSpPr>
-      <p:sp>
-        <p:nvSpPr>
-          <p:cNvPr id="2" name="Titel 1"/>
-          <p:cNvSpPr>
-            <a:spLocks noGrp="1"/>
-          </p:cNvSpPr>
-          <p:nvPr>
-            <p:ph type="title"/>
-          </p:nvPr>
-        </p:nvSpPr>
-        <p:spPr/>
-        <p:txBody>
-          <a:bodyPr>
-            <a:normAutofit fontScale="90000"/>
-          </a:bodyPr>
-          <a:lstStyle/>
-          <a:p>
-            <a:r>
-              <a:rPr lang="de-DE" dirty="0" smtClean="0"/>
-              <a:t>Aufgabe: Taschenrechner</a:t>
-            </a:r>
-            <a:endParaRPr lang="de-DE" dirty="0"/>
-          </a:p>
-        </p:txBody>
-      </p:sp>
-      <p:sp>
-        <p:nvSpPr>
-          <p:cNvPr id="3" name="Inhaltsplatzhalter 2"/>
-          <p:cNvSpPr>
-            <a:spLocks noGrp="1"/>
-          </p:cNvSpPr>
-          <p:nvPr>
-            <p:ph idx="1"/>
-          </p:nvPr>
-        </p:nvSpPr>
-        <p:spPr/>
-        <p:txBody>
-          <a:bodyPr>
-            <a:normAutofit/>
-          </a:bodyPr>
-          <a:lstStyle/>
-          <a:p>
-            <a:pPr marL="0" indent="0">
-              <a:buNone/>
-            </a:pPr>
-            <a:r>
-              <a:rPr lang="de-DE" dirty="0" smtClean="0"/>
-              <a:t>Entwickelt eine Taschenrechner-Anwendung mit folgenden Eigenschaften:</a:t>
-            </a:r>
-          </a:p>
-          <a:p>
-            <a:pPr marL="0" indent="0">
-              <a:buNone/>
-            </a:pPr>
-            <a:r>
-              <a:rPr lang="de-DE" dirty="0" smtClean="0"/>
-              <a:t>1. Rechner hat Methode </a:t>
-            </a:r>
-            <a:r>
-              <a:rPr lang="de-DE" dirty="0" err="1" smtClean="0">
-                <a:latin typeface="Courier New" panose="02070309020205020404" pitchFamily="49" charset="0"/>
-                <a:cs typeface="Courier New" panose="02070309020205020404" pitchFamily="49" charset="0"/>
-              </a:rPr>
-              <a:t>add</a:t>
-            </a:r>
-            <a:r>
-              <a:rPr lang="de-DE" dirty="0" smtClean="0">
-                <a:latin typeface="Courier New" panose="02070309020205020404" pitchFamily="49" charset="0"/>
-                <a:cs typeface="Courier New" panose="02070309020205020404" pitchFamily="49" charset="0"/>
-              </a:rPr>
-              <a:t>(</a:t>
-            </a:r>
-            <a:r>
-              <a:rPr lang="de-DE" dirty="0" err="1" smtClean="0">
-                <a:latin typeface="Courier New" panose="02070309020205020404" pitchFamily="49" charset="0"/>
-                <a:cs typeface="Courier New" panose="02070309020205020404" pitchFamily="49" charset="0"/>
-              </a:rPr>
-              <a:t>numbers</a:t>
-            </a:r>
-            <a:r>
-              <a:rPr lang="de-DE" dirty="0" smtClean="0">
-                <a:latin typeface="Courier New" panose="02070309020205020404" pitchFamily="49" charset="0"/>
-                <a:cs typeface="Courier New" panose="02070309020205020404" pitchFamily="49" charset="0"/>
-              </a:rPr>
-              <a:t>: String): </a:t>
-            </a:r>
-            <a:r>
-              <a:rPr lang="de-DE" dirty="0" err="1" smtClean="0">
-                <a:latin typeface="Courier New" panose="02070309020205020404" pitchFamily="49" charset="0"/>
-                <a:cs typeface="Courier New" panose="02070309020205020404" pitchFamily="49" charset="0"/>
-              </a:rPr>
-              <a:t>int</a:t>
-            </a:r>
-            <a:endParaRPr lang="de-DE" dirty="0" smtClean="0">
-              <a:latin typeface="Courier New" panose="02070309020205020404" pitchFamily="49" charset="0"/>
-              <a:cs typeface="Courier New" panose="02070309020205020404" pitchFamily="49" charset="0"/>
-            </a:endParaRPr>
-          </a:p>
-          <a:p>
-            <a:pPr lvl="1"/>
-            <a:r>
-              <a:rPr lang="de-DE" dirty="0" smtClean="0"/>
-              <a:t>Sie nimmt 0, 1 oder </a:t>
-            </a:r>
-            <a:r>
-              <a:rPr lang="de-DE" dirty="0"/>
-              <a:t>2 Zahlen Komma-separiert entgegen </a:t>
-            </a:r>
-            <a:r>
-              <a:rPr lang="de-DE" dirty="0" smtClean="0"/>
-              <a:t>und gibt ihre Summe zurück.</a:t>
-            </a:r>
-            <a:br>
-              <a:rPr lang="de-DE" dirty="0" smtClean="0"/>
-            </a:br>
-            <a:r>
-              <a:rPr lang="de-DE" dirty="0" smtClean="0"/>
-              <a:t>Eingaben: „“ oder „1“ oder „1,2“</a:t>
-            </a:r>
-          </a:p>
-          <a:p>
-            <a:pPr marL="514350" indent="-514350">
-              <a:buFont typeface="+mj-lt"/>
-              <a:buAutoNum type="arabicPeriod"/>
-            </a:pPr>
-            <a:endParaRPr lang="de-DE" dirty="0" smtClean="0"/>
-          </a:p>
-        </p:txBody>
-      </p:sp>
-      <p:sp>
-        <p:nvSpPr>
-          <p:cNvPr id="4" name="Abgerundetes Rechteck 3"/>
-          <p:cNvSpPr/>
-          <p:nvPr/>
-        </p:nvSpPr>
-        <p:spPr>
           <a:xfrm rot="21114850">
-            <a:off x="5975728" y="4367081"/>
+            <a:off x="5975728" y="4655112"/>
             <a:ext cx="2122235" cy="655870"/>
           </a:xfrm>
           <a:prstGeom prst="roundRect">
@@ -5124,18 +3683,13 @@
               </a:rPr>
               <a:t>erledigt</a:t>
             </a:r>
-            <a:endParaRPr lang="de-DE" sz="3600" dirty="0" smtClean="0">
-              <a:solidFill>
-                <a:schemeClr val="tx2"/>
-              </a:solidFill>
-            </a:endParaRPr>
           </a:p>
         </p:txBody>
       </p:sp>
     </p:spTree>
     <p:extLst>
       <p:ext uri="{BB962C8B-B14F-4D97-AF65-F5344CB8AC3E}">
-        <p14:creationId xmlns:p14="http://schemas.microsoft.com/office/powerpoint/2010/main" val="2940747982"/>
+        <p14:creationId xmlns:p14="http://schemas.microsoft.com/office/powerpoint/2010/main" val="1616037980"/>
       </p:ext>
     </p:extLst>
   </p:cSld>
@@ -5226,7 +3780,7 @@
 </p:sld>
 </file>
 
-<file path=ppt/slides/slide7.xml><?xml version="1.0" encoding="utf-8"?>
+<file path=ppt/slides/slide12.xml><?xml version="1.0" encoding="utf-8"?>
 <p:sld xmlns:a="http://schemas.openxmlformats.org/drawingml/2006/main" xmlns:r="http://schemas.openxmlformats.org/officeDocument/2006/relationships" xmlns:p="http://schemas.openxmlformats.org/presentationml/2006/main">
   <p:cSld>
     <p:spTree>
@@ -5298,12 +3852,8 @@
               <a:buNone/>
             </a:pPr>
             <a:r>
-              <a:rPr lang="de-DE" dirty="0"/>
-              <a:t>2</a:t>
-            </a:r>
-            <a:r>
               <a:rPr lang="de-DE" dirty="0" smtClean="0"/>
-              <a:t>. Die Methode </a:t>
+              <a:t>5. Der Aufruf der </a:t>
             </a:r>
             <a:r>
               <a:rPr lang="de-DE" dirty="0" err="1" smtClean="0"/>
@@ -5311,7 +3861,45 @@
             </a:r>
             <a:r>
               <a:rPr lang="de-DE" dirty="0" smtClean="0"/>
-              <a:t> soll eine beliebige Anzahl von Zahlen entgegennehmen können.</a:t>
+              <a:t>-Methode mit einer negativen Zahl soll eine </a:t>
+            </a:r>
+            <a:r>
+              <a:rPr lang="de-DE" dirty="0" err="1" smtClean="0"/>
+              <a:t>Exception</a:t>
+            </a:r>
+            <a:r>
+              <a:rPr lang="de-DE" dirty="0" smtClean="0"/>
+              <a:t> „Negative Zahlen sind nicht erlaubt.“ werfen.</a:t>
+            </a:r>
+          </a:p>
+          <a:p>
+            <a:pPr lvl="1"/>
+            <a:r>
+              <a:rPr lang="de-DE" dirty="0" smtClean="0"/>
+              <a:t>Die </a:t>
+            </a:r>
+            <a:r>
+              <a:rPr lang="de-DE" dirty="0" err="1" smtClean="0"/>
+              <a:t>Exception</a:t>
+            </a:r>
+            <a:r>
+              <a:rPr lang="de-DE" dirty="0" smtClean="0"/>
+              <a:t> soll die negative Zahl enthalten.</a:t>
+            </a:r>
+          </a:p>
+          <a:p>
+            <a:pPr lvl="1"/>
+            <a:r>
+              <a:rPr lang="de-DE" dirty="0" smtClean="0"/>
+              <a:t>Bei mehreren negativen Zahlen sollen alle in der </a:t>
+            </a:r>
+            <a:r>
+              <a:rPr lang="de-DE" dirty="0" err="1" smtClean="0"/>
+              <a:t>Exception</a:t>
+            </a:r>
+            <a:r>
+              <a:rPr lang="de-DE" dirty="0" smtClean="0"/>
+              <a:t> aufgelistet werden.</a:t>
             </a:r>
           </a:p>
         </p:txBody>
@@ -5363,18 +3951,13 @@
               </a:rPr>
               <a:t>erledigt</a:t>
             </a:r>
-            <a:endParaRPr lang="de-DE" sz="3600" dirty="0" smtClean="0">
-              <a:solidFill>
-                <a:schemeClr val="tx2"/>
-              </a:solidFill>
-            </a:endParaRPr>
           </a:p>
         </p:txBody>
       </p:sp>
     </p:spTree>
     <p:extLst>
       <p:ext uri="{BB962C8B-B14F-4D97-AF65-F5344CB8AC3E}">
-        <p14:creationId xmlns:p14="http://schemas.microsoft.com/office/powerpoint/2010/main" val="2514873725"/>
+        <p14:creationId xmlns:p14="http://schemas.microsoft.com/office/powerpoint/2010/main" val="1858178028"/>
       </p:ext>
     </p:extLst>
   </p:cSld>
@@ -5465,6 +4048,3672 @@
 </p:sld>
 </file>
 
+<file path=ppt/slides/slide13.xml><?xml version="1.0" encoding="utf-8"?>
+<p:sld xmlns:a="http://schemas.openxmlformats.org/drawingml/2006/main" xmlns:r="http://schemas.openxmlformats.org/officeDocument/2006/relationships" xmlns:p="http://schemas.openxmlformats.org/presentationml/2006/main">
+  <p:cSld>
+    <p:spTree>
+      <p:nvGrpSpPr>
+        <p:cNvPr id="1" name=""/>
+        <p:cNvGrpSpPr/>
+        <p:nvPr/>
+      </p:nvGrpSpPr>
+      <p:grpSpPr>
+        <a:xfrm>
+          <a:off x="0" y="0"/>
+          <a:ext cx="0" cy="0"/>
+          <a:chOff x="0" y="0"/>
+          <a:chExt cx="0" cy="0"/>
+        </a:xfrm>
+      </p:grpSpPr>
+      <p:sp>
+        <p:nvSpPr>
+          <p:cNvPr id="2" name="Titel 1"/>
+          <p:cNvSpPr>
+            <a:spLocks noGrp="1"/>
+          </p:cNvSpPr>
+          <p:nvPr>
+            <p:ph type="title"/>
+          </p:nvPr>
+        </p:nvSpPr>
+        <p:spPr/>
+        <p:txBody>
+          <a:bodyPr>
+            <a:normAutofit fontScale="90000"/>
+          </a:bodyPr>
+          <a:lstStyle/>
+          <a:p>
+            <a:r>
+              <a:rPr lang="de-DE" dirty="0" smtClean="0"/>
+              <a:t>Aufgabe: Taschenrechner</a:t>
+            </a:r>
+            <a:endParaRPr lang="de-DE" dirty="0"/>
+          </a:p>
+        </p:txBody>
+      </p:sp>
+      <p:sp>
+        <p:nvSpPr>
+          <p:cNvPr id="3" name="Inhaltsplatzhalter 2"/>
+          <p:cNvSpPr>
+            <a:spLocks noGrp="1"/>
+          </p:cNvSpPr>
+          <p:nvPr>
+            <p:ph idx="1"/>
+          </p:nvPr>
+        </p:nvSpPr>
+        <p:spPr/>
+        <p:txBody>
+          <a:bodyPr>
+            <a:normAutofit/>
+          </a:bodyPr>
+          <a:lstStyle/>
+          <a:p>
+            <a:pPr marL="0" indent="0">
+              <a:buNone/>
+            </a:pPr>
+            <a:r>
+              <a:rPr lang="de-DE" dirty="0" smtClean="0"/>
+              <a:t>Zusätzliche Anforderung:</a:t>
+            </a:r>
+          </a:p>
+          <a:p>
+            <a:pPr marL="0" indent="0">
+              <a:buNone/>
+            </a:pPr>
+            <a:r>
+              <a:rPr lang="de-DE" dirty="0"/>
+              <a:t>6</a:t>
+            </a:r>
+            <a:r>
+              <a:rPr lang="de-DE" dirty="0" smtClean="0"/>
+              <a:t>. Eine </a:t>
+            </a:r>
+            <a:r>
+              <a:rPr lang="de-DE" dirty="0" err="1" smtClean="0"/>
+              <a:t>multiply</a:t>
+            </a:r>
+            <a:r>
+              <a:rPr lang="de-DE" dirty="0" smtClean="0"/>
+              <a:t>-Methode zur Multiplikation von Zahlen soll ergänzt werden.</a:t>
+            </a:r>
+          </a:p>
+          <a:p>
+            <a:pPr lvl="1"/>
+            <a:r>
+              <a:rPr lang="de-DE" dirty="0" smtClean="0"/>
+              <a:t>Die zu verwendende Operation soll per optionaler Zeile angegeben werden:</a:t>
+            </a:r>
+            <a:br>
+              <a:rPr lang="de-DE" dirty="0" smtClean="0"/>
+            </a:br>
+            <a:r>
+              <a:rPr lang="de-DE" dirty="0" smtClean="0"/>
+              <a:t>„+\n5,3“ kennzeichnet die Operation 5 + 3</a:t>
+            </a:r>
+            <a:br>
+              <a:rPr lang="de-DE" dirty="0" smtClean="0"/>
+            </a:br>
+            <a:r>
+              <a:rPr lang="de-DE" dirty="0" smtClean="0"/>
+              <a:t>„*\n5,3“ kennzeichnet die Operation 5 * 3</a:t>
+            </a:r>
+          </a:p>
+          <a:p>
+            <a:pPr lvl="1"/>
+            <a:r>
+              <a:rPr lang="de-DE" dirty="0" smtClean="0"/>
+              <a:t>Wird nichts explizit angegeben, wird von einer Addition ausgegangen.</a:t>
+            </a:r>
+          </a:p>
+        </p:txBody>
+      </p:sp>
+    </p:spTree>
+    <p:extLst>
+      <p:ext uri="{BB962C8B-B14F-4D97-AF65-F5344CB8AC3E}">
+        <p14:creationId xmlns:p14="http://schemas.microsoft.com/office/powerpoint/2010/main" val="3003817183"/>
+      </p:ext>
+    </p:extLst>
+  </p:cSld>
+  <p:clrMapOvr>
+    <a:masterClrMapping/>
+  </p:clrMapOvr>
+  <p:timing>
+    <p:tnLst>
+      <p:par>
+        <p:cTn id="1" dur="indefinite" restart="never" nodeType="tmRoot"/>
+      </p:par>
+    </p:tnLst>
+  </p:timing>
+</p:sld>
+</file>
+
+<file path=ppt/slides/slide14.xml><?xml version="1.0" encoding="utf-8"?>
+<p:sld xmlns:a="http://schemas.openxmlformats.org/drawingml/2006/main" xmlns:r="http://schemas.openxmlformats.org/officeDocument/2006/relationships" xmlns:p="http://schemas.openxmlformats.org/presentationml/2006/main">
+  <p:cSld>
+    <p:spTree>
+      <p:nvGrpSpPr>
+        <p:cNvPr id="1" name=""/>
+        <p:cNvGrpSpPr/>
+        <p:nvPr/>
+      </p:nvGrpSpPr>
+      <p:grpSpPr>
+        <a:xfrm>
+          <a:off x="0" y="0"/>
+          <a:ext cx="0" cy="0"/>
+          <a:chOff x="0" y="0"/>
+          <a:chExt cx="0" cy="0"/>
+        </a:xfrm>
+      </p:grpSpPr>
+      <p:sp>
+        <p:nvSpPr>
+          <p:cNvPr id="2" name="Titel 1"/>
+          <p:cNvSpPr>
+            <a:spLocks noGrp="1"/>
+          </p:cNvSpPr>
+          <p:nvPr>
+            <p:ph type="title"/>
+          </p:nvPr>
+        </p:nvSpPr>
+        <p:spPr/>
+        <p:txBody>
+          <a:bodyPr>
+            <a:normAutofit fontScale="90000"/>
+          </a:bodyPr>
+          <a:lstStyle/>
+          <a:p>
+            <a:r>
+              <a:rPr lang="de-DE" dirty="0" smtClean="0"/>
+              <a:t>Nächste </a:t>
+            </a:r>
+            <a:r>
+              <a:rPr lang="de-DE" dirty="0" smtClean="0"/>
+              <a:t>Schritte</a:t>
+            </a:r>
+            <a:endParaRPr lang="de-DE" dirty="0"/>
+          </a:p>
+        </p:txBody>
+      </p:sp>
+      <p:sp>
+        <p:nvSpPr>
+          <p:cNvPr id="3" name="Inhaltsplatzhalter 2"/>
+          <p:cNvSpPr>
+            <a:spLocks noGrp="1"/>
+          </p:cNvSpPr>
+          <p:nvPr>
+            <p:ph idx="1"/>
+          </p:nvPr>
+        </p:nvSpPr>
+        <p:spPr/>
+        <p:txBody>
+          <a:bodyPr>
+            <a:normAutofit/>
+          </a:bodyPr>
+          <a:lstStyle/>
+          <a:p>
+            <a:pPr marL="514350" indent="-514350">
+              <a:buFont typeface="+mj-lt"/>
+              <a:buAutoNum type="arabicPeriod"/>
+            </a:pPr>
+            <a:r>
+              <a:rPr lang="de-DE" sz="2800" dirty="0" smtClean="0">
+                <a:solidFill>
+                  <a:schemeClr val="bg1">
+                    <a:lumMod val="65000"/>
+                  </a:schemeClr>
+                </a:solidFill>
+              </a:rPr>
+              <a:t>Begriffe klären (ca. 20 Min.)</a:t>
+            </a:r>
+          </a:p>
+          <a:p>
+            <a:pPr lvl="1"/>
+            <a:r>
+              <a:rPr lang="de-DE" sz="2400" dirty="0" smtClean="0">
+                <a:solidFill>
+                  <a:schemeClr val="bg1">
+                    <a:lumMod val="65000"/>
+                  </a:schemeClr>
+                </a:solidFill>
+              </a:rPr>
+              <a:t>Was ist </a:t>
+            </a:r>
+            <a:r>
+              <a:rPr lang="de-DE" sz="2400" dirty="0" err="1" smtClean="0">
+                <a:solidFill>
+                  <a:schemeClr val="bg1">
+                    <a:lumMod val="65000"/>
+                  </a:schemeClr>
+                </a:solidFill>
+              </a:rPr>
+              <a:t>Refactoring</a:t>
+            </a:r>
+            <a:r>
+              <a:rPr lang="de-DE" sz="2400" dirty="0" smtClean="0">
+                <a:solidFill>
+                  <a:schemeClr val="bg1">
+                    <a:lumMod val="65000"/>
+                  </a:schemeClr>
+                </a:solidFill>
+              </a:rPr>
+              <a:t>?</a:t>
+            </a:r>
+          </a:p>
+          <a:p>
+            <a:pPr lvl="1"/>
+            <a:r>
+              <a:rPr lang="de-DE" sz="2400" dirty="0" smtClean="0">
+                <a:solidFill>
+                  <a:schemeClr val="bg1">
+                    <a:lumMod val="65000"/>
+                  </a:schemeClr>
+                </a:solidFill>
+              </a:rPr>
+              <a:t>Was sind Bad </a:t>
+            </a:r>
+            <a:r>
+              <a:rPr lang="de-DE" sz="2400" dirty="0" err="1" smtClean="0">
+                <a:solidFill>
+                  <a:schemeClr val="bg1">
+                    <a:lumMod val="65000"/>
+                  </a:schemeClr>
+                </a:solidFill>
+              </a:rPr>
+              <a:t>Smells</a:t>
+            </a:r>
+            <a:r>
+              <a:rPr lang="de-DE" sz="2400" dirty="0" smtClean="0">
+                <a:solidFill>
+                  <a:schemeClr val="bg1">
+                    <a:lumMod val="65000"/>
+                  </a:schemeClr>
+                </a:solidFill>
+              </a:rPr>
+              <a:t>?</a:t>
+            </a:r>
+          </a:p>
+          <a:p>
+            <a:pPr marL="514350" indent="-514350">
+              <a:buFont typeface="+mj-lt"/>
+              <a:buAutoNum type="arabicPeriod"/>
+            </a:pPr>
+            <a:r>
+              <a:rPr lang="de-DE" sz="2800" dirty="0" err="1" smtClean="0">
+                <a:solidFill>
+                  <a:schemeClr val="bg1">
+                    <a:lumMod val="65000"/>
+                  </a:schemeClr>
+                </a:solidFill>
+              </a:rPr>
+              <a:t>Refactoring</a:t>
+            </a:r>
+            <a:r>
+              <a:rPr lang="de-DE" sz="2800" dirty="0" smtClean="0">
+                <a:solidFill>
+                  <a:schemeClr val="bg1">
+                    <a:lumMod val="65000"/>
+                  </a:schemeClr>
+                </a:solidFill>
+              </a:rPr>
+              <a:t> des bisherigen Codes</a:t>
+            </a:r>
+            <a:br>
+              <a:rPr lang="de-DE" sz="2800" dirty="0" smtClean="0">
+                <a:solidFill>
+                  <a:schemeClr val="bg1">
+                    <a:lumMod val="65000"/>
+                  </a:schemeClr>
+                </a:solidFill>
+              </a:rPr>
+            </a:br>
+            <a:r>
+              <a:rPr lang="de-DE" sz="2800" dirty="0" smtClean="0">
+                <a:solidFill>
+                  <a:schemeClr val="bg1">
+                    <a:lumMod val="65000"/>
+                  </a:schemeClr>
+                </a:solidFill>
+              </a:rPr>
+              <a:t>(ca. 45 Min., bis max. 17:15 Uhr)</a:t>
+            </a:r>
+            <a:endParaRPr lang="de-DE" sz="2800" dirty="0" smtClean="0">
+              <a:solidFill>
+                <a:schemeClr val="bg1">
+                  <a:lumMod val="65000"/>
+                </a:schemeClr>
+              </a:solidFill>
+            </a:endParaRPr>
+          </a:p>
+          <a:p>
+            <a:pPr marL="514350" indent="-514350">
+              <a:buFont typeface="+mj-lt"/>
+              <a:buAutoNum type="arabicPeriod"/>
+            </a:pPr>
+            <a:r>
+              <a:rPr lang="de-DE" sz="2800" dirty="0" smtClean="0"/>
+              <a:t>Vergleich </a:t>
+            </a:r>
+            <a:r>
+              <a:rPr lang="de-DE" sz="2800" dirty="0" smtClean="0"/>
+              <a:t>der anderen Lösungen miteinander </a:t>
+            </a:r>
+            <a:br>
+              <a:rPr lang="de-DE" sz="2800" dirty="0" smtClean="0"/>
+            </a:br>
+            <a:r>
+              <a:rPr lang="de-DE" sz="2800" dirty="0" smtClean="0"/>
+              <a:t>(ca. 30 Min.)</a:t>
+            </a:r>
+            <a:endParaRPr lang="de-DE" sz="2800" dirty="0" smtClean="0"/>
+          </a:p>
+          <a:p>
+            <a:pPr marL="514350" indent="-514350">
+              <a:buFont typeface="+mj-lt"/>
+              <a:buAutoNum type="arabicPeriod"/>
+            </a:pPr>
+            <a:r>
+              <a:rPr lang="de-DE" sz="2800" dirty="0" smtClean="0"/>
+              <a:t>Ausblick und </a:t>
+            </a:r>
+            <a:r>
+              <a:rPr lang="de-DE" sz="2800" dirty="0" smtClean="0"/>
+              <a:t>Retrospektive</a:t>
+            </a:r>
+            <a:br>
+              <a:rPr lang="de-DE" sz="2800" dirty="0" smtClean="0"/>
+            </a:br>
+            <a:r>
+              <a:rPr lang="de-DE" sz="2800" dirty="0" smtClean="0"/>
+              <a:t>(15 Min.)</a:t>
+            </a:r>
+            <a:endParaRPr lang="de-DE" sz="2800" dirty="0" smtClean="0"/>
+          </a:p>
+          <a:p>
+            <a:endParaRPr lang="de-DE" sz="2800" dirty="0"/>
+          </a:p>
+        </p:txBody>
+      </p:sp>
+    </p:spTree>
+    <p:extLst>
+      <p:ext uri="{BB962C8B-B14F-4D97-AF65-F5344CB8AC3E}">
+        <p14:creationId xmlns:p14="http://schemas.microsoft.com/office/powerpoint/2010/main" val="2784918044"/>
+      </p:ext>
+    </p:extLst>
+  </p:cSld>
+  <p:clrMapOvr>
+    <a:masterClrMapping/>
+  </p:clrMapOvr>
+  <p:timing>
+    <p:tnLst>
+      <p:par>
+        <p:cTn id="1" dur="indefinite" restart="never" nodeType="tmRoot"/>
+      </p:par>
+    </p:tnLst>
+  </p:timing>
+</p:sld>
+</file>
+
+<file path=ppt/slides/slide15.xml><?xml version="1.0" encoding="utf-8"?>
+<p:sld xmlns:a="http://schemas.openxmlformats.org/drawingml/2006/main" xmlns:r="http://schemas.openxmlformats.org/officeDocument/2006/relationships" xmlns:p="http://schemas.openxmlformats.org/presentationml/2006/main">
+  <p:cSld>
+    <p:spTree>
+      <p:nvGrpSpPr>
+        <p:cNvPr id="1" name=""/>
+        <p:cNvGrpSpPr/>
+        <p:nvPr/>
+      </p:nvGrpSpPr>
+      <p:grpSpPr>
+        <a:xfrm>
+          <a:off x="0" y="0"/>
+          <a:ext cx="0" cy="0"/>
+          <a:chOff x="0" y="0"/>
+          <a:chExt cx="0" cy="0"/>
+        </a:xfrm>
+      </p:grpSpPr>
+      <p:sp>
+        <p:nvSpPr>
+          <p:cNvPr id="2" name="Titel 1"/>
+          <p:cNvSpPr>
+            <a:spLocks noGrp="1"/>
+          </p:cNvSpPr>
+          <p:nvPr>
+            <p:ph type="title"/>
+          </p:nvPr>
+        </p:nvSpPr>
+        <p:spPr/>
+        <p:txBody>
+          <a:bodyPr>
+            <a:normAutofit fontScale="90000"/>
+          </a:bodyPr>
+          <a:lstStyle/>
+          <a:p>
+            <a:r>
+              <a:rPr lang="de-DE" dirty="0" smtClean="0"/>
+              <a:t>Lösung von Daniel</a:t>
+            </a:r>
+            <a:endParaRPr lang="de-DE" dirty="0"/>
+          </a:p>
+        </p:txBody>
+      </p:sp>
+      <p:sp>
+        <p:nvSpPr>
+          <p:cNvPr id="4" name="Inhaltsplatzhalter 3"/>
+          <p:cNvSpPr>
+            <a:spLocks noGrp="1"/>
+          </p:cNvSpPr>
+          <p:nvPr>
+            <p:ph idx="1"/>
+          </p:nvPr>
+        </p:nvSpPr>
+        <p:spPr/>
+        <p:txBody>
+          <a:bodyPr/>
+          <a:lstStyle/>
+          <a:p>
+            <a:endParaRPr lang="de-DE" dirty="0"/>
+          </a:p>
+        </p:txBody>
+      </p:sp>
+      <p:pic>
+        <p:nvPicPr>
+          <p:cNvPr id="3074" name="Picture 2" descr="C:\work\Git-Repositories\Coding Dojo - itbastianAtGitHub\CodingDojoDPA-CodingDojoPilot\CodingDojoDPA\StringCalculator\doc\Classes Overview.png"/>
+          <p:cNvPicPr>
+            <a:picLocks noChangeAspect="1" noChangeArrowheads="1"/>
+          </p:cNvPicPr>
+          <p:nvPr/>
+        </p:nvPicPr>
+        <p:blipFill>
+          <a:blip r:embed="rId2">
+            <a:extLst>
+              <a:ext uri="{28A0092B-C50C-407E-A947-70E740481C1C}">
+                <a14:useLocalDpi xmlns:a14="http://schemas.microsoft.com/office/drawing/2010/main" val="0"/>
+              </a:ext>
+            </a:extLst>
+          </a:blip>
+          <a:srcRect/>
+          <a:stretch>
+            <a:fillRect/>
+          </a:stretch>
+        </p:blipFill>
+        <p:spPr bwMode="auto">
+          <a:xfrm>
+            <a:off x="107504" y="980728"/>
+            <a:ext cx="8902128" cy="5736364"/>
+          </a:xfrm>
+          <a:prstGeom prst="rect">
+            <a:avLst/>
+          </a:prstGeom>
+          <a:noFill/>
+          <a:extLst>
+            <a:ext uri="{909E8E84-426E-40DD-AFC4-6F175D3DCCD1}">
+              <a14:hiddenFill xmlns:a14="http://schemas.microsoft.com/office/drawing/2010/main">
+                <a:solidFill>
+                  <a:srgbClr val="FFFFFF"/>
+                </a:solidFill>
+              </a14:hiddenFill>
+            </a:ext>
+          </a:extLst>
+        </p:spPr>
+      </p:pic>
+    </p:spTree>
+    <p:extLst>
+      <p:ext uri="{BB962C8B-B14F-4D97-AF65-F5344CB8AC3E}">
+        <p14:creationId xmlns:p14="http://schemas.microsoft.com/office/powerpoint/2010/main" val="2683331583"/>
+      </p:ext>
+    </p:extLst>
+  </p:cSld>
+  <p:clrMapOvr>
+    <a:masterClrMapping/>
+  </p:clrMapOvr>
+  <p:timing>
+    <p:tnLst>
+      <p:par>
+        <p:cTn id="1" dur="indefinite" restart="never" nodeType="tmRoot"/>
+      </p:par>
+    </p:tnLst>
+  </p:timing>
+</p:sld>
+</file>
+
+<file path=ppt/slides/slide16.xml><?xml version="1.0" encoding="utf-8"?>
+<p:sld xmlns:a="http://schemas.openxmlformats.org/drawingml/2006/main" xmlns:r="http://schemas.openxmlformats.org/officeDocument/2006/relationships" xmlns:p="http://schemas.openxmlformats.org/presentationml/2006/main">
+  <p:cSld>
+    <p:spTree>
+      <p:nvGrpSpPr>
+        <p:cNvPr id="1" name=""/>
+        <p:cNvGrpSpPr/>
+        <p:nvPr/>
+      </p:nvGrpSpPr>
+      <p:grpSpPr>
+        <a:xfrm>
+          <a:off x="0" y="0"/>
+          <a:ext cx="0" cy="0"/>
+          <a:chOff x="0" y="0"/>
+          <a:chExt cx="0" cy="0"/>
+        </a:xfrm>
+      </p:grpSpPr>
+      <p:sp>
+        <p:nvSpPr>
+          <p:cNvPr id="2" name="Titel 1"/>
+          <p:cNvSpPr>
+            <a:spLocks noGrp="1"/>
+          </p:cNvSpPr>
+          <p:nvPr>
+            <p:ph type="title"/>
+          </p:nvPr>
+        </p:nvSpPr>
+        <p:spPr/>
+        <p:txBody>
+          <a:bodyPr>
+            <a:normAutofit fontScale="90000"/>
+          </a:bodyPr>
+          <a:lstStyle/>
+          <a:p>
+            <a:r>
+              <a:rPr lang="de-DE" dirty="0" smtClean="0"/>
+              <a:t>Lösung von Dietrich</a:t>
+            </a:r>
+            <a:endParaRPr lang="de-DE" dirty="0"/>
+          </a:p>
+        </p:txBody>
+      </p:sp>
+      <p:sp>
+        <p:nvSpPr>
+          <p:cNvPr id="4" name="Inhaltsplatzhalter 3"/>
+          <p:cNvSpPr>
+            <a:spLocks noGrp="1"/>
+          </p:cNvSpPr>
+          <p:nvPr>
+            <p:ph idx="1"/>
+          </p:nvPr>
+        </p:nvSpPr>
+        <p:spPr/>
+        <p:txBody>
+          <a:bodyPr/>
+          <a:lstStyle/>
+          <a:p>
+            <a:endParaRPr lang="de-DE" dirty="0"/>
+          </a:p>
+        </p:txBody>
+      </p:sp>
+      <p:pic>
+        <p:nvPicPr>
+          <p:cNvPr id="4098" name="Picture 2" descr="C:\work\Git-Repositories\Coding Dojo - itbastianAtGitHub\CodingDojoDPA-CodingDojoPilot\CodingDojoDPA\StringCalculator\doc\Classes Overview.png"/>
+          <p:cNvPicPr>
+            <a:picLocks noChangeAspect="1" noChangeArrowheads="1"/>
+          </p:cNvPicPr>
+          <p:nvPr/>
+        </p:nvPicPr>
+        <p:blipFill>
+          <a:blip r:embed="rId2">
+            <a:extLst>
+              <a:ext uri="{28A0092B-C50C-407E-A947-70E740481C1C}">
+                <a14:useLocalDpi xmlns:a14="http://schemas.microsoft.com/office/drawing/2010/main" val="0"/>
+              </a:ext>
+            </a:extLst>
+          </a:blip>
+          <a:srcRect/>
+          <a:stretch>
+            <a:fillRect/>
+          </a:stretch>
+        </p:blipFill>
+        <p:spPr bwMode="auto">
+          <a:xfrm>
+            <a:off x="755576" y="1052736"/>
+            <a:ext cx="8019002" cy="5307997"/>
+          </a:xfrm>
+          <a:prstGeom prst="rect">
+            <a:avLst/>
+          </a:prstGeom>
+          <a:noFill/>
+          <a:extLst>
+            <a:ext uri="{909E8E84-426E-40DD-AFC4-6F175D3DCCD1}">
+              <a14:hiddenFill xmlns:a14="http://schemas.microsoft.com/office/drawing/2010/main">
+                <a:solidFill>
+                  <a:srgbClr val="FFFFFF"/>
+                </a:solidFill>
+              </a14:hiddenFill>
+            </a:ext>
+          </a:extLst>
+        </p:spPr>
+      </p:pic>
+    </p:spTree>
+    <p:extLst>
+      <p:ext uri="{BB962C8B-B14F-4D97-AF65-F5344CB8AC3E}">
+        <p14:creationId xmlns:p14="http://schemas.microsoft.com/office/powerpoint/2010/main" val="2320152462"/>
+      </p:ext>
+    </p:extLst>
+  </p:cSld>
+  <p:clrMapOvr>
+    <a:masterClrMapping/>
+  </p:clrMapOvr>
+  <p:timing>
+    <p:tnLst>
+      <p:par>
+        <p:cTn id="1" dur="indefinite" restart="never" nodeType="tmRoot"/>
+      </p:par>
+    </p:tnLst>
+  </p:timing>
+</p:sld>
+</file>
+
+<file path=ppt/slides/slide17.xml><?xml version="1.0" encoding="utf-8"?>
+<p:sld xmlns:a="http://schemas.openxmlformats.org/drawingml/2006/main" xmlns:r="http://schemas.openxmlformats.org/officeDocument/2006/relationships" xmlns:p="http://schemas.openxmlformats.org/presentationml/2006/main">
+  <p:cSld>
+    <p:spTree>
+      <p:nvGrpSpPr>
+        <p:cNvPr id="1" name=""/>
+        <p:cNvGrpSpPr/>
+        <p:nvPr/>
+      </p:nvGrpSpPr>
+      <p:grpSpPr>
+        <a:xfrm>
+          <a:off x="0" y="0"/>
+          <a:ext cx="0" cy="0"/>
+          <a:chOff x="0" y="0"/>
+          <a:chExt cx="0" cy="0"/>
+        </a:xfrm>
+      </p:grpSpPr>
+      <p:sp>
+        <p:nvSpPr>
+          <p:cNvPr id="2" name="Titel 1"/>
+          <p:cNvSpPr>
+            <a:spLocks noGrp="1"/>
+          </p:cNvSpPr>
+          <p:nvPr>
+            <p:ph type="title"/>
+          </p:nvPr>
+        </p:nvSpPr>
+        <p:spPr/>
+        <p:txBody>
+          <a:bodyPr>
+            <a:normAutofit fontScale="90000"/>
+          </a:bodyPr>
+          <a:lstStyle/>
+          <a:p>
+            <a:r>
+              <a:rPr lang="de-DE" dirty="0" smtClean="0"/>
+              <a:t>Nächste </a:t>
+            </a:r>
+            <a:r>
+              <a:rPr lang="de-DE" dirty="0" smtClean="0"/>
+              <a:t>Schritte</a:t>
+            </a:r>
+            <a:endParaRPr lang="de-DE" dirty="0"/>
+          </a:p>
+        </p:txBody>
+      </p:sp>
+      <p:sp>
+        <p:nvSpPr>
+          <p:cNvPr id="3" name="Inhaltsplatzhalter 2"/>
+          <p:cNvSpPr>
+            <a:spLocks noGrp="1"/>
+          </p:cNvSpPr>
+          <p:nvPr>
+            <p:ph idx="1"/>
+          </p:nvPr>
+        </p:nvSpPr>
+        <p:spPr/>
+        <p:txBody>
+          <a:bodyPr>
+            <a:normAutofit/>
+          </a:bodyPr>
+          <a:lstStyle/>
+          <a:p>
+            <a:pPr marL="514350" indent="-514350">
+              <a:buFont typeface="+mj-lt"/>
+              <a:buAutoNum type="arabicPeriod"/>
+            </a:pPr>
+            <a:r>
+              <a:rPr lang="de-DE" sz="2800" dirty="0" smtClean="0">
+                <a:solidFill>
+                  <a:schemeClr val="bg1">
+                    <a:lumMod val="65000"/>
+                  </a:schemeClr>
+                </a:solidFill>
+              </a:rPr>
+              <a:t>Begriffe klären (ca. 20 Min.)</a:t>
+            </a:r>
+          </a:p>
+          <a:p>
+            <a:pPr lvl="1"/>
+            <a:r>
+              <a:rPr lang="de-DE" sz="2400" dirty="0" smtClean="0">
+                <a:solidFill>
+                  <a:schemeClr val="bg1">
+                    <a:lumMod val="65000"/>
+                  </a:schemeClr>
+                </a:solidFill>
+              </a:rPr>
+              <a:t>Was ist </a:t>
+            </a:r>
+            <a:r>
+              <a:rPr lang="de-DE" sz="2400" dirty="0" err="1" smtClean="0">
+                <a:solidFill>
+                  <a:schemeClr val="bg1">
+                    <a:lumMod val="65000"/>
+                  </a:schemeClr>
+                </a:solidFill>
+              </a:rPr>
+              <a:t>Refactoring</a:t>
+            </a:r>
+            <a:r>
+              <a:rPr lang="de-DE" sz="2400" dirty="0" smtClean="0">
+                <a:solidFill>
+                  <a:schemeClr val="bg1">
+                    <a:lumMod val="65000"/>
+                  </a:schemeClr>
+                </a:solidFill>
+              </a:rPr>
+              <a:t>?</a:t>
+            </a:r>
+          </a:p>
+          <a:p>
+            <a:pPr lvl="1"/>
+            <a:r>
+              <a:rPr lang="de-DE" sz="2400" dirty="0" smtClean="0">
+                <a:solidFill>
+                  <a:schemeClr val="bg1">
+                    <a:lumMod val="65000"/>
+                  </a:schemeClr>
+                </a:solidFill>
+              </a:rPr>
+              <a:t>Was sind Bad </a:t>
+            </a:r>
+            <a:r>
+              <a:rPr lang="de-DE" sz="2400" dirty="0" err="1" smtClean="0">
+                <a:solidFill>
+                  <a:schemeClr val="bg1">
+                    <a:lumMod val="65000"/>
+                  </a:schemeClr>
+                </a:solidFill>
+              </a:rPr>
+              <a:t>Smells</a:t>
+            </a:r>
+            <a:r>
+              <a:rPr lang="de-DE" sz="2400" dirty="0" smtClean="0">
+                <a:solidFill>
+                  <a:schemeClr val="bg1">
+                    <a:lumMod val="65000"/>
+                  </a:schemeClr>
+                </a:solidFill>
+              </a:rPr>
+              <a:t>?</a:t>
+            </a:r>
+          </a:p>
+          <a:p>
+            <a:pPr marL="514350" indent="-514350">
+              <a:buFont typeface="+mj-lt"/>
+              <a:buAutoNum type="arabicPeriod"/>
+            </a:pPr>
+            <a:r>
+              <a:rPr lang="de-DE" sz="2800" dirty="0" err="1" smtClean="0">
+                <a:solidFill>
+                  <a:schemeClr val="bg1">
+                    <a:lumMod val="65000"/>
+                  </a:schemeClr>
+                </a:solidFill>
+              </a:rPr>
+              <a:t>Refactoring</a:t>
+            </a:r>
+            <a:r>
+              <a:rPr lang="de-DE" sz="2800" dirty="0" smtClean="0">
+                <a:solidFill>
+                  <a:schemeClr val="bg1">
+                    <a:lumMod val="65000"/>
+                  </a:schemeClr>
+                </a:solidFill>
+              </a:rPr>
+              <a:t> des bisherigen Codes</a:t>
+            </a:r>
+            <a:br>
+              <a:rPr lang="de-DE" sz="2800" dirty="0" smtClean="0">
+                <a:solidFill>
+                  <a:schemeClr val="bg1">
+                    <a:lumMod val="65000"/>
+                  </a:schemeClr>
+                </a:solidFill>
+              </a:rPr>
+            </a:br>
+            <a:r>
+              <a:rPr lang="de-DE" sz="2800" dirty="0" smtClean="0">
+                <a:solidFill>
+                  <a:schemeClr val="bg1">
+                    <a:lumMod val="65000"/>
+                  </a:schemeClr>
+                </a:solidFill>
+              </a:rPr>
+              <a:t>(ca. 45 Min., bis max. 17:15 Uhr)</a:t>
+            </a:r>
+            <a:endParaRPr lang="de-DE" sz="2800" dirty="0" smtClean="0">
+              <a:solidFill>
+                <a:schemeClr val="bg1">
+                  <a:lumMod val="65000"/>
+                </a:schemeClr>
+              </a:solidFill>
+            </a:endParaRPr>
+          </a:p>
+          <a:p>
+            <a:pPr marL="514350" indent="-514350">
+              <a:buFont typeface="+mj-lt"/>
+              <a:buAutoNum type="arabicPeriod"/>
+            </a:pPr>
+            <a:r>
+              <a:rPr lang="de-DE" sz="2800" dirty="0" smtClean="0">
+                <a:solidFill>
+                  <a:schemeClr val="bg1">
+                    <a:lumMod val="65000"/>
+                  </a:schemeClr>
+                </a:solidFill>
+              </a:rPr>
+              <a:t>Vergleich </a:t>
+            </a:r>
+            <a:r>
+              <a:rPr lang="de-DE" sz="2800" dirty="0" smtClean="0">
+                <a:solidFill>
+                  <a:schemeClr val="bg1">
+                    <a:lumMod val="65000"/>
+                  </a:schemeClr>
+                </a:solidFill>
+              </a:rPr>
+              <a:t>der anderen Lösungen miteinander </a:t>
+            </a:r>
+            <a:br>
+              <a:rPr lang="de-DE" sz="2800" dirty="0" smtClean="0">
+                <a:solidFill>
+                  <a:schemeClr val="bg1">
+                    <a:lumMod val="65000"/>
+                  </a:schemeClr>
+                </a:solidFill>
+              </a:rPr>
+            </a:br>
+            <a:r>
+              <a:rPr lang="de-DE" sz="2800" dirty="0" smtClean="0">
+                <a:solidFill>
+                  <a:schemeClr val="bg1">
+                    <a:lumMod val="65000"/>
+                  </a:schemeClr>
+                </a:solidFill>
+              </a:rPr>
+              <a:t>(ca. 30 Min.)</a:t>
+            </a:r>
+            <a:endParaRPr lang="de-DE" sz="2800" dirty="0" smtClean="0">
+              <a:solidFill>
+                <a:schemeClr val="bg1">
+                  <a:lumMod val="65000"/>
+                </a:schemeClr>
+              </a:solidFill>
+            </a:endParaRPr>
+          </a:p>
+          <a:p>
+            <a:pPr marL="514350" indent="-514350">
+              <a:buFont typeface="+mj-lt"/>
+              <a:buAutoNum type="arabicPeriod"/>
+            </a:pPr>
+            <a:r>
+              <a:rPr lang="de-DE" sz="2800" dirty="0" smtClean="0"/>
+              <a:t>Ausblick und </a:t>
+            </a:r>
+            <a:r>
+              <a:rPr lang="de-DE" sz="2800" dirty="0" smtClean="0"/>
+              <a:t>Retrospektive</a:t>
+            </a:r>
+            <a:br>
+              <a:rPr lang="de-DE" sz="2800" dirty="0" smtClean="0"/>
+            </a:br>
+            <a:r>
+              <a:rPr lang="de-DE" sz="2800" dirty="0" smtClean="0"/>
+              <a:t>(15 Min.)</a:t>
+            </a:r>
+            <a:endParaRPr lang="de-DE" sz="2800" dirty="0" smtClean="0"/>
+          </a:p>
+          <a:p>
+            <a:endParaRPr lang="de-DE" sz="2800" dirty="0"/>
+          </a:p>
+        </p:txBody>
+      </p:sp>
+    </p:spTree>
+    <p:extLst>
+      <p:ext uri="{BB962C8B-B14F-4D97-AF65-F5344CB8AC3E}">
+        <p14:creationId xmlns:p14="http://schemas.microsoft.com/office/powerpoint/2010/main" val="812566185"/>
+      </p:ext>
+    </p:extLst>
+  </p:cSld>
+  <p:clrMapOvr>
+    <a:masterClrMapping/>
+  </p:clrMapOvr>
+  <p:timing>
+    <p:tnLst>
+      <p:par>
+        <p:cTn id="1" dur="indefinite" restart="never" nodeType="tmRoot"/>
+      </p:par>
+    </p:tnLst>
+  </p:timing>
+</p:sld>
+</file>
+
+<file path=ppt/slides/slide18.xml><?xml version="1.0" encoding="utf-8"?>
+<p:sld xmlns:a="http://schemas.openxmlformats.org/drawingml/2006/main" xmlns:r="http://schemas.openxmlformats.org/officeDocument/2006/relationships" xmlns:p="http://schemas.openxmlformats.org/presentationml/2006/main">
+  <p:cSld>
+    <p:spTree>
+      <p:nvGrpSpPr>
+        <p:cNvPr id="1" name=""/>
+        <p:cNvGrpSpPr/>
+        <p:nvPr/>
+      </p:nvGrpSpPr>
+      <p:grpSpPr>
+        <a:xfrm>
+          <a:off x="0" y="0"/>
+          <a:ext cx="0" cy="0"/>
+          <a:chOff x="0" y="0"/>
+          <a:chExt cx="0" cy="0"/>
+        </a:xfrm>
+      </p:grpSpPr>
+      <p:sp>
+        <p:nvSpPr>
+          <p:cNvPr id="2" name="Titel 1"/>
+          <p:cNvSpPr>
+            <a:spLocks noGrp="1"/>
+          </p:cNvSpPr>
+          <p:nvPr>
+            <p:ph type="title"/>
+          </p:nvPr>
+        </p:nvSpPr>
+        <p:spPr/>
+        <p:txBody>
+          <a:bodyPr>
+            <a:normAutofit fontScale="90000"/>
+          </a:bodyPr>
+          <a:lstStyle/>
+          <a:p>
+            <a:r>
+              <a:rPr lang="de-DE" dirty="0"/>
+              <a:t>Retrospektive</a:t>
+            </a:r>
+          </a:p>
+        </p:txBody>
+      </p:sp>
+      <p:sp>
+        <p:nvSpPr>
+          <p:cNvPr id="3" name="Inhaltsplatzhalter 2"/>
+          <p:cNvSpPr>
+            <a:spLocks noGrp="1"/>
+          </p:cNvSpPr>
+          <p:nvPr>
+            <p:ph idx="1"/>
+          </p:nvPr>
+        </p:nvSpPr>
+        <p:spPr/>
+        <p:txBody>
+          <a:bodyPr>
+            <a:normAutofit/>
+          </a:bodyPr>
+          <a:lstStyle/>
+          <a:p>
+            <a:r>
+              <a:rPr lang="en-US" dirty="0" err="1" smtClean="0"/>
+              <a:t>Kanntet</a:t>
+            </a:r>
+            <a:r>
+              <a:rPr lang="en-US" dirty="0" smtClean="0"/>
+              <a:t> </a:t>
+            </a:r>
+            <a:r>
+              <a:rPr lang="en-US" dirty="0" err="1" smtClean="0"/>
+              <a:t>ihr</a:t>
+            </a:r>
+            <a:r>
+              <a:rPr lang="en-US" dirty="0" smtClean="0"/>
+              <a:t> Bad Smells </a:t>
+            </a:r>
+            <a:r>
+              <a:rPr lang="en-US" dirty="0" err="1" smtClean="0"/>
+              <a:t>vorher</a:t>
+            </a:r>
+            <a:r>
+              <a:rPr lang="en-US" dirty="0" smtClean="0"/>
+              <a:t>?</a:t>
+            </a:r>
+            <a:endParaRPr lang="en-US" dirty="0"/>
+          </a:p>
+          <a:p>
+            <a:r>
+              <a:rPr lang="en-US" dirty="0" err="1" smtClean="0"/>
+              <a:t>Ist</a:t>
+            </a:r>
+            <a:r>
+              <a:rPr lang="en-US" dirty="0" smtClean="0"/>
+              <a:t> der </a:t>
+            </a:r>
+            <a:r>
+              <a:rPr lang="en-US" dirty="0" err="1" smtClean="0"/>
+              <a:t>Begriff</a:t>
+            </a:r>
+            <a:r>
+              <a:rPr lang="en-US" dirty="0" smtClean="0"/>
+              <a:t> Bad Smell (nun) </a:t>
+            </a:r>
+            <a:r>
+              <a:rPr lang="en-US" dirty="0" err="1" smtClean="0"/>
+              <a:t>klar</a:t>
+            </a:r>
+            <a:r>
+              <a:rPr lang="en-US" dirty="0" smtClean="0"/>
+              <a:t>?</a:t>
+            </a:r>
+          </a:p>
+          <a:p>
+            <a:r>
+              <a:rPr lang="en-US" dirty="0" err="1" smtClean="0"/>
+              <a:t>Haben</a:t>
+            </a:r>
+            <a:r>
+              <a:rPr lang="en-US" dirty="0" smtClean="0"/>
+              <a:t> die </a:t>
+            </a:r>
+            <a:r>
+              <a:rPr lang="en-US" dirty="0" err="1" smtClean="0"/>
+              <a:t>Refactorings</a:t>
+            </a:r>
+            <a:r>
+              <a:rPr lang="en-US" dirty="0" smtClean="0"/>
+              <a:t> die </a:t>
+            </a:r>
+            <a:r>
+              <a:rPr lang="en-US" dirty="0" err="1" smtClean="0"/>
+              <a:t>Qualität</a:t>
+            </a:r>
+            <a:r>
+              <a:rPr lang="en-US" dirty="0" smtClean="0"/>
+              <a:t> </a:t>
+            </a:r>
+            <a:r>
+              <a:rPr lang="en-US" dirty="0" err="1" smtClean="0"/>
+              <a:t>verbessert</a:t>
+            </a:r>
+            <a:r>
+              <a:rPr lang="en-US" dirty="0" smtClean="0"/>
+              <a:t>?</a:t>
+            </a:r>
+          </a:p>
+          <a:p>
+            <a:r>
+              <a:rPr lang="en-US" dirty="0" smtClean="0"/>
+              <a:t>Sind die </a:t>
+            </a:r>
+            <a:r>
+              <a:rPr lang="en-US" dirty="0" err="1" smtClean="0"/>
+              <a:t>Alternativen</a:t>
+            </a:r>
+            <a:r>
+              <a:rPr lang="en-US" dirty="0" smtClean="0"/>
+              <a:t> </a:t>
+            </a:r>
+            <a:r>
+              <a:rPr lang="en-US" dirty="0" err="1" smtClean="0"/>
+              <a:t>Lösungsansätze</a:t>
+            </a:r>
+            <a:r>
+              <a:rPr lang="en-US" dirty="0" smtClean="0"/>
+              <a:t> </a:t>
+            </a:r>
+            <a:r>
+              <a:rPr lang="en-US" dirty="0" err="1" smtClean="0"/>
+              <a:t>hilfreich</a:t>
+            </a:r>
+            <a:r>
+              <a:rPr lang="en-US" dirty="0" smtClean="0"/>
+              <a:t> </a:t>
+            </a:r>
+            <a:r>
+              <a:rPr lang="en-US" dirty="0" err="1" smtClean="0"/>
+              <a:t>gewesen</a:t>
+            </a:r>
+            <a:r>
+              <a:rPr lang="en-US" dirty="0" smtClean="0"/>
+              <a:t>?</a:t>
+            </a:r>
+          </a:p>
+          <a:p>
+            <a:r>
+              <a:rPr lang="en-US" dirty="0" err="1" smtClean="0"/>
+              <a:t>Zu</a:t>
+            </a:r>
+            <a:r>
+              <a:rPr lang="en-US" dirty="0" smtClean="0"/>
+              <a:t> </a:t>
+            </a:r>
+            <a:r>
+              <a:rPr lang="en-US" dirty="0" err="1" smtClean="0"/>
+              <a:t>welchen</a:t>
+            </a:r>
+            <a:r>
+              <a:rPr lang="en-US" dirty="0" smtClean="0"/>
+              <a:t> </a:t>
+            </a:r>
+            <a:r>
+              <a:rPr lang="en-US" dirty="0" err="1" smtClean="0"/>
+              <a:t>Themen</a:t>
+            </a:r>
+            <a:r>
+              <a:rPr lang="en-US" dirty="0" smtClean="0"/>
+              <a:t> </a:t>
+            </a:r>
+            <a:r>
+              <a:rPr lang="en-US" dirty="0" err="1" smtClean="0"/>
+              <a:t>würdet</a:t>
+            </a:r>
+            <a:r>
+              <a:rPr lang="en-US" dirty="0" smtClean="0"/>
+              <a:t> </a:t>
+            </a:r>
+            <a:r>
+              <a:rPr lang="en-US" dirty="0" err="1" smtClean="0"/>
+              <a:t>ihr</a:t>
+            </a:r>
+            <a:r>
+              <a:rPr lang="en-US" dirty="0" smtClean="0"/>
+              <a:t> </a:t>
+            </a:r>
+            <a:r>
+              <a:rPr lang="en-US" dirty="0" err="1" smtClean="0"/>
+              <a:t>gerne</a:t>
+            </a:r>
+            <a:r>
+              <a:rPr lang="en-US" dirty="0" smtClean="0"/>
+              <a:t> </a:t>
+            </a:r>
+            <a:r>
+              <a:rPr lang="en-US" dirty="0" err="1" smtClean="0"/>
+              <a:t>mehr</a:t>
+            </a:r>
+            <a:r>
+              <a:rPr lang="en-US" dirty="0" smtClean="0"/>
+              <a:t> </a:t>
+            </a:r>
+            <a:r>
+              <a:rPr lang="en-US" dirty="0" err="1" smtClean="0"/>
+              <a:t>erfahren</a:t>
+            </a:r>
+            <a:r>
+              <a:rPr lang="en-US" dirty="0" smtClean="0"/>
+              <a:t>?</a:t>
+            </a:r>
+          </a:p>
+        </p:txBody>
+      </p:sp>
+    </p:spTree>
+    <p:extLst>
+      <p:ext uri="{BB962C8B-B14F-4D97-AF65-F5344CB8AC3E}">
+        <p14:creationId xmlns:p14="http://schemas.microsoft.com/office/powerpoint/2010/main" val="856470280"/>
+      </p:ext>
+    </p:extLst>
+  </p:cSld>
+  <p:clrMapOvr>
+    <a:masterClrMapping/>
+  </p:clrMapOvr>
+  <p:timing>
+    <p:tnLst>
+      <p:par>
+        <p:cTn id="1" dur="indefinite" restart="never" nodeType="tmRoot"/>
+      </p:par>
+    </p:tnLst>
+  </p:timing>
+</p:sld>
+</file>
+
+<file path=ppt/slides/slide19.xml><?xml version="1.0" encoding="utf-8"?>
+<p:sld xmlns:a="http://schemas.openxmlformats.org/drawingml/2006/main" xmlns:r="http://schemas.openxmlformats.org/officeDocument/2006/relationships" xmlns:p="http://schemas.openxmlformats.org/presentationml/2006/main">
+  <p:cSld>
+    <p:spTree>
+      <p:nvGrpSpPr>
+        <p:cNvPr id="1" name=""/>
+        <p:cNvGrpSpPr/>
+        <p:nvPr/>
+      </p:nvGrpSpPr>
+      <p:grpSpPr>
+        <a:xfrm>
+          <a:off x="0" y="0"/>
+          <a:ext cx="0" cy="0"/>
+          <a:chOff x="0" y="0"/>
+          <a:chExt cx="0" cy="0"/>
+        </a:xfrm>
+      </p:grpSpPr>
+      <p:sp>
+        <p:nvSpPr>
+          <p:cNvPr id="2" name="Titel 1"/>
+          <p:cNvSpPr>
+            <a:spLocks noGrp="1"/>
+          </p:cNvSpPr>
+          <p:nvPr>
+            <p:ph type="title"/>
+          </p:nvPr>
+        </p:nvSpPr>
+        <p:spPr/>
+        <p:txBody>
+          <a:bodyPr>
+            <a:normAutofit fontScale="90000"/>
+          </a:bodyPr>
+          <a:lstStyle/>
+          <a:p>
+            <a:r>
+              <a:rPr lang="de-DE" dirty="0" smtClean="0"/>
+              <a:t>Ausblick</a:t>
+            </a:r>
+            <a:endParaRPr lang="de-DE" dirty="0"/>
+          </a:p>
+        </p:txBody>
+      </p:sp>
+      <p:sp>
+        <p:nvSpPr>
+          <p:cNvPr id="3" name="Inhaltsplatzhalter 2"/>
+          <p:cNvSpPr>
+            <a:spLocks noGrp="1"/>
+          </p:cNvSpPr>
+          <p:nvPr>
+            <p:ph idx="1"/>
+          </p:nvPr>
+        </p:nvSpPr>
+        <p:spPr/>
+        <p:txBody>
+          <a:bodyPr>
+            <a:normAutofit/>
+          </a:bodyPr>
+          <a:lstStyle/>
+          <a:p>
+            <a:pPr marL="0" indent="0">
+              <a:buNone/>
+            </a:pPr>
+            <a:r>
+              <a:rPr lang="en-US" dirty="0" smtClean="0"/>
+              <a:t>Code Coverage</a:t>
+            </a:r>
+          </a:p>
+          <a:p>
+            <a:r>
+              <a:rPr lang="en-US" dirty="0" smtClean="0"/>
+              <a:t>Was </a:t>
+            </a:r>
+            <a:r>
+              <a:rPr lang="en-US" dirty="0" err="1" smtClean="0"/>
+              <a:t>ist</a:t>
+            </a:r>
+            <a:r>
+              <a:rPr lang="en-US" dirty="0" smtClean="0"/>
+              <a:t> Code Coverage?</a:t>
+            </a:r>
+          </a:p>
+          <a:p>
+            <a:r>
+              <a:rPr lang="en-US" dirty="0" err="1" smtClean="0"/>
+              <a:t>Wie</a:t>
+            </a:r>
+            <a:r>
+              <a:rPr lang="en-US" dirty="0" smtClean="0"/>
+              <a:t> </a:t>
+            </a:r>
+            <a:r>
+              <a:rPr lang="en-US" dirty="0" err="1" smtClean="0"/>
+              <a:t>hilft</a:t>
+            </a:r>
+            <a:r>
+              <a:rPr lang="en-US" dirty="0" smtClean="0"/>
+              <a:t> </a:t>
+            </a:r>
+            <a:r>
+              <a:rPr lang="en-US" dirty="0" err="1" smtClean="0"/>
+              <a:t>uns</a:t>
+            </a:r>
+            <a:r>
+              <a:rPr lang="en-US" dirty="0" smtClean="0"/>
+              <a:t> </a:t>
+            </a:r>
+            <a:r>
+              <a:rPr lang="en-US" dirty="0" err="1" smtClean="0"/>
+              <a:t>diese</a:t>
+            </a:r>
+            <a:r>
+              <a:rPr lang="en-US" dirty="0" smtClean="0"/>
+              <a:t> </a:t>
+            </a:r>
+            <a:r>
+              <a:rPr lang="en-US" dirty="0" err="1" smtClean="0"/>
+              <a:t>bei</a:t>
+            </a:r>
+            <a:r>
+              <a:rPr lang="en-US" dirty="0" smtClean="0"/>
+              <a:t> der </a:t>
+            </a:r>
+            <a:r>
+              <a:rPr lang="en-US" dirty="0" err="1" smtClean="0"/>
+              <a:t>Entwicklung</a:t>
+            </a:r>
+            <a:r>
+              <a:rPr lang="en-US" dirty="0" smtClean="0"/>
+              <a:t>?</a:t>
+            </a:r>
+          </a:p>
+        </p:txBody>
+      </p:sp>
+    </p:spTree>
+    <p:extLst>
+      <p:ext uri="{BB962C8B-B14F-4D97-AF65-F5344CB8AC3E}">
+        <p14:creationId xmlns:p14="http://schemas.microsoft.com/office/powerpoint/2010/main" val="3423984556"/>
+      </p:ext>
+    </p:extLst>
+  </p:cSld>
+  <p:clrMapOvr>
+    <a:masterClrMapping/>
+  </p:clrMapOvr>
+  <p:timing>
+    <p:tnLst>
+      <p:par>
+        <p:cTn id="1" dur="indefinite" restart="never" nodeType="tmRoot"/>
+      </p:par>
+    </p:tnLst>
+  </p:timing>
+</p:sld>
+</file>
+
+<file path=ppt/slides/slide2.xml><?xml version="1.0" encoding="utf-8"?>
+<p:sld xmlns:a="http://schemas.openxmlformats.org/drawingml/2006/main" xmlns:r="http://schemas.openxmlformats.org/officeDocument/2006/relationships" xmlns:p="http://schemas.openxmlformats.org/presentationml/2006/main">
+  <p:cSld>
+    <p:spTree>
+      <p:nvGrpSpPr>
+        <p:cNvPr id="1" name=""/>
+        <p:cNvGrpSpPr/>
+        <p:nvPr/>
+      </p:nvGrpSpPr>
+      <p:grpSpPr>
+        <a:xfrm>
+          <a:off x="0" y="0"/>
+          <a:ext cx="0" cy="0"/>
+          <a:chOff x="0" y="0"/>
+          <a:chExt cx="0" cy="0"/>
+        </a:xfrm>
+      </p:grpSpPr>
+      <p:sp>
+        <p:nvSpPr>
+          <p:cNvPr id="2" name="Titel 1"/>
+          <p:cNvSpPr>
+            <a:spLocks noGrp="1"/>
+          </p:cNvSpPr>
+          <p:nvPr>
+            <p:ph type="title"/>
+          </p:nvPr>
+        </p:nvSpPr>
+        <p:spPr/>
+        <p:txBody>
+          <a:bodyPr>
+            <a:normAutofit fontScale="90000"/>
+          </a:bodyPr>
+          <a:lstStyle/>
+          <a:p>
+            <a:r>
+              <a:rPr lang="de-DE" dirty="0" smtClean="0"/>
+              <a:t>Nächste </a:t>
+            </a:r>
+            <a:r>
+              <a:rPr lang="de-DE" dirty="0" smtClean="0"/>
+              <a:t>Schritte</a:t>
+            </a:r>
+            <a:endParaRPr lang="de-DE" dirty="0"/>
+          </a:p>
+        </p:txBody>
+      </p:sp>
+      <p:sp>
+        <p:nvSpPr>
+          <p:cNvPr id="3" name="Inhaltsplatzhalter 2"/>
+          <p:cNvSpPr>
+            <a:spLocks noGrp="1"/>
+          </p:cNvSpPr>
+          <p:nvPr>
+            <p:ph idx="1"/>
+          </p:nvPr>
+        </p:nvSpPr>
+        <p:spPr/>
+        <p:txBody>
+          <a:bodyPr>
+            <a:normAutofit/>
+          </a:bodyPr>
+          <a:lstStyle/>
+          <a:p>
+            <a:pPr marL="514350" indent="-514350">
+              <a:buFont typeface="+mj-lt"/>
+              <a:buAutoNum type="arabicPeriod"/>
+            </a:pPr>
+            <a:r>
+              <a:rPr lang="de-DE" sz="2800" dirty="0" smtClean="0"/>
+              <a:t>Begriffe klären (ca. 20 Min.)</a:t>
+            </a:r>
+          </a:p>
+          <a:p>
+            <a:pPr lvl="1"/>
+            <a:r>
+              <a:rPr lang="de-DE" sz="2400" dirty="0" smtClean="0"/>
+              <a:t>Was ist </a:t>
+            </a:r>
+            <a:r>
+              <a:rPr lang="de-DE" sz="2400" dirty="0" err="1" smtClean="0"/>
+              <a:t>Refactoring</a:t>
+            </a:r>
+            <a:r>
+              <a:rPr lang="de-DE" sz="2400" dirty="0" smtClean="0"/>
+              <a:t>?</a:t>
+            </a:r>
+          </a:p>
+          <a:p>
+            <a:pPr lvl="1"/>
+            <a:r>
+              <a:rPr lang="de-DE" sz="2400" dirty="0" smtClean="0"/>
+              <a:t>Was sind Bad </a:t>
+            </a:r>
+            <a:r>
+              <a:rPr lang="de-DE" sz="2400" dirty="0" err="1" smtClean="0"/>
+              <a:t>Smells</a:t>
+            </a:r>
+            <a:r>
+              <a:rPr lang="de-DE" sz="2400" dirty="0" smtClean="0"/>
+              <a:t>?</a:t>
+            </a:r>
+          </a:p>
+          <a:p>
+            <a:pPr marL="514350" indent="-514350">
+              <a:buFont typeface="+mj-lt"/>
+              <a:buAutoNum type="arabicPeriod"/>
+            </a:pPr>
+            <a:r>
+              <a:rPr lang="de-DE" sz="2800" dirty="0" err="1" smtClean="0"/>
+              <a:t>Refactoring</a:t>
+            </a:r>
+            <a:r>
+              <a:rPr lang="de-DE" sz="2800" dirty="0" smtClean="0"/>
+              <a:t> des bisherigen Codes</a:t>
+            </a:r>
+            <a:br>
+              <a:rPr lang="de-DE" sz="2800" dirty="0" smtClean="0"/>
+            </a:br>
+            <a:r>
+              <a:rPr lang="de-DE" sz="2800" dirty="0" smtClean="0"/>
+              <a:t>(ca. 45 Min., bis max. 17:15 Uhr)</a:t>
+            </a:r>
+            <a:endParaRPr lang="de-DE" sz="2800" dirty="0" smtClean="0"/>
+          </a:p>
+          <a:p>
+            <a:pPr marL="514350" indent="-514350">
+              <a:buFont typeface="+mj-lt"/>
+              <a:buAutoNum type="arabicPeriod"/>
+            </a:pPr>
+            <a:r>
+              <a:rPr lang="de-DE" sz="2800" dirty="0" smtClean="0"/>
+              <a:t>Vergleich </a:t>
+            </a:r>
+            <a:r>
+              <a:rPr lang="de-DE" sz="2800" dirty="0" smtClean="0"/>
+              <a:t>der anderen Lösungen miteinander </a:t>
+            </a:r>
+            <a:br>
+              <a:rPr lang="de-DE" sz="2800" dirty="0" smtClean="0"/>
+            </a:br>
+            <a:r>
+              <a:rPr lang="de-DE" sz="2800" dirty="0" smtClean="0"/>
+              <a:t>(ca. 30 Min.)</a:t>
+            </a:r>
+            <a:endParaRPr lang="de-DE" sz="2800" dirty="0" smtClean="0"/>
+          </a:p>
+          <a:p>
+            <a:pPr marL="514350" indent="-514350">
+              <a:buFont typeface="+mj-lt"/>
+              <a:buAutoNum type="arabicPeriod"/>
+            </a:pPr>
+            <a:r>
+              <a:rPr lang="de-DE" sz="2800" dirty="0" smtClean="0"/>
+              <a:t>Ausblick und </a:t>
+            </a:r>
+            <a:r>
+              <a:rPr lang="de-DE" sz="2800" dirty="0" smtClean="0"/>
+              <a:t>Retrospektive</a:t>
+            </a:r>
+            <a:br>
+              <a:rPr lang="de-DE" sz="2800" dirty="0" smtClean="0"/>
+            </a:br>
+            <a:r>
+              <a:rPr lang="de-DE" sz="2800" dirty="0" smtClean="0"/>
+              <a:t>(15 Min.)</a:t>
+            </a:r>
+            <a:endParaRPr lang="de-DE" sz="2800" dirty="0" smtClean="0"/>
+          </a:p>
+          <a:p>
+            <a:endParaRPr lang="de-DE" sz="2800" dirty="0"/>
+          </a:p>
+        </p:txBody>
+      </p:sp>
+    </p:spTree>
+    <p:extLst>
+      <p:ext uri="{BB962C8B-B14F-4D97-AF65-F5344CB8AC3E}">
+        <p14:creationId xmlns:p14="http://schemas.microsoft.com/office/powerpoint/2010/main" val="3756376763"/>
+      </p:ext>
+    </p:extLst>
+  </p:cSld>
+  <p:clrMapOvr>
+    <a:masterClrMapping/>
+  </p:clrMapOvr>
+  <p:timing>
+    <p:tnLst>
+      <p:par>
+        <p:cTn id="1" dur="indefinite" restart="never" nodeType="tmRoot"/>
+      </p:par>
+    </p:tnLst>
+  </p:timing>
+</p:sld>
+</file>
+
+<file path=ppt/slides/slide3.xml><?xml version="1.0" encoding="utf-8"?>
+<p:sld xmlns:a="http://schemas.openxmlformats.org/drawingml/2006/main" xmlns:r="http://schemas.openxmlformats.org/officeDocument/2006/relationships" xmlns:p="http://schemas.openxmlformats.org/presentationml/2006/main">
+  <p:cSld>
+    <p:spTree>
+      <p:nvGrpSpPr>
+        <p:cNvPr id="1" name=""/>
+        <p:cNvGrpSpPr/>
+        <p:nvPr/>
+      </p:nvGrpSpPr>
+      <p:grpSpPr>
+        <a:xfrm>
+          <a:off x="0" y="0"/>
+          <a:ext cx="0" cy="0"/>
+          <a:chOff x="0" y="0"/>
+          <a:chExt cx="0" cy="0"/>
+        </a:xfrm>
+      </p:grpSpPr>
+      <p:sp>
+        <p:nvSpPr>
+          <p:cNvPr id="2" name="Titel 1"/>
+          <p:cNvSpPr>
+            <a:spLocks noGrp="1"/>
+          </p:cNvSpPr>
+          <p:nvPr>
+            <p:ph type="title"/>
+          </p:nvPr>
+        </p:nvSpPr>
+        <p:spPr/>
+        <p:txBody>
+          <a:bodyPr>
+            <a:normAutofit fontScale="90000"/>
+          </a:bodyPr>
+          <a:lstStyle/>
+          <a:p>
+            <a:r>
+              <a:rPr lang="de-DE" dirty="0" smtClean="0"/>
+              <a:t>Was ist </a:t>
+            </a:r>
+            <a:r>
+              <a:rPr lang="de-DE" dirty="0" err="1" smtClean="0"/>
+              <a:t>Refactoring</a:t>
+            </a:r>
+            <a:r>
+              <a:rPr lang="de-DE" dirty="0" smtClean="0"/>
+              <a:t>?</a:t>
+            </a:r>
+            <a:endParaRPr lang="de-DE" dirty="0"/>
+          </a:p>
+        </p:txBody>
+      </p:sp>
+      <p:sp>
+        <p:nvSpPr>
+          <p:cNvPr id="3" name="Inhaltsplatzhalter 2"/>
+          <p:cNvSpPr>
+            <a:spLocks noGrp="1"/>
+          </p:cNvSpPr>
+          <p:nvPr>
+            <p:ph idx="1"/>
+          </p:nvPr>
+        </p:nvSpPr>
+        <p:spPr/>
+        <p:txBody>
+          <a:bodyPr>
+            <a:normAutofit/>
+          </a:bodyPr>
+          <a:lstStyle/>
+          <a:p>
+            <a:pPr marL="0" indent="0">
+              <a:buNone/>
+            </a:pPr>
+            <a:r>
+              <a:rPr lang="de-DE" sz="3600" dirty="0" smtClean="0"/>
+              <a:t>Vorschläge?</a:t>
+            </a:r>
+          </a:p>
+        </p:txBody>
+      </p:sp>
+      <p:sp>
+        <p:nvSpPr>
+          <p:cNvPr id="4" name="Abgerundetes Rechteck 3"/>
+          <p:cNvSpPr/>
+          <p:nvPr/>
+        </p:nvSpPr>
+        <p:spPr>
+          <a:xfrm>
+            <a:off x="2051720" y="1712836"/>
+            <a:ext cx="3528392" cy="4308452"/>
+          </a:xfrm>
+          <a:prstGeom prst="roundRect">
+            <a:avLst>
+              <a:gd name="adj" fmla="val 6601"/>
+            </a:avLst>
+          </a:prstGeom>
+          <a:solidFill>
+            <a:schemeClr val="bg1"/>
+          </a:solidFill>
+          <a:ln w="25400"/>
+        </p:spPr>
+        <p:style>
+          <a:lnRef idx="2">
+            <a:schemeClr val="accent1">
+              <a:shade val="50000"/>
+            </a:schemeClr>
+          </a:lnRef>
+          <a:fillRef idx="1">
+            <a:schemeClr val="accent1"/>
+          </a:fillRef>
+          <a:effectRef idx="0">
+            <a:schemeClr val="accent1"/>
+          </a:effectRef>
+          <a:fontRef idx="minor">
+            <a:schemeClr val="lt1"/>
+          </a:fontRef>
+        </p:style>
+        <p:txBody>
+          <a:bodyPr rtlCol="0" anchor="ctr"/>
+          <a:lstStyle/>
+          <a:p>
+            <a:r>
+              <a:rPr lang="en-US" dirty="0">
+                <a:solidFill>
+                  <a:schemeClr val="tx2"/>
+                </a:solidFill>
+              </a:rPr>
+              <a:t>In my refactoring book, I gave a couple of definitions of refactoring.</a:t>
+            </a:r>
+          </a:p>
+          <a:p>
+            <a:endParaRPr lang="en-US" dirty="0">
+              <a:solidFill>
+                <a:schemeClr val="tx2"/>
+              </a:solidFill>
+            </a:endParaRPr>
+          </a:p>
+          <a:p>
+            <a:r>
+              <a:rPr lang="en-US" b="1" dirty="0">
+                <a:solidFill>
+                  <a:schemeClr val="tx2"/>
+                </a:solidFill>
+              </a:rPr>
+              <a:t>Refactoring (noun):</a:t>
+            </a:r>
+            <a:r>
+              <a:rPr lang="en-US" dirty="0">
+                <a:solidFill>
+                  <a:schemeClr val="tx2"/>
+                </a:solidFill>
+              </a:rPr>
+              <a:t> a change made to the internal structure of software to make it easier to understand and cheaper to modify without changing its observable behavior.</a:t>
+            </a:r>
+          </a:p>
+          <a:p>
+            <a:endParaRPr lang="en-US" dirty="0">
+              <a:solidFill>
+                <a:schemeClr val="tx2"/>
+              </a:solidFill>
+            </a:endParaRPr>
+          </a:p>
+          <a:p>
+            <a:r>
+              <a:rPr lang="en-US" b="1" dirty="0">
+                <a:solidFill>
+                  <a:schemeClr val="tx2"/>
+                </a:solidFill>
+              </a:rPr>
+              <a:t>Refactoring (verb):</a:t>
+            </a:r>
+            <a:r>
+              <a:rPr lang="en-US" dirty="0">
+                <a:solidFill>
+                  <a:schemeClr val="tx2"/>
+                </a:solidFill>
+              </a:rPr>
+              <a:t> to restructure software by applying a series of </a:t>
+            </a:r>
+            <a:r>
+              <a:rPr lang="en-US" dirty="0" err="1">
+                <a:solidFill>
+                  <a:schemeClr val="tx2"/>
+                </a:solidFill>
+              </a:rPr>
+              <a:t>refactorings</a:t>
+            </a:r>
+            <a:r>
+              <a:rPr lang="en-US" dirty="0">
+                <a:solidFill>
+                  <a:schemeClr val="tx2"/>
+                </a:solidFill>
+              </a:rPr>
+              <a:t> without changing its observable behavior.</a:t>
+            </a:r>
+            <a:endParaRPr lang="de-DE" dirty="0">
+              <a:solidFill>
+                <a:schemeClr val="tx2"/>
+              </a:solidFill>
+            </a:endParaRPr>
+          </a:p>
+        </p:txBody>
+      </p:sp>
+      <p:pic>
+        <p:nvPicPr>
+          <p:cNvPr id="2050" name="Picture 2" descr="http://martinfowler.com/mf.jpg"/>
+          <p:cNvPicPr>
+            <a:picLocks noChangeAspect="1" noChangeArrowheads="1"/>
+          </p:cNvPicPr>
+          <p:nvPr/>
+        </p:nvPicPr>
+        <p:blipFill>
+          <a:blip r:embed="rId2">
+            <a:extLst>
+              <a:ext uri="{28A0092B-C50C-407E-A947-70E740481C1C}">
+                <a14:useLocalDpi xmlns:a14="http://schemas.microsoft.com/office/drawing/2010/main" val="0"/>
+              </a:ext>
+            </a:extLst>
+          </a:blip>
+          <a:srcRect/>
+          <a:stretch>
+            <a:fillRect/>
+          </a:stretch>
+        </p:blipFill>
+        <p:spPr bwMode="auto">
+          <a:xfrm>
+            <a:off x="138502" y="1799425"/>
+            <a:ext cx="1795057" cy="1800200"/>
+          </a:xfrm>
+          <a:prstGeom prst="rect">
+            <a:avLst/>
+          </a:prstGeom>
+          <a:noFill/>
+          <a:extLst>
+            <a:ext uri="{909E8E84-426E-40DD-AFC4-6F175D3DCCD1}">
+              <a14:hiddenFill xmlns:a14="http://schemas.microsoft.com/office/drawing/2010/main">
+                <a:solidFill>
+                  <a:srgbClr val="FFFFFF"/>
+                </a:solidFill>
+              </a14:hiddenFill>
+            </a:ext>
+          </a:extLst>
+        </p:spPr>
+      </p:pic>
+      <p:sp>
+        <p:nvSpPr>
+          <p:cNvPr id="5" name="Rechteck 4"/>
+          <p:cNvSpPr/>
+          <p:nvPr/>
+        </p:nvSpPr>
+        <p:spPr>
+          <a:xfrm>
+            <a:off x="138502" y="3573016"/>
+            <a:ext cx="1800200" cy="360040"/>
+          </a:xfrm>
+          <a:prstGeom prst="rect">
+            <a:avLst/>
+          </a:prstGeom>
+          <a:solidFill>
+            <a:schemeClr val="bg1"/>
+          </a:solidFill>
+          <a:ln>
+            <a:noFill/>
+          </a:ln>
+        </p:spPr>
+        <p:style>
+          <a:lnRef idx="2">
+            <a:schemeClr val="accent1">
+              <a:shade val="50000"/>
+            </a:schemeClr>
+          </a:lnRef>
+          <a:fillRef idx="1">
+            <a:schemeClr val="accent1"/>
+          </a:fillRef>
+          <a:effectRef idx="0">
+            <a:schemeClr val="accent1"/>
+          </a:effectRef>
+          <a:fontRef idx="minor">
+            <a:schemeClr val="lt1"/>
+          </a:fontRef>
+        </p:style>
+        <p:txBody>
+          <a:bodyPr rtlCol="0" anchor="ctr"/>
+          <a:lstStyle/>
+          <a:p>
+            <a:pPr algn="ctr"/>
+            <a:r>
+              <a:rPr lang="en-US" sz="1200" dirty="0">
+                <a:solidFill>
+                  <a:schemeClr val="tx2"/>
+                </a:solidFill>
+              </a:rPr>
+              <a:t>Martin Fowler</a:t>
+            </a:r>
+            <a:r>
+              <a:rPr lang="en-US" sz="1200" dirty="0" smtClean="0">
+                <a:solidFill>
+                  <a:schemeClr val="tx2"/>
+                </a:solidFill>
+              </a:rPr>
+              <a:t>,</a:t>
+            </a:r>
+            <a:br>
+              <a:rPr lang="en-US" sz="1200" dirty="0" smtClean="0">
+                <a:solidFill>
+                  <a:schemeClr val="tx2"/>
+                </a:solidFill>
+              </a:rPr>
+            </a:br>
+            <a:r>
+              <a:rPr lang="en-US" sz="1200" dirty="0" smtClean="0">
+                <a:solidFill>
+                  <a:schemeClr val="tx2"/>
+                </a:solidFill>
+              </a:rPr>
+              <a:t>1. </a:t>
+            </a:r>
+            <a:r>
+              <a:rPr lang="en-US" sz="1200" dirty="0">
+                <a:solidFill>
+                  <a:schemeClr val="tx2"/>
+                </a:solidFill>
+              </a:rPr>
+              <a:t>September </a:t>
+            </a:r>
+            <a:r>
+              <a:rPr lang="en-US" sz="1200" dirty="0" smtClean="0">
+                <a:solidFill>
+                  <a:schemeClr val="tx2"/>
+                </a:solidFill>
+              </a:rPr>
+              <a:t>2004</a:t>
+            </a:r>
+            <a:endParaRPr lang="de-DE" sz="1200" dirty="0">
+              <a:solidFill>
+                <a:schemeClr val="tx2"/>
+              </a:solidFill>
+            </a:endParaRPr>
+          </a:p>
+        </p:txBody>
+      </p:sp>
+      <p:pic>
+        <p:nvPicPr>
+          <p:cNvPr id="2052" name="Picture 4" descr="http://martinfowler.com/books/refactoringBook.jpg"/>
+          <p:cNvPicPr>
+            <a:picLocks noChangeAspect="1" noChangeArrowheads="1"/>
+          </p:cNvPicPr>
+          <p:nvPr/>
+        </p:nvPicPr>
+        <p:blipFill>
+          <a:blip r:embed="rId3">
+            <a:extLst>
+              <a:ext uri="{28A0092B-C50C-407E-A947-70E740481C1C}">
+                <a14:useLocalDpi xmlns:a14="http://schemas.microsoft.com/office/drawing/2010/main" val="0"/>
+              </a:ext>
+            </a:extLst>
+          </a:blip>
+          <a:srcRect/>
+          <a:stretch>
+            <a:fillRect/>
+          </a:stretch>
+        </p:blipFill>
+        <p:spPr bwMode="auto">
+          <a:xfrm>
+            <a:off x="5715502" y="1412776"/>
+            <a:ext cx="3346455" cy="4276769"/>
+          </a:xfrm>
+          <a:prstGeom prst="rect">
+            <a:avLst/>
+          </a:prstGeom>
+          <a:noFill/>
+          <a:extLst>
+            <a:ext uri="{909E8E84-426E-40DD-AFC4-6F175D3DCCD1}">
+              <a14:hiddenFill xmlns:a14="http://schemas.microsoft.com/office/drawing/2010/main">
+                <a:solidFill>
+                  <a:srgbClr val="FFFFFF"/>
+                </a:solidFill>
+              </a14:hiddenFill>
+            </a:ext>
+          </a:extLst>
+        </p:spPr>
+      </p:pic>
+      <p:sp>
+        <p:nvSpPr>
+          <p:cNvPr id="10" name="Abgerundetes Rechteck 9"/>
+          <p:cNvSpPr/>
+          <p:nvPr/>
+        </p:nvSpPr>
+        <p:spPr>
+          <a:xfrm rot="21257925">
+            <a:off x="2584051" y="5827020"/>
+            <a:ext cx="6262901" cy="523353"/>
+          </a:xfrm>
+          <a:prstGeom prst="roundRect">
+            <a:avLst/>
+          </a:prstGeom>
+          <a:solidFill>
+            <a:schemeClr val="bg1"/>
+          </a:solidFill>
+        </p:spPr>
+        <p:style>
+          <a:lnRef idx="2">
+            <a:schemeClr val="accent1">
+              <a:shade val="50000"/>
+            </a:schemeClr>
+          </a:lnRef>
+          <a:fillRef idx="1">
+            <a:schemeClr val="accent1"/>
+          </a:fillRef>
+          <a:effectRef idx="0">
+            <a:schemeClr val="accent1"/>
+          </a:effectRef>
+          <a:fontRef idx="minor">
+            <a:schemeClr val="lt1"/>
+          </a:fontRef>
+        </p:style>
+        <p:txBody>
+          <a:bodyPr rtlCol="0" anchor="ctr"/>
+          <a:lstStyle/>
+          <a:p>
+            <a:pPr algn="ctr"/>
+            <a:r>
+              <a:rPr lang="de-DE" sz="2400" dirty="0" smtClean="0">
+                <a:solidFill>
+                  <a:schemeClr val="tx2"/>
+                </a:solidFill>
+              </a:rPr>
+              <a:t>Ist das Implementieren neuer Tests </a:t>
+            </a:r>
+            <a:r>
+              <a:rPr lang="de-DE" sz="2400" dirty="0" err="1" smtClean="0">
+                <a:solidFill>
+                  <a:schemeClr val="tx2"/>
+                </a:solidFill>
+              </a:rPr>
+              <a:t>Refactoring</a:t>
+            </a:r>
+            <a:r>
+              <a:rPr lang="de-DE" sz="2400" dirty="0" smtClean="0">
+                <a:solidFill>
+                  <a:schemeClr val="tx2"/>
+                </a:solidFill>
+              </a:rPr>
+              <a:t>?</a:t>
+            </a:r>
+            <a:endParaRPr lang="de-DE" sz="2400" dirty="0">
+              <a:solidFill>
+                <a:schemeClr val="tx2"/>
+              </a:solidFill>
+            </a:endParaRPr>
+          </a:p>
+        </p:txBody>
+      </p:sp>
+    </p:spTree>
+    <p:extLst>
+      <p:ext uri="{BB962C8B-B14F-4D97-AF65-F5344CB8AC3E}">
+        <p14:creationId xmlns:p14="http://schemas.microsoft.com/office/powerpoint/2010/main" val="3650688813"/>
+      </p:ext>
+    </p:extLst>
+  </p:cSld>
+  <p:clrMapOvr>
+    <a:masterClrMapping/>
+  </p:clrMapOvr>
+  <p:timing>
+    <p:tnLst>
+      <p:par>
+        <p:cTn id="1" dur="indefinite" restart="never" nodeType="tmRoot">
+          <p:childTnLst>
+            <p:seq concurrent="1" nextAc="seek">
+              <p:cTn id="2" dur="indefinite" nodeType="mainSeq">
+                <p:childTnLst>
+                  <p:par>
+                    <p:cTn id="3" fill="hold">
+                      <p:stCondLst>
+                        <p:cond delay="indefinite"/>
+                      </p:stCondLst>
+                      <p:childTnLst>
+                        <p:par>
+                          <p:cTn id="4" fill="hold">
+                            <p:stCondLst>
+                              <p:cond delay="0"/>
+                            </p:stCondLst>
+                            <p:childTnLst>
+                              <p:par>
+                                <p:cTn id="5" presetID="1" presetClass="entr" presetSubtype="0" fill="hold" grpId="0" nodeType="clickEffect">
+                                  <p:stCondLst>
+                                    <p:cond delay="0"/>
+                                  </p:stCondLst>
+                                  <p:childTnLst>
+                                    <p:set>
+                                      <p:cBhvr>
+                                        <p:cTn id="6" dur="1" fill="hold">
+                                          <p:stCondLst>
+                                            <p:cond delay="0"/>
+                                          </p:stCondLst>
+                                        </p:cTn>
+                                        <p:tgtEl>
+                                          <p:spTgt spid="4"/>
+                                        </p:tgtEl>
+                                        <p:attrNameLst>
+                                          <p:attrName>style.visibility</p:attrName>
+                                        </p:attrNameLst>
+                                      </p:cBhvr>
+                                      <p:to>
+                                        <p:strVal val="visible"/>
+                                      </p:to>
+                                    </p:set>
+                                  </p:childTnLst>
+                                </p:cTn>
+                              </p:par>
+                              <p:par>
+                                <p:cTn id="7" presetID="1" presetClass="entr" presetSubtype="0" fill="hold" nodeType="withEffect">
+                                  <p:stCondLst>
+                                    <p:cond delay="0"/>
+                                  </p:stCondLst>
+                                  <p:childTnLst>
+                                    <p:set>
+                                      <p:cBhvr>
+                                        <p:cTn id="8" dur="1" fill="hold">
+                                          <p:stCondLst>
+                                            <p:cond delay="0"/>
+                                          </p:stCondLst>
+                                        </p:cTn>
+                                        <p:tgtEl>
+                                          <p:spTgt spid="2050"/>
+                                        </p:tgtEl>
+                                        <p:attrNameLst>
+                                          <p:attrName>style.visibility</p:attrName>
+                                        </p:attrNameLst>
+                                      </p:cBhvr>
+                                      <p:to>
+                                        <p:strVal val="visible"/>
+                                      </p:to>
+                                    </p:set>
+                                  </p:childTnLst>
+                                </p:cTn>
+                              </p:par>
+                              <p:par>
+                                <p:cTn id="9" presetID="1" presetClass="entr" presetSubtype="0" fill="hold" grpId="0" nodeType="withEffect">
+                                  <p:stCondLst>
+                                    <p:cond delay="0"/>
+                                  </p:stCondLst>
+                                  <p:childTnLst>
+                                    <p:set>
+                                      <p:cBhvr>
+                                        <p:cTn id="10" dur="1" fill="hold">
+                                          <p:stCondLst>
+                                            <p:cond delay="0"/>
+                                          </p:stCondLst>
+                                        </p:cTn>
+                                        <p:tgtEl>
+                                          <p:spTgt spid="5"/>
+                                        </p:tgtEl>
+                                        <p:attrNameLst>
+                                          <p:attrName>style.visibility</p:attrName>
+                                        </p:attrNameLst>
+                                      </p:cBhvr>
+                                      <p:to>
+                                        <p:strVal val="visible"/>
+                                      </p:to>
+                                    </p:set>
+                                  </p:childTnLst>
+                                </p:cTn>
+                              </p:par>
+                              <p:par>
+                                <p:cTn id="11" presetID="1" presetClass="entr" presetSubtype="0" fill="hold" nodeType="withEffect">
+                                  <p:stCondLst>
+                                    <p:cond delay="0"/>
+                                  </p:stCondLst>
+                                  <p:childTnLst>
+                                    <p:set>
+                                      <p:cBhvr>
+                                        <p:cTn id="12" dur="1" fill="hold">
+                                          <p:stCondLst>
+                                            <p:cond delay="0"/>
+                                          </p:stCondLst>
+                                        </p:cTn>
+                                        <p:tgtEl>
+                                          <p:spTgt spid="2052"/>
+                                        </p:tgtEl>
+                                        <p:attrNameLst>
+                                          <p:attrName>style.visibility</p:attrName>
+                                        </p:attrNameLst>
+                                      </p:cBhvr>
+                                      <p:to>
+                                        <p:strVal val="visible"/>
+                                      </p:to>
+                                    </p:set>
+                                  </p:childTnLst>
+                                </p:cTn>
+                              </p:par>
+                            </p:childTnLst>
+                          </p:cTn>
+                        </p:par>
+                      </p:childTnLst>
+                    </p:cTn>
+                  </p:par>
+                  <p:par>
+                    <p:cTn id="13" fill="hold">
+                      <p:stCondLst>
+                        <p:cond delay="indefinite"/>
+                      </p:stCondLst>
+                      <p:childTnLst>
+                        <p:par>
+                          <p:cTn id="14" fill="hold">
+                            <p:stCondLst>
+                              <p:cond delay="0"/>
+                            </p:stCondLst>
+                            <p:childTnLst>
+                              <p:par>
+                                <p:cTn id="15" presetID="1" presetClass="entr" presetSubtype="0" fill="hold" grpId="0" nodeType="clickEffect">
+                                  <p:stCondLst>
+                                    <p:cond delay="0"/>
+                                  </p:stCondLst>
+                                  <p:childTnLst>
+                                    <p:set>
+                                      <p:cBhvr>
+                                        <p:cTn id="16" dur="1" fill="hold">
+                                          <p:stCondLst>
+                                            <p:cond delay="0"/>
+                                          </p:stCondLst>
+                                        </p:cTn>
+                                        <p:tgtEl>
+                                          <p:spTgt spid="10"/>
+                                        </p:tgtEl>
+                                        <p:attrNameLst>
+                                          <p:attrName>style.visibility</p:attrName>
+                                        </p:attrNameLst>
+                                      </p:cBhvr>
+                                      <p:to>
+                                        <p:strVal val="visible"/>
+                                      </p:to>
+                                    </p:set>
+                                  </p:childTnLst>
+                                </p:cTn>
+                              </p:par>
+                            </p:childTnLst>
+                          </p:cTn>
+                        </p:par>
+                      </p:childTnLst>
+                    </p:cTn>
+                  </p:par>
+                </p:childTnLst>
+              </p:cTn>
+              <p:prevCondLst>
+                <p:cond evt="onPrev" delay="0">
+                  <p:tgtEl>
+                    <p:sldTgt/>
+                  </p:tgtEl>
+                </p:cond>
+              </p:prevCondLst>
+              <p:nextCondLst>
+                <p:cond evt="onNext" delay="0">
+                  <p:tgtEl>
+                    <p:sldTgt/>
+                  </p:tgtEl>
+                </p:cond>
+              </p:nextCondLst>
+            </p:seq>
+          </p:childTnLst>
+        </p:cTn>
+      </p:par>
+    </p:tnLst>
+    <p:bldLst>
+      <p:bldP spid="4" grpId="0" animBg="1"/>
+      <p:bldP spid="5" grpId="0" animBg="1"/>
+      <p:bldP spid="10" grpId="0" animBg="1"/>
+    </p:bldLst>
+  </p:timing>
+</p:sld>
+</file>
+
+<file path=ppt/slides/slide4.xml><?xml version="1.0" encoding="utf-8"?>
+<p:sld xmlns:a="http://schemas.openxmlformats.org/drawingml/2006/main" xmlns:r="http://schemas.openxmlformats.org/officeDocument/2006/relationships" xmlns:p="http://schemas.openxmlformats.org/presentationml/2006/main">
+  <p:cSld>
+    <p:spTree>
+      <p:nvGrpSpPr>
+        <p:cNvPr id="1" name=""/>
+        <p:cNvGrpSpPr/>
+        <p:nvPr/>
+      </p:nvGrpSpPr>
+      <p:grpSpPr>
+        <a:xfrm>
+          <a:off x="0" y="0"/>
+          <a:ext cx="0" cy="0"/>
+          <a:chOff x="0" y="0"/>
+          <a:chExt cx="0" cy="0"/>
+        </a:xfrm>
+      </p:grpSpPr>
+      <p:sp>
+        <p:nvSpPr>
+          <p:cNvPr id="2" name="Titel 1"/>
+          <p:cNvSpPr>
+            <a:spLocks noGrp="1"/>
+          </p:cNvSpPr>
+          <p:nvPr>
+            <p:ph type="title"/>
+          </p:nvPr>
+        </p:nvSpPr>
+        <p:spPr/>
+        <p:txBody>
+          <a:bodyPr>
+            <a:normAutofit fontScale="90000"/>
+          </a:bodyPr>
+          <a:lstStyle/>
+          <a:p>
+            <a:r>
+              <a:rPr lang="de-DE" dirty="0" smtClean="0"/>
+              <a:t>Wann/warum macht man </a:t>
+            </a:r>
+            <a:r>
+              <a:rPr lang="de-DE" dirty="0" err="1" smtClean="0"/>
+              <a:t>Refactoring</a:t>
+            </a:r>
+            <a:r>
+              <a:rPr lang="de-DE" dirty="0" smtClean="0"/>
+              <a:t>?</a:t>
+            </a:r>
+            <a:endParaRPr lang="de-DE" dirty="0"/>
+          </a:p>
+        </p:txBody>
+      </p:sp>
+      <p:sp>
+        <p:nvSpPr>
+          <p:cNvPr id="3" name="Inhaltsplatzhalter 2"/>
+          <p:cNvSpPr>
+            <a:spLocks noGrp="1"/>
+          </p:cNvSpPr>
+          <p:nvPr>
+            <p:ph idx="1"/>
+          </p:nvPr>
+        </p:nvSpPr>
+        <p:spPr/>
+        <p:txBody>
+          <a:bodyPr>
+            <a:normAutofit/>
+          </a:bodyPr>
+          <a:lstStyle/>
+          <a:p>
+            <a:r>
+              <a:rPr lang="de-DE" sz="3600" dirty="0" smtClean="0"/>
+              <a:t>Zur Qualitätsverbesserung</a:t>
+            </a:r>
+          </a:p>
+          <a:p>
+            <a:pPr lvl="1"/>
+            <a:r>
+              <a:rPr lang="de-DE" dirty="0" smtClean="0"/>
+              <a:t>Lesbarkeit &amp; Verständlichkeit</a:t>
+            </a:r>
+          </a:p>
+          <a:p>
+            <a:pPr lvl="1"/>
+            <a:r>
+              <a:rPr lang="de-DE" dirty="0" smtClean="0"/>
+              <a:t>Flexibilität  &amp; Anpassbarkeit</a:t>
+            </a:r>
+          </a:p>
+          <a:p>
+            <a:r>
+              <a:rPr lang="de-DE" sz="3600" dirty="0" smtClean="0"/>
+              <a:t>Beim Einarbeiten (verstehen)</a:t>
+            </a:r>
+          </a:p>
+          <a:p>
+            <a:r>
+              <a:rPr lang="de-DE" sz="3600" dirty="0" smtClean="0"/>
+              <a:t>Bei geplanten Änderungen (anpassen)</a:t>
+            </a:r>
+          </a:p>
+          <a:p>
+            <a:r>
+              <a:rPr lang="de-DE" sz="3600" dirty="0" smtClean="0"/>
+              <a:t>Bei Code </a:t>
+            </a:r>
+            <a:r>
+              <a:rPr lang="de-DE" sz="3600" dirty="0" err="1" smtClean="0"/>
+              <a:t>Smells</a:t>
+            </a:r>
+            <a:r>
+              <a:rPr lang="de-DE" sz="3600" dirty="0" smtClean="0"/>
+              <a:t> / Bad </a:t>
+            </a:r>
+            <a:r>
+              <a:rPr lang="de-DE" sz="3600" dirty="0" err="1" smtClean="0"/>
+              <a:t>Smells</a:t>
+            </a:r>
+            <a:endParaRPr lang="de-DE" sz="3600" dirty="0" smtClean="0"/>
+          </a:p>
+          <a:p>
+            <a:pPr lvl="1"/>
+            <a:r>
+              <a:rPr lang="de-DE" dirty="0" smtClean="0"/>
+              <a:t>Diese sind Hinweise für schlechte Qualität!</a:t>
+            </a:r>
+            <a:endParaRPr lang="de-DE" dirty="0" smtClean="0"/>
+          </a:p>
+        </p:txBody>
+      </p:sp>
+    </p:spTree>
+    <p:extLst>
+      <p:ext uri="{BB962C8B-B14F-4D97-AF65-F5344CB8AC3E}">
+        <p14:creationId xmlns:p14="http://schemas.microsoft.com/office/powerpoint/2010/main" val="3270389301"/>
+      </p:ext>
+    </p:extLst>
+  </p:cSld>
+  <p:clrMapOvr>
+    <a:masterClrMapping/>
+  </p:clrMapOvr>
+  <p:timing>
+    <p:tnLst>
+      <p:par>
+        <p:cTn id="1" dur="indefinite" restart="never" nodeType="tmRoot"/>
+      </p:par>
+    </p:tnLst>
+  </p:timing>
+</p:sld>
+</file>
+
+<file path=ppt/slides/slide5.xml><?xml version="1.0" encoding="utf-8"?>
+<p:sld xmlns:a="http://schemas.openxmlformats.org/drawingml/2006/main" xmlns:r="http://schemas.openxmlformats.org/officeDocument/2006/relationships" xmlns:p="http://schemas.openxmlformats.org/presentationml/2006/main">
+  <p:cSld>
+    <p:spTree>
+      <p:nvGrpSpPr>
+        <p:cNvPr id="1" name=""/>
+        <p:cNvGrpSpPr/>
+        <p:nvPr/>
+      </p:nvGrpSpPr>
+      <p:grpSpPr>
+        <a:xfrm>
+          <a:off x="0" y="0"/>
+          <a:ext cx="0" cy="0"/>
+          <a:chOff x="0" y="0"/>
+          <a:chExt cx="0" cy="0"/>
+        </a:xfrm>
+      </p:grpSpPr>
+      <p:sp>
+        <p:nvSpPr>
+          <p:cNvPr id="2" name="Titel 1"/>
+          <p:cNvSpPr>
+            <a:spLocks noGrp="1"/>
+          </p:cNvSpPr>
+          <p:nvPr>
+            <p:ph type="title"/>
+          </p:nvPr>
+        </p:nvSpPr>
+        <p:spPr/>
+        <p:txBody>
+          <a:bodyPr>
+            <a:normAutofit fontScale="90000"/>
+          </a:bodyPr>
+          <a:lstStyle/>
+          <a:p>
+            <a:r>
+              <a:rPr lang="de-DE" dirty="0" smtClean="0"/>
+              <a:t>Was sind Bad </a:t>
+            </a:r>
+            <a:r>
+              <a:rPr lang="de-DE" dirty="0" err="1" smtClean="0"/>
+              <a:t>Smells</a:t>
+            </a:r>
+            <a:r>
+              <a:rPr lang="de-DE" dirty="0" smtClean="0"/>
+              <a:t> / Code </a:t>
+            </a:r>
+            <a:r>
+              <a:rPr lang="de-DE" dirty="0" err="1" smtClean="0"/>
+              <a:t>Smells</a:t>
+            </a:r>
+            <a:r>
+              <a:rPr lang="de-DE" dirty="0" smtClean="0"/>
+              <a:t>?</a:t>
+            </a:r>
+            <a:endParaRPr lang="de-DE" dirty="0"/>
+          </a:p>
+        </p:txBody>
+      </p:sp>
+      <p:sp>
+        <p:nvSpPr>
+          <p:cNvPr id="3" name="Inhaltsplatzhalter 2"/>
+          <p:cNvSpPr>
+            <a:spLocks noGrp="1"/>
+          </p:cNvSpPr>
+          <p:nvPr>
+            <p:ph idx="1"/>
+          </p:nvPr>
+        </p:nvSpPr>
+        <p:spPr/>
+        <p:txBody>
+          <a:bodyPr>
+            <a:normAutofit/>
+          </a:bodyPr>
+          <a:lstStyle/>
+          <a:p>
+            <a:pPr marL="0" indent="0">
+              <a:buNone/>
+            </a:pPr>
+            <a:r>
+              <a:rPr lang="de-DE" sz="3600" dirty="0" smtClean="0"/>
+              <a:t>Vorschläge?</a:t>
+            </a:r>
+            <a:endParaRPr lang="de-DE" sz="3600" dirty="0" smtClean="0"/>
+          </a:p>
+          <a:p>
+            <a:pPr marL="0" indent="0">
+              <a:buNone/>
+            </a:pPr>
+            <a:r>
+              <a:rPr lang="de-DE" sz="3600" dirty="0" smtClean="0"/>
+              <a:t>Kennt </a:t>
+            </a:r>
+            <a:r>
+              <a:rPr lang="de-DE" sz="3600" dirty="0" smtClean="0"/>
+              <a:t>ihr Beispiele für Bad </a:t>
+            </a:r>
+            <a:r>
+              <a:rPr lang="de-DE" sz="3600" dirty="0" err="1" smtClean="0"/>
+              <a:t>Smells</a:t>
+            </a:r>
+            <a:r>
+              <a:rPr lang="de-DE" sz="3600" dirty="0" smtClean="0"/>
+              <a:t>?</a:t>
+            </a:r>
+          </a:p>
+          <a:p>
+            <a:pPr marL="0" indent="0">
+              <a:buNone/>
+            </a:pPr>
+            <a:r>
+              <a:rPr lang="de-DE" sz="2400" dirty="0" smtClean="0"/>
+              <a:t>Bad </a:t>
+            </a:r>
+            <a:r>
+              <a:rPr lang="de-DE" sz="2400" dirty="0" err="1" smtClean="0"/>
+              <a:t>Smells</a:t>
+            </a:r>
+            <a:r>
+              <a:rPr lang="de-DE" sz="2400" dirty="0" smtClean="0"/>
+              <a:t> und </a:t>
+            </a:r>
+            <a:r>
+              <a:rPr lang="de-DE" sz="2400" dirty="0" err="1" smtClean="0"/>
+              <a:t>Refactorings</a:t>
+            </a:r>
+            <a:r>
+              <a:rPr lang="de-DE" sz="2400" dirty="0" smtClean="0"/>
+              <a:t> </a:t>
+            </a:r>
+            <a:r>
+              <a:rPr lang="de-DE" sz="2400" dirty="0"/>
+              <a:t>online: </a:t>
+            </a:r>
+            <a:r>
+              <a:rPr lang="de-DE" sz="2400" dirty="0">
+                <a:hlinkClick r:id="rId2"/>
+              </a:rPr>
+              <a:t>http://sourcemaking.com/refactoring</a:t>
+            </a:r>
+            <a:endParaRPr lang="de-DE" sz="2400" dirty="0"/>
+          </a:p>
+          <a:p>
+            <a:pPr marL="0" indent="0">
+              <a:buNone/>
+            </a:pPr>
+            <a:r>
+              <a:rPr lang="de-DE" sz="2400" dirty="0">
+                <a:hlinkClick r:id="rId3"/>
+              </a:rPr>
+              <a:t>http://sourcemaking.com/refactoring/bad-smells-in-code</a:t>
+            </a:r>
+            <a:endParaRPr lang="de-DE" sz="2400" dirty="0"/>
+          </a:p>
+          <a:p>
+            <a:pPr marL="0" indent="0">
+              <a:buNone/>
+            </a:pPr>
+            <a:endParaRPr lang="de-DE" sz="3600" dirty="0" smtClean="0"/>
+          </a:p>
+          <a:p>
+            <a:pPr marL="0" indent="0">
+              <a:buNone/>
+            </a:pPr>
+            <a:r>
+              <a:rPr lang="de-DE" sz="3600" dirty="0" smtClean="0"/>
+              <a:t>Wozu </a:t>
+            </a:r>
+            <a:r>
+              <a:rPr lang="de-DE" sz="3600" dirty="0" smtClean="0"/>
+              <a:t>dienen Bad </a:t>
+            </a:r>
+            <a:r>
+              <a:rPr lang="de-DE" sz="3600" dirty="0" err="1" smtClean="0"/>
+              <a:t>Smells</a:t>
+            </a:r>
+            <a:r>
+              <a:rPr lang="de-DE" sz="3600" dirty="0" smtClean="0"/>
+              <a:t>?</a:t>
+            </a:r>
+            <a:endParaRPr lang="de-DE" sz="3600" dirty="0"/>
+          </a:p>
+        </p:txBody>
+      </p:sp>
+      <p:pic>
+        <p:nvPicPr>
+          <p:cNvPr id="1026" name="Picture 2" descr="http://sr.photos3.fotosearch.com/bthumb/CSP/CSP229/k2296409.jpg"/>
+          <p:cNvPicPr>
+            <a:picLocks noChangeAspect="1" noChangeArrowheads="1"/>
+          </p:cNvPicPr>
+          <p:nvPr/>
+        </p:nvPicPr>
+        <p:blipFill>
+          <a:blip r:embed="rId4">
+            <a:extLst>
+              <a:ext uri="{28A0092B-C50C-407E-A947-70E740481C1C}">
+                <a14:useLocalDpi xmlns:a14="http://schemas.microsoft.com/office/drawing/2010/main" val="0"/>
+              </a:ext>
+            </a:extLst>
+          </a:blip>
+          <a:srcRect/>
+          <a:stretch>
+            <a:fillRect/>
+          </a:stretch>
+        </p:blipFill>
+        <p:spPr bwMode="auto">
+          <a:xfrm flipH="1">
+            <a:off x="6539395" y="3645024"/>
+            <a:ext cx="2088232" cy="2350991"/>
+          </a:xfrm>
+          <a:prstGeom prst="rect">
+            <a:avLst/>
+          </a:prstGeom>
+          <a:noFill/>
+          <a:extLst>
+            <a:ext uri="{909E8E84-426E-40DD-AFC4-6F175D3DCCD1}">
+              <a14:hiddenFill xmlns:a14="http://schemas.microsoft.com/office/drawing/2010/main">
+                <a:solidFill>
+                  <a:srgbClr val="FFFFFF"/>
+                </a:solidFill>
+              </a14:hiddenFill>
+            </a:ext>
+          </a:extLst>
+        </p:spPr>
+      </p:pic>
+      <p:sp>
+        <p:nvSpPr>
+          <p:cNvPr id="4" name="Abgerundetes Rechteck 3"/>
+          <p:cNvSpPr/>
+          <p:nvPr/>
+        </p:nvSpPr>
+        <p:spPr>
+          <a:xfrm rot="492780">
+            <a:off x="2825495" y="5255124"/>
+            <a:ext cx="4470124" cy="1072692"/>
+          </a:xfrm>
+          <a:prstGeom prst="roundRect">
+            <a:avLst/>
+          </a:prstGeom>
+          <a:solidFill>
+            <a:schemeClr val="bg1"/>
+          </a:solidFill>
+        </p:spPr>
+        <p:style>
+          <a:lnRef idx="2">
+            <a:schemeClr val="accent1">
+              <a:shade val="50000"/>
+            </a:schemeClr>
+          </a:lnRef>
+          <a:fillRef idx="1">
+            <a:schemeClr val="accent1"/>
+          </a:fillRef>
+          <a:effectRef idx="0">
+            <a:schemeClr val="accent1"/>
+          </a:effectRef>
+          <a:fontRef idx="minor">
+            <a:schemeClr val="lt1"/>
+          </a:fontRef>
+        </p:style>
+        <p:txBody>
+          <a:bodyPr rtlCol="0" anchor="ctr"/>
+          <a:lstStyle/>
+          <a:p>
+            <a:pPr algn="ctr"/>
+            <a:r>
+              <a:rPr lang="de-DE" sz="3600" dirty="0" err="1" smtClean="0">
+                <a:solidFill>
+                  <a:schemeClr val="tx2"/>
+                </a:solidFill>
+              </a:rPr>
+              <a:t>If</a:t>
+            </a:r>
+            <a:r>
+              <a:rPr lang="de-DE" sz="3600" dirty="0" smtClean="0">
+                <a:solidFill>
+                  <a:schemeClr val="tx2"/>
+                </a:solidFill>
+              </a:rPr>
+              <a:t> </a:t>
+            </a:r>
+            <a:r>
+              <a:rPr lang="de-DE" sz="3600" dirty="0" err="1" smtClean="0">
+                <a:solidFill>
+                  <a:schemeClr val="tx2"/>
+                </a:solidFill>
+              </a:rPr>
+              <a:t>it</a:t>
+            </a:r>
+            <a:r>
+              <a:rPr lang="de-DE" sz="3600" dirty="0" smtClean="0">
+                <a:solidFill>
+                  <a:schemeClr val="tx2"/>
+                </a:solidFill>
+              </a:rPr>
+              <a:t> </a:t>
+            </a:r>
+            <a:r>
+              <a:rPr lang="de-DE" sz="3600" dirty="0" err="1" smtClean="0">
+                <a:solidFill>
+                  <a:schemeClr val="tx2"/>
+                </a:solidFill>
+              </a:rPr>
+              <a:t>smells</a:t>
+            </a:r>
+            <a:r>
+              <a:rPr lang="de-DE" sz="3600" dirty="0" smtClean="0">
+                <a:solidFill>
+                  <a:schemeClr val="tx2"/>
+                </a:solidFill>
+              </a:rPr>
+              <a:t>, </a:t>
+            </a:r>
+            <a:r>
+              <a:rPr lang="de-DE" sz="3600" dirty="0" err="1" smtClean="0">
+                <a:solidFill>
+                  <a:schemeClr val="tx2"/>
+                </a:solidFill>
+              </a:rPr>
+              <a:t>change</a:t>
+            </a:r>
+            <a:r>
+              <a:rPr lang="de-DE" sz="3600" dirty="0" smtClean="0">
+                <a:solidFill>
+                  <a:schemeClr val="tx2"/>
+                </a:solidFill>
+              </a:rPr>
+              <a:t> </a:t>
+            </a:r>
+            <a:r>
+              <a:rPr lang="de-DE" sz="3600" dirty="0" err="1" smtClean="0">
+                <a:solidFill>
+                  <a:schemeClr val="tx2"/>
+                </a:solidFill>
+              </a:rPr>
+              <a:t>it!</a:t>
+            </a:r>
+            <a:endParaRPr lang="de-DE" sz="3600" dirty="0" smtClean="0">
+              <a:solidFill>
+                <a:schemeClr val="tx2"/>
+              </a:solidFill>
+            </a:endParaRPr>
+          </a:p>
+          <a:p>
+            <a:pPr algn="ctr"/>
+            <a:r>
+              <a:rPr lang="de-DE" sz="3600" dirty="0" smtClean="0">
+                <a:solidFill>
+                  <a:schemeClr val="tx2"/>
+                </a:solidFill>
+                <a:sym typeface="Wingdings" panose="05000000000000000000" pitchFamily="2" charset="2"/>
+              </a:rPr>
+              <a:t> </a:t>
+            </a:r>
+            <a:r>
+              <a:rPr lang="de-DE" sz="3600" dirty="0" err="1" smtClean="0">
+                <a:solidFill>
+                  <a:schemeClr val="tx2"/>
+                </a:solidFill>
+                <a:sym typeface="Wingdings" panose="05000000000000000000" pitchFamily="2" charset="2"/>
+              </a:rPr>
+              <a:t>Refactor</a:t>
+            </a:r>
+            <a:r>
+              <a:rPr lang="de-DE" sz="3600" dirty="0" smtClean="0">
+                <a:solidFill>
+                  <a:schemeClr val="tx2"/>
+                </a:solidFill>
+                <a:sym typeface="Wingdings" panose="05000000000000000000" pitchFamily="2" charset="2"/>
+              </a:rPr>
+              <a:t>!</a:t>
+            </a:r>
+            <a:endParaRPr lang="de-DE" sz="3600" dirty="0">
+              <a:solidFill>
+                <a:schemeClr val="tx2"/>
+              </a:solidFill>
+            </a:endParaRPr>
+          </a:p>
+        </p:txBody>
+      </p:sp>
+    </p:spTree>
+    <p:extLst>
+      <p:ext uri="{BB962C8B-B14F-4D97-AF65-F5344CB8AC3E}">
+        <p14:creationId xmlns:p14="http://schemas.microsoft.com/office/powerpoint/2010/main" val="911094547"/>
+      </p:ext>
+    </p:extLst>
+  </p:cSld>
+  <p:clrMapOvr>
+    <a:masterClrMapping/>
+  </p:clrMapOvr>
+  <p:timing>
+    <p:tnLst>
+      <p:par>
+        <p:cTn id="1" dur="indefinite" restart="never" nodeType="tmRoot">
+          <p:childTnLst>
+            <p:seq concurrent="1" nextAc="seek">
+              <p:cTn id="2" dur="indefinite" nodeType="mainSeq">
+                <p:childTnLst>
+                  <p:par>
+                    <p:cTn id="3" fill="hold">
+                      <p:stCondLst>
+                        <p:cond delay="indefinite"/>
+                      </p:stCondLst>
+                      <p:childTnLst>
+                        <p:par>
+                          <p:cTn id="4" fill="hold">
+                            <p:stCondLst>
+                              <p:cond delay="0"/>
+                            </p:stCondLst>
+                            <p:childTnLst>
+                              <p:par>
+                                <p:cTn id="5" presetID="1" presetClass="entr" presetSubtype="0" fill="hold" nodeType="clickEffect">
+                                  <p:stCondLst>
+                                    <p:cond delay="0"/>
+                                  </p:stCondLst>
+                                  <p:childTnLst>
+                                    <p:set>
+                                      <p:cBhvr>
+                                        <p:cTn id="6" dur="1" fill="hold">
+                                          <p:stCondLst>
+                                            <p:cond delay="0"/>
+                                          </p:stCondLst>
+                                        </p:cTn>
+                                        <p:tgtEl>
+                                          <p:spTgt spid="3">
+                                            <p:txEl>
+                                              <p:pRg st="1" end="1"/>
+                                            </p:txEl>
+                                          </p:spTgt>
+                                        </p:tgtEl>
+                                        <p:attrNameLst>
+                                          <p:attrName>style.visibility</p:attrName>
+                                        </p:attrNameLst>
+                                      </p:cBhvr>
+                                      <p:to>
+                                        <p:strVal val="visible"/>
+                                      </p:to>
+                                    </p:set>
+                                  </p:childTnLst>
+                                </p:cTn>
+                              </p:par>
+                            </p:childTnLst>
+                          </p:cTn>
+                        </p:par>
+                      </p:childTnLst>
+                    </p:cTn>
+                  </p:par>
+                  <p:par>
+                    <p:cTn id="7" fill="hold">
+                      <p:stCondLst>
+                        <p:cond delay="indefinite"/>
+                      </p:stCondLst>
+                      <p:childTnLst>
+                        <p:par>
+                          <p:cTn id="8" fill="hold">
+                            <p:stCondLst>
+                              <p:cond delay="0"/>
+                            </p:stCondLst>
+                            <p:childTnLst>
+                              <p:par>
+                                <p:cTn id="9" presetID="1" presetClass="entr" presetSubtype="0" fill="hold" nodeType="clickEffect">
+                                  <p:stCondLst>
+                                    <p:cond delay="0"/>
+                                  </p:stCondLst>
+                                  <p:childTnLst>
+                                    <p:set>
+                                      <p:cBhvr>
+                                        <p:cTn id="10" dur="1" fill="hold">
+                                          <p:stCondLst>
+                                            <p:cond delay="0"/>
+                                          </p:stCondLst>
+                                        </p:cTn>
+                                        <p:tgtEl>
+                                          <p:spTgt spid="3">
+                                            <p:txEl>
+                                              <p:pRg st="2" end="2"/>
+                                            </p:txEl>
+                                          </p:spTgt>
+                                        </p:tgtEl>
+                                        <p:attrNameLst>
+                                          <p:attrName>style.visibility</p:attrName>
+                                        </p:attrNameLst>
+                                      </p:cBhvr>
+                                      <p:to>
+                                        <p:strVal val="visible"/>
+                                      </p:to>
+                                    </p:set>
+                                  </p:childTnLst>
+                                </p:cTn>
+                              </p:par>
+                              <p:par>
+                                <p:cTn id="11" presetID="1" presetClass="entr" presetSubtype="0" fill="hold" nodeType="withEffect">
+                                  <p:stCondLst>
+                                    <p:cond delay="0"/>
+                                  </p:stCondLst>
+                                  <p:childTnLst>
+                                    <p:set>
+                                      <p:cBhvr>
+                                        <p:cTn id="12" dur="1" fill="hold">
+                                          <p:stCondLst>
+                                            <p:cond delay="0"/>
+                                          </p:stCondLst>
+                                        </p:cTn>
+                                        <p:tgtEl>
+                                          <p:spTgt spid="3">
+                                            <p:txEl>
+                                              <p:pRg st="3" end="3"/>
+                                            </p:txEl>
+                                          </p:spTgt>
+                                        </p:tgtEl>
+                                        <p:attrNameLst>
+                                          <p:attrName>style.visibility</p:attrName>
+                                        </p:attrNameLst>
+                                      </p:cBhvr>
+                                      <p:to>
+                                        <p:strVal val="visible"/>
+                                      </p:to>
+                                    </p:set>
+                                  </p:childTnLst>
+                                </p:cTn>
+                              </p:par>
+                            </p:childTnLst>
+                          </p:cTn>
+                        </p:par>
+                      </p:childTnLst>
+                    </p:cTn>
+                  </p:par>
+                  <p:par>
+                    <p:cTn id="13" fill="hold">
+                      <p:stCondLst>
+                        <p:cond delay="indefinite"/>
+                      </p:stCondLst>
+                      <p:childTnLst>
+                        <p:par>
+                          <p:cTn id="14" fill="hold">
+                            <p:stCondLst>
+                              <p:cond delay="0"/>
+                            </p:stCondLst>
+                            <p:childTnLst>
+                              <p:par>
+                                <p:cTn id="15" presetID="1" presetClass="entr" presetSubtype="0" fill="hold" nodeType="clickEffect">
+                                  <p:stCondLst>
+                                    <p:cond delay="0"/>
+                                  </p:stCondLst>
+                                  <p:childTnLst>
+                                    <p:set>
+                                      <p:cBhvr>
+                                        <p:cTn id="16" dur="1" fill="hold">
+                                          <p:stCondLst>
+                                            <p:cond delay="0"/>
+                                          </p:stCondLst>
+                                        </p:cTn>
+                                        <p:tgtEl>
+                                          <p:spTgt spid="3">
+                                            <p:txEl>
+                                              <p:pRg st="5" end="5"/>
+                                            </p:txEl>
+                                          </p:spTgt>
+                                        </p:tgtEl>
+                                        <p:attrNameLst>
+                                          <p:attrName>style.visibility</p:attrName>
+                                        </p:attrNameLst>
+                                      </p:cBhvr>
+                                      <p:to>
+                                        <p:strVal val="visible"/>
+                                      </p:to>
+                                    </p:set>
+                                  </p:childTnLst>
+                                </p:cTn>
+                              </p:par>
+                            </p:childTnLst>
+                          </p:cTn>
+                        </p:par>
+                      </p:childTnLst>
+                    </p:cTn>
+                  </p:par>
+                  <p:par>
+                    <p:cTn id="17" fill="hold">
+                      <p:stCondLst>
+                        <p:cond delay="indefinite"/>
+                      </p:stCondLst>
+                      <p:childTnLst>
+                        <p:par>
+                          <p:cTn id="18" fill="hold">
+                            <p:stCondLst>
+                              <p:cond delay="0"/>
+                            </p:stCondLst>
+                            <p:childTnLst>
+                              <p:par>
+                                <p:cTn id="19" presetID="1" presetClass="entr" presetSubtype="0" fill="hold" nodeType="clickEffect">
+                                  <p:stCondLst>
+                                    <p:cond delay="0"/>
+                                  </p:stCondLst>
+                                  <p:childTnLst>
+                                    <p:set>
+                                      <p:cBhvr>
+                                        <p:cTn id="20" dur="1" fill="hold">
+                                          <p:stCondLst>
+                                            <p:cond delay="0"/>
+                                          </p:stCondLst>
+                                        </p:cTn>
+                                        <p:tgtEl>
+                                          <p:spTgt spid="1026"/>
+                                        </p:tgtEl>
+                                        <p:attrNameLst>
+                                          <p:attrName>style.visibility</p:attrName>
+                                        </p:attrNameLst>
+                                      </p:cBhvr>
+                                      <p:to>
+                                        <p:strVal val="visible"/>
+                                      </p:to>
+                                    </p:set>
+                                  </p:childTnLst>
+                                </p:cTn>
+                              </p:par>
+                              <p:par>
+                                <p:cTn id="21" presetID="1" presetClass="entr" presetSubtype="0" fill="hold" grpId="0" nodeType="withEffect">
+                                  <p:stCondLst>
+                                    <p:cond delay="0"/>
+                                  </p:stCondLst>
+                                  <p:childTnLst>
+                                    <p:set>
+                                      <p:cBhvr>
+                                        <p:cTn id="22" dur="1" fill="hold">
+                                          <p:stCondLst>
+                                            <p:cond delay="0"/>
+                                          </p:stCondLst>
+                                        </p:cTn>
+                                        <p:tgtEl>
+                                          <p:spTgt spid="4"/>
+                                        </p:tgtEl>
+                                        <p:attrNameLst>
+                                          <p:attrName>style.visibility</p:attrName>
+                                        </p:attrNameLst>
+                                      </p:cBhvr>
+                                      <p:to>
+                                        <p:strVal val="visible"/>
+                                      </p:to>
+                                    </p:set>
+                                  </p:childTnLst>
+                                </p:cTn>
+                              </p:par>
+                            </p:childTnLst>
+                          </p:cTn>
+                        </p:par>
+                      </p:childTnLst>
+                    </p:cTn>
+                  </p:par>
+                </p:childTnLst>
+              </p:cTn>
+              <p:prevCondLst>
+                <p:cond evt="onPrev" delay="0">
+                  <p:tgtEl>
+                    <p:sldTgt/>
+                  </p:tgtEl>
+                </p:cond>
+              </p:prevCondLst>
+              <p:nextCondLst>
+                <p:cond evt="onNext" delay="0">
+                  <p:tgtEl>
+                    <p:sldTgt/>
+                  </p:tgtEl>
+                </p:cond>
+              </p:nextCondLst>
+            </p:seq>
+          </p:childTnLst>
+        </p:cTn>
+      </p:par>
+    </p:tnLst>
+    <p:bldLst>
+      <p:bldP spid="4" grpId="0" animBg="1"/>
+    </p:bldLst>
+  </p:timing>
+</p:sld>
+</file>
+
+<file path=ppt/slides/slide6.xml><?xml version="1.0" encoding="utf-8"?>
+<p:sld xmlns:a="http://schemas.openxmlformats.org/drawingml/2006/main" xmlns:r="http://schemas.openxmlformats.org/officeDocument/2006/relationships" xmlns:p="http://schemas.openxmlformats.org/presentationml/2006/main">
+  <p:cSld>
+    <p:spTree>
+      <p:nvGrpSpPr>
+        <p:cNvPr id="1" name=""/>
+        <p:cNvGrpSpPr/>
+        <p:nvPr/>
+      </p:nvGrpSpPr>
+      <p:grpSpPr>
+        <a:xfrm>
+          <a:off x="0" y="0"/>
+          <a:ext cx="0" cy="0"/>
+          <a:chOff x="0" y="0"/>
+          <a:chExt cx="0" cy="0"/>
+        </a:xfrm>
+      </p:grpSpPr>
+      <p:sp>
+        <p:nvSpPr>
+          <p:cNvPr id="2" name="Titel 1"/>
+          <p:cNvSpPr>
+            <a:spLocks noGrp="1"/>
+          </p:cNvSpPr>
+          <p:nvPr>
+            <p:ph type="title"/>
+          </p:nvPr>
+        </p:nvSpPr>
+        <p:spPr/>
+        <p:txBody>
+          <a:bodyPr>
+            <a:normAutofit fontScale="90000"/>
+          </a:bodyPr>
+          <a:lstStyle/>
+          <a:p>
+            <a:r>
+              <a:rPr lang="de-DE" dirty="0" smtClean="0"/>
+              <a:t>Nächste </a:t>
+            </a:r>
+            <a:r>
+              <a:rPr lang="de-DE" dirty="0" smtClean="0"/>
+              <a:t>Schritte</a:t>
+            </a:r>
+            <a:endParaRPr lang="de-DE" dirty="0"/>
+          </a:p>
+        </p:txBody>
+      </p:sp>
+      <p:sp>
+        <p:nvSpPr>
+          <p:cNvPr id="3" name="Inhaltsplatzhalter 2"/>
+          <p:cNvSpPr>
+            <a:spLocks noGrp="1"/>
+          </p:cNvSpPr>
+          <p:nvPr>
+            <p:ph idx="1"/>
+          </p:nvPr>
+        </p:nvSpPr>
+        <p:spPr/>
+        <p:txBody>
+          <a:bodyPr>
+            <a:normAutofit/>
+          </a:bodyPr>
+          <a:lstStyle/>
+          <a:p>
+            <a:pPr marL="514350" indent="-514350">
+              <a:buFont typeface="+mj-lt"/>
+              <a:buAutoNum type="arabicPeriod"/>
+            </a:pPr>
+            <a:r>
+              <a:rPr lang="de-DE" sz="2800" dirty="0" smtClean="0">
+                <a:solidFill>
+                  <a:schemeClr val="bg1">
+                    <a:lumMod val="65000"/>
+                  </a:schemeClr>
+                </a:solidFill>
+              </a:rPr>
+              <a:t>Begriffe klären (ca. 20 Min.)</a:t>
+            </a:r>
+          </a:p>
+          <a:p>
+            <a:pPr lvl="1"/>
+            <a:r>
+              <a:rPr lang="de-DE" sz="2400" dirty="0" smtClean="0">
+                <a:solidFill>
+                  <a:schemeClr val="bg1">
+                    <a:lumMod val="65000"/>
+                  </a:schemeClr>
+                </a:solidFill>
+              </a:rPr>
+              <a:t>Was ist </a:t>
+            </a:r>
+            <a:r>
+              <a:rPr lang="de-DE" sz="2400" dirty="0" err="1" smtClean="0">
+                <a:solidFill>
+                  <a:schemeClr val="bg1">
+                    <a:lumMod val="65000"/>
+                  </a:schemeClr>
+                </a:solidFill>
+              </a:rPr>
+              <a:t>Refactoring</a:t>
+            </a:r>
+            <a:r>
+              <a:rPr lang="de-DE" sz="2400" dirty="0" smtClean="0">
+                <a:solidFill>
+                  <a:schemeClr val="bg1">
+                    <a:lumMod val="65000"/>
+                  </a:schemeClr>
+                </a:solidFill>
+              </a:rPr>
+              <a:t>?</a:t>
+            </a:r>
+          </a:p>
+          <a:p>
+            <a:pPr lvl="1"/>
+            <a:r>
+              <a:rPr lang="de-DE" sz="2400" dirty="0" smtClean="0">
+                <a:solidFill>
+                  <a:schemeClr val="bg1">
+                    <a:lumMod val="65000"/>
+                  </a:schemeClr>
+                </a:solidFill>
+              </a:rPr>
+              <a:t>Was sind Bad </a:t>
+            </a:r>
+            <a:r>
+              <a:rPr lang="de-DE" sz="2400" dirty="0" err="1" smtClean="0">
+                <a:solidFill>
+                  <a:schemeClr val="bg1">
+                    <a:lumMod val="65000"/>
+                  </a:schemeClr>
+                </a:solidFill>
+              </a:rPr>
+              <a:t>Smells</a:t>
+            </a:r>
+            <a:r>
+              <a:rPr lang="de-DE" sz="2400" dirty="0" smtClean="0">
+                <a:solidFill>
+                  <a:schemeClr val="bg1">
+                    <a:lumMod val="65000"/>
+                  </a:schemeClr>
+                </a:solidFill>
+              </a:rPr>
+              <a:t>?</a:t>
+            </a:r>
+          </a:p>
+          <a:p>
+            <a:pPr marL="514350" indent="-514350">
+              <a:buFont typeface="+mj-lt"/>
+              <a:buAutoNum type="arabicPeriod"/>
+            </a:pPr>
+            <a:r>
+              <a:rPr lang="de-DE" sz="2800" dirty="0" err="1" smtClean="0"/>
+              <a:t>Refactoring</a:t>
+            </a:r>
+            <a:r>
+              <a:rPr lang="de-DE" sz="2800" dirty="0" smtClean="0"/>
+              <a:t> des bisherigen Codes</a:t>
+            </a:r>
+            <a:br>
+              <a:rPr lang="de-DE" sz="2800" dirty="0" smtClean="0"/>
+            </a:br>
+            <a:r>
+              <a:rPr lang="de-DE" sz="2800" dirty="0" smtClean="0"/>
+              <a:t>(ca. 45 Min., bis max. 17:15 Uhr)</a:t>
+            </a:r>
+            <a:endParaRPr lang="de-DE" sz="2800" dirty="0" smtClean="0"/>
+          </a:p>
+          <a:p>
+            <a:pPr marL="514350" indent="-514350">
+              <a:buFont typeface="+mj-lt"/>
+              <a:buAutoNum type="arabicPeriod"/>
+            </a:pPr>
+            <a:r>
+              <a:rPr lang="de-DE" sz="2800" dirty="0" smtClean="0"/>
+              <a:t>Vergleich </a:t>
+            </a:r>
+            <a:r>
+              <a:rPr lang="de-DE" sz="2800" dirty="0" smtClean="0"/>
+              <a:t>der anderen Lösungen miteinander </a:t>
+            </a:r>
+            <a:br>
+              <a:rPr lang="de-DE" sz="2800" dirty="0" smtClean="0"/>
+            </a:br>
+            <a:r>
+              <a:rPr lang="de-DE" sz="2800" dirty="0" smtClean="0"/>
+              <a:t>(ca. 30 Min.)</a:t>
+            </a:r>
+            <a:endParaRPr lang="de-DE" sz="2800" dirty="0" smtClean="0"/>
+          </a:p>
+          <a:p>
+            <a:pPr marL="514350" indent="-514350">
+              <a:buFont typeface="+mj-lt"/>
+              <a:buAutoNum type="arabicPeriod"/>
+            </a:pPr>
+            <a:r>
+              <a:rPr lang="de-DE" sz="2800" dirty="0" smtClean="0"/>
+              <a:t>Ausblick und </a:t>
+            </a:r>
+            <a:r>
+              <a:rPr lang="de-DE" sz="2800" dirty="0" smtClean="0"/>
+              <a:t>Retrospektive</a:t>
+            </a:r>
+            <a:br>
+              <a:rPr lang="de-DE" sz="2800" dirty="0" smtClean="0"/>
+            </a:br>
+            <a:r>
+              <a:rPr lang="de-DE" sz="2800" dirty="0" smtClean="0"/>
+              <a:t>(15 Min.)</a:t>
+            </a:r>
+            <a:endParaRPr lang="de-DE" sz="2800" dirty="0" smtClean="0"/>
+          </a:p>
+          <a:p>
+            <a:endParaRPr lang="de-DE" sz="2800" dirty="0"/>
+          </a:p>
+        </p:txBody>
+      </p:sp>
+    </p:spTree>
+    <p:extLst>
+      <p:ext uri="{BB962C8B-B14F-4D97-AF65-F5344CB8AC3E}">
+        <p14:creationId xmlns:p14="http://schemas.microsoft.com/office/powerpoint/2010/main" val="2754333817"/>
+      </p:ext>
+    </p:extLst>
+  </p:cSld>
+  <p:clrMapOvr>
+    <a:masterClrMapping/>
+  </p:clrMapOvr>
+  <p:timing>
+    <p:tnLst>
+      <p:par>
+        <p:cTn id="1" dur="indefinite" restart="never" nodeType="tmRoot"/>
+      </p:par>
+    </p:tnLst>
+  </p:timing>
+</p:sld>
+</file>
+
+<file path=ppt/slides/slide7.xml><?xml version="1.0" encoding="utf-8"?>
+<p:sld xmlns:a="http://schemas.openxmlformats.org/drawingml/2006/main" xmlns:r="http://schemas.openxmlformats.org/officeDocument/2006/relationships" xmlns:p="http://schemas.openxmlformats.org/presentationml/2006/main">
+  <p:cSld>
+    <p:spTree>
+      <p:nvGrpSpPr>
+        <p:cNvPr id="1" name=""/>
+        <p:cNvGrpSpPr/>
+        <p:nvPr/>
+      </p:nvGrpSpPr>
+      <p:grpSpPr>
+        <a:xfrm>
+          <a:off x="0" y="0"/>
+          <a:ext cx="0" cy="0"/>
+          <a:chOff x="0" y="0"/>
+          <a:chExt cx="0" cy="0"/>
+        </a:xfrm>
+      </p:grpSpPr>
+      <p:sp>
+        <p:nvSpPr>
+          <p:cNvPr id="2" name="Titel 1"/>
+          <p:cNvSpPr>
+            <a:spLocks noGrp="1"/>
+          </p:cNvSpPr>
+          <p:nvPr>
+            <p:ph type="title"/>
+          </p:nvPr>
+        </p:nvSpPr>
+        <p:spPr/>
+        <p:txBody>
+          <a:bodyPr>
+            <a:normAutofit fontScale="90000"/>
+          </a:bodyPr>
+          <a:lstStyle/>
+          <a:p>
+            <a:r>
+              <a:rPr lang="de-DE" dirty="0" smtClean="0"/>
+              <a:t>Letzter Stand</a:t>
+            </a:r>
+            <a:endParaRPr lang="de-DE" dirty="0"/>
+          </a:p>
+        </p:txBody>
+      </p:sp>
+      <p:sp>
+        <p:nvSpPr>
+          <p:cNvPr id="3" name="Inhaltsplatzhalter 2"/>
+          <p:cNvSpPr>
+            <a:spLocks noGrp="1"/>
+          </p:cNvSpPr>
+          <p:nvPr>
+            <p:ph idx="1"/>
+          </p:nvPr>
+        </p:nvSpPr>
+        <p:spPr>
+          <a:xfrm>
+            <a:off x="457200" y="1844824"/>
+            <a:ext cx="2962672" cy="4281339"/>
+          </a:xfrm>
+        </p:spPr>
+        <p:txBody>
+          <a:bodyPr>
+            <a:normAutofit lnSpcReduction="10000"/>
+          </a:bodyPr>
+          <a:lstStyle/>
+          <a:p>
+            <a:r>
+              <a:rPr lang="de-DE" sz="2800" dirty="0" smtClean="0"/>
+              <a:t>Code wieder kompilierbar</a:t>
+            </a:r>
+          </a:p>
+          <a:p>
+            <a:r>
+              <a:rPr lang="de-DE" sz="2800" dirty="0" smtClean="0"/>
+              <a:t>Parser- &amp;</a:t>
+            </a:r>
+            <a:br>
+              <a:rPr lang="de-DE" sz="2800" dirty="0" smtClean="0"/>
+            </a:br>
+            <a:r>
+              <a:rPr lang="de-DE" sz="2800" dirty="0" smtClean="0"/>
+              <a:t>Rechner-Code getrennt</a:t>
+            </a:r>
+          </a:p>
+          <a:p>
+            <a:endParaRPr lang="de-DE" sz="2800" dirty="0" smtClean="0"/>
+          </a:p>
+          <a:p>
+            <a:r>
+              <a:rPr lang="de-DE" sz="2800" dirty="0" smtClean="0"/>
+              <a:t>Außerdem 2 weitere </a:t>
+            </a:r>
+            <a:r>
+              <a:rPr lang="de-DE" sz="2800" dirty="0" smtClean="0"/>
+              <a:t>Lösungen zum Vergleich</a:t>
+            </a:r>
+          </a:p>
+          <a:p>
+            <a:pPr marL="0" indent="0">
+              <a:buNone/>
+            </a:pPr>
+            <a:endParaRPr lang="de-DE" sz="2800" dirty="0"/>
+          </a:p>
+        </p:txBody>
+      </p:sp>
+      <p:pic>
+        <p:nvPicPr>
+          <p:cNvPr id="1026" name="Picture 2" descr="C:\work\Git-Repositories\Coding Dojo - itbastianAtGitHub\CodingDojoDPA-CodingDojoPilot\CodingDojoDPA\StringCalculator\doc\Classes Overview.png"/>
+          <p:cNvPicPr>
+            <a:picLocks noChangeAspect="1" noChangeArrowheads="1"/>
+          </p:cNvPicPr>
+          <p:nvPr/>
+        </p:nvPicPr>
+        <p:blipFill>
+          <a:blip r:embed="rId2">
+            <a:extLst>
+              <a:ext uri="{28A0092B-C50C-407E-A947-70E740481C1C}">
+                <a14:useLocalDpi xmlns:a14="http://schemas.microsoft.com/office/drawing/2010/main" val="0"/>
+              </a:ext>
+            </a:extLst>
+          </a:blip>
+          <a:srcRect/>
+          <a:stretch>
+            <a:fillRect/>
+          </a:stretch>
+        </p:blipFill>
+        <p:spPr bwMode="auto">
+          <a:xfrm>
+            <a:off x="3275856" y="1412776"/>
+            <a:ext cx="5811887" cy="5321728"/>
+          </a:xfrm>
+          <a:prstGeom prst="rect">
+            <a:avLst/>
+          </a:prstGeom>
+          <a:noFill/>
+          <a:extLst>
+            <a:ext uri="{909E8E84-426E-40DD-AFC4-6F175D3DCCD1}">
+              <a14:hiddenFill xmlns:a14="http://schemas.microsoft.com/office/drawing/2010/main">
+                <a:solidFill>
+                  <a:srgbClr val="FFFFFF"/>
+                </a:solidFill>
+              </a14:hiddenFill>
+            </a:ext>
+          </a:extLst>
+        </p:spPr>
+      </p:pic>
+      <p:sp>
+        <p:nvSpPr>
+          <p:cNvPr id="5" name="Abgerundetes Rechteck 4"/>
+          <p:cNvSpPr/>
+          <p:nvPr/>
+        </p:nvSpPr>
+        <p:spPr>
+          <a:xfrm rot="307552">
+            <a:off x="272512" y="867633"/>
+            <a:ext cx="3944972" cy="646505"/>
+          </a:xfrm>
+          <a:prstGeom prst="roundRect">
+            <a:avLst/>
+          </a:prstGeom>
+          <a:solidFill>
+            <a:schemeClr val="bg1"/>
+          </a:solidFill>
+        </p:spPr>
+        <p:style>
+          <a:lnRef idx="2">
+            <a:schemeClr val="accent1">
+              <a:shade val="50000"/>
+            </a:schemeClr>
+          </a:lnRef>
+          <a:fillRef idx="1">
+            <a:schemeClr val="accent1"/>
+          </a:fillRef>
+          <a:effectRef idx="0">
+            <a:schemeClr val="accent1"/>
+          </a:effectRef>
+          <a:fontRef idx="minor">
+            <a:schemeClr val="lt1"/>
+          </a:fontRef>
+        </p:style>
+        <p:txBody>
+          <a:bodyPr rtlCol="0" anchor="ctr"/>
+          <a:lstStyle/>
+          <a:p>
+            <a:pPr algn="ctr"/>
+            <a:r>
+              <a:rPr lang="de-DE" sz="3200" dirty="0" smtClean="0">
+                <a:solidFill>
+                  <a:schemeClr val="tx2"/>
+                </a:solidFill>
+              </a:rPr>
+              <a:t>Was bisher geschah…</a:t>
+            </a:r>
+            <a:endParaRPr lang="de-DE" sz="3200" dirty="0">
+              <a:solidFill>
+                <a:schemeClr val="tx2"/>
+              </a:solidFill>
+            </a:endParaRPr>
+          </a:p>
+        </p:txBody>
+      </p:sp>
+    </p:spTree>
+    <p:extLst>
+      <p:ext uri="{BB962C8B-B14F-4D97-AF65-F5344CB8AC3E}">
+        <p14:creationId xmlns:p14="http://schemas.microsoft.com/office/powerpoint/2010/main" val="2074821492"/>
+      </p:ext>
+    </p:extLst>
+  </p:cSld>
+  <p:clrMapOvr>
+    <a:masterClrMapping/>
+  </p:clrMapOvr>
+  <p:timing>
+    <p:tnLst>
+      <p:par>
+        <p:cTn id="1" dur="indefinite" restart="never" nodeType="tmRoot">
+          <p:childTnLst>
+            <p:seq concurrent="1" nextAc="seek">
+              <p:cTn id="2" dur="indefinite" nodeType="mainSeq">
+                <p:childTnLst>
+                  <p:par>
+                    <p:cTn id="3" fill="hold">
+                      <p:stCondLst>
+                        <p:cond delay="indefinite"/>
+                      </p:stCondLst>
+                      <p:childTnLst>
+                        <p:par>
+                          <p:cTn id="4" fill="hold">
+                            <p:stCondLst>
+                              <p:cond delay="0"/>
+                            </p:stCondLst>
+                            <p:childTnLst>
+                              <p:par>
+                                <p:cTn id="5" presetID="1" presetClass="entr" presetSubtype="0" fill="hold" grpId="0" nodeType="clickEffect">
+                                  <p:stCondLst>
+                                    <p:cond delay="0"/>
+                                  </p:stCondLst>
+                                  <p:childTnLst>
+                                    <p:set>
+                                      <p:cBhvr>
+                                        <p:cTn id="6" dur="1" fill="hold">
+                                          <p:stCondLst>
+                                            <p:cond delay="0"/>
+                                          </p:stCondLst>
+                                        </p:cTn>
+                                        <p:tgtEl>
+                                          <p:spTgt spid="3">
+                                            <p:txEl>
+                                              <p:pRg st="0" end="0"/>
+                                            </p:txEl>
+                                          </p:spTgt>
+                                        </p:tgtEl>
+                                        <p:attrNameLst>
+                                          <p:attrName>style.visibility</p:attrName>
+                                        </p:attrNameLst>
+                                      </p:cBhvr>
+                                      <p:to>
+                                        <p:strVal val="visible"/>
+                                      </p:to>
+                                    </p:set>
+                                  </p:childTnLst>
+                                </p:cTn>
+                              </p:par>
+                              <p:par>
+                                <p:cTn id="7" presetID="1" presetClass="entr" presetSubtype="0" fill="hold" grpId="0" nodeType="withEffect">
+                                  <p:stCondLst>
+                                    <p:cond delay="0"/>
+                                  </p:stCondLst>
+                                  <p:childTnLst>
+                                    <p:set>
+                                      <p:cBhvr>
+                                        <p:cTn id="8" dur="1" fill="hold">
+                                          <p:stCondLst>
+                                            <p:cond delay="0"/>
+                                          </p:stCondLst>
+                                        </p:cTn>
+                                        <p:tgtEl>
+                                          <p:spTgt spid="3">
+                                            <p:txEl>
+                                              <p:pRg st="1" end="1"/>
+                                            </p:txEl>
+                                          </p:spTgt>
+                                        </p:tgtEl>
+                                        <p:attrNameLst>
+                                          <p:attrName>style.visibility</p:attrName>
+                                        </p:attrNameLst>
+                                      </p:cBhvr>
+                                      <p:to>
+                                        <p:strVal val="visible"/>
+                                      </p:to>
+                                    </p:set>
+                                  </p:childTnLst>
+                                </p:cTn>
+                              </p:par>
+                              <p:par>
+                                <p:cTn id="9" presetID="1" presetClass="entr" presetSubtype="0" fill="hold" grpId="0" nodeType="withEffect">
+                                  <p:stCondLst>
+                                    <p:cond delay="0"/>
+                                  </p:stCondLst>
+                                  <p:childTnLst>
+                                    <p:set>
+                                      <p:cBhvr>
+                                        <p:cTn id="10" dur="1" fill="hold">
+                                          <p:stCondLst>
+                                            <p:cond delay="0"/>
+                                          </p:stCondLst>
+                                        </p:cTn>
+                                        <p:tgtEl>
+                                          <p:spTgt spid="3">
+                                            <p:txEl>
+                                              <p:pRg st="3" end="3"/>
+                                            </p:txEl>
+                                          </p:spTgt>
+                                        </p:tgtEl>
+                                        <p:attrNameLst>
+                                          <p:attrName>style.visibility</p:attrName>
+                                        </p:attrNameLst>
+                                      </p:cBhvr>
+                                      <p:to>
+                                        <p:strVal val="visible"/>
+                                      </p:to>
+                                    </p:set>
+                                  </p:childTnLst>
+                                </p:cTn>
+                              </p:par>
+                              <p:par>
+                                <p:cTn id="11" presetID="1" presetClass="entr" presetSubtype="0" fill="hold" nodeType="withEffect">
+                                  <p:stCondLst>
+                                    <p:cond delay="0"/>
+                                  </p:stCondLst>
+                                  <p:childTnLst>
+                                    <p:set>
+                                      <p:cBhvr>
+                                        <p:cTn id="12" dur="1" fill="hold">
+                                          <p:stCondLst>
+                                            <p:cond delay="0"/>
+                                          </p:stCondLst>
+                                        </p:cTn>
+                                        <p:tgtEl>
+                                          <p:spTgt spid="1026"/>
+                                        </p:tgtEl>
+                                        <p:attrNameLst>
+                                          <p:attrName>style.visibility</p:attrName>
+                                        </p:attrNameLst>
+                                      </p:cBhvr>
+                                      <p:to>
+                                        <p:strVal val="visible"/>
+                                      </p:to>
+                                    </p:set>
+                                  </p:childTnLst>
+                                </p:cTn>
+                              </p:par>
+                            </p:childTnLst>
+                          </p:cTn>
+                        </p:par>
+                      </p:childTnLst>
+                    </p:cTn>
+                  </p:par>
+                </p:childTnLst>
+              </p:cTn>
+              <p:prevCondLst>
+                <p:cond evt="onPrev" delay="0">
+                  <p:tgtEl>
+                    <p:sldTgt/>
+                  </p:tgtEl>
+                </p:cond>
+              </p:prevCondLst>
+              <p:nextCondLst>
+                <p:cond evt="onNext" delay="0">
+                  <p:tgtEl>
+                    <p:sldTgt/>
+                  </p:tgtEl>
+                </p:cond>
+              </p:nextCondLst>
+            </p:seq>
+          </p:childTnLst>
+        </p:cTn>
+      </p:par>
+    </p:tnLst>
+    <p:bldLst>
+      <p:bldP spid="3" grpId="0" build="p"/>
+    </p:bldLst>
+  </p:timing>
+</p:sld>
+</file>
+
 <file path=ppt/slides/slide8.xml><?xml version="1.0" encoding="utf-8"?>
 <p:sld xmlns:a="http://schemas.openxmlformats.org/drawingml/2006/main" xmlns:r="http://schemas.openxmlformats.org/officeDocument/2006/relationships" xmlns:p="http://schemas.openxmlformats.org/presentationml/2006/main">
   <p:cSld>
@@ -5529,7 +7778,7 @@
             </a:pPr>
             <a:r>
               <a:rPr lang="de-DE" dirty="0" smtClean="0"/>
-              <a:t>Zusätzliche Anforderung:</a:t>
+              <a:t>Entwickelt eine Taschenrechner-Anwendung mit folgenden Eigenschaften:</a:t>
             </a:r>
           </a:p>
           <a:p>
@@ -5538,47 +7787,76 @@
             </a:pPr>
             <a:r>
               <a:rPr lang="de-DE" dirty="0" smtClean="0"/>
-              <a:t>3. Die Methode </a:t>
-            </a:r>
-            <a:r>
-              <a:rPr lang="de-DE" dirty="0" err="1" smtClean="0"/>
+              <a:t>1. Rechner hat Methode </a:t>
+            </a:r>
+            <a:r>
+              <a:rPr lang="de-DE" dirty="0" err="1" smtClean="0">
+                <a:latin typeface="Courier New" panose="02070309020205020404" pitchFamily="49" charset="0"/>
+                <a:cs typeface="Courier New" panose="02070309020205020404" pitchFamily="49" charset="0"/>
+              </a:rPr>
               <a:t>add</a:t>
             </a:r>
             <a:r>
+              <a:rPr lang="de-DE" dirty="0" smtClean="0">
+                <a:latin typeface="Courier New" panose="02070309020205020404" pitchFamily="49" charset="0"/>
+                <a:cs typeface="Courier New" panose="02070309020205020404" pitchFamily="49" charset="0"/>
+              </a:rPr>
+              <a:t>(</a:t>
+            </a:r>
+            <a:r>
+              <a:rPr lang="de-DE" dirty="0" err="1" smtClean="0">
+                <a:latin typeface="Courier New" panose="02070309020205020404" pitchFamily="49" charset="0"/>
+                <a:cs typeface="Courier New" panose="02070309020205020404" pitchFamily="49" charset="0"/>
+              </a:rPr>
+              <a:t>numbers</a:t>
+            </a:r>
+            <a:r>
+              <a:rPr lang="de-DE" dirty="0" smtClean="0">
+                <a:latin typeface="Courier New" panose="02070309020205020404" pitchFamily="49" charset="0"/>
+                <a:cs typeface="Courier New" panose="02070309020205020404" pitchFamily="49" charset="0"/>
+              </a:rPr>
+              <a:t>: String): </a:t>
+            </a:r>
+            <a:r>
+              <a:rPr lang="de-DE" dirty="0" err="1" smtClean="0">
+                <a:latin typeface="Courier New" panose="02070309020205020404" pitchFamily="49" charset="0"/>
+                <a:cs typeface="Courier New" panose="02070309020205020404" pitchFamily="49" charset="0"/>
+              </a:rPr>
+              <a:t>int</a:t>
+            </a:r>
+            <a:endParaRPr lang="de-DE" dirty="0" smtClean="0">
+              <a:latin typeface="Courier New" panose="02070309020205020404" pitchFamily="49" charset="0"/>
+              <a:cs typeface="Courier New" panose="02070309020205020404" pitchFamily="49" charset="0"/>
+            </a:endParaRPr>
+          </a:p>
+          <a:p>
+            <a:pPr lvl="1"/>
+            <a:r>
               <a:rPr lang="de-DE" dirty="0" smtClean="0"/>
-              <a:t> soll Zeilenumbrüche statt der Kommas als </a:t>
-            </a:r>
-            <a:r>
-              <a:rPr lang="de-DE" dirty="0" err="1" smtClean="0"/>
-              <a:t>Trenner</a:t>
+              <a:t>Sie nimmt 0, 1 oder </a:t>
+            </a:r>
+            <a:r>
+              <a:rPr lang="de-DE" dirty="0"/>
+              <a:t>2 Zahlen Komma-separiert entgegen </a:t>
             </a:r>
             <a:r>
               <a:rPr lang="de-DE" dirty="0" smtClean="0"/>
-              <a:t> zwischen eingegebenen Zahlen erlauben.</a:t>
+              <a:t>und gibt ihre Summe zurück.</a:t>
             </a:r>
             <a:br>
               <a:rPr lang="de-DE" dirty="0" smtClean="0"/>
             </a:br>
             <a:r>
-              <a:rPr lang="de-DE" dirty="0"/>
-              <a:t>Bsp</a:t>
-            </a:r>
-            <a:r>
               <a:rPr lang="de-DE" dirty="0" smtClean="0"/>
-              <a:t>.:</a:t>
-            </a:r>
-          </a:p>
-          <a:p>
-            <a:r>
-              <a:rPr lang="de-DE" dirty="0" smtClean="0"/>
-              <a:t>gültige Eingabe: „1\n2,3“</a:t>
-            </a:r>
-          </a:p>
-          <a:p>
-            <a:r>
-              <a:rPr lang="de-DE" dirty="0" smtClean="0"/>
-              <a:t>Ungültige Eingabe: „1,\n“ (muss hier nicht speziell behandelt werden)</a:t>
-            </a:r>
+              <a:t>Eingaben: „“ oder „1“ oder „1,2“</a:t>
+            </a:r>
+          </a:p>
+          <a:p>
+            <a:pPr marL="514350" indent="-514350">
+              <a:buFont typeface="+mj-lt"/>
+              <a:buAutoNum type="arabicPeriod"/>
+            </a:pPr>
+            <a:endParaRPr lang="de-DE" dirty="0" smtClean="0"/>
           </a:p>
         </p:txBody>
       </p:sp>
@@ -5590,7 +7868,7 @@
         </p:nvSpPr>
         <p:spPr>
           <a:xfrm rot="21114850">
-            <a:off x="6002621" y="5015152"/>
+            <a:off x="5975728" y="4367081"/>
             <a:ext cx="2122235" cy="655870"/>
           </a:xfrm>
           <a:prstGeom prst="roundRect">
@@ -5629,18 +7907,13 @@
               </a:rPr>
               <a:t>erledigt</a:t>
             </a:r>
-            <a:endParaRPr lang="de-DE" sz="3600" dirty="0" smtClean="0">
-              <a:solidFill>
-                <a:schemeClr val="tx2"/>
-              </a:solidFill>
-            </a:endParaRPr>
           </a:p>
         </p:txBody>
       </p:sp>
     </p:spTree>
     <p:extLst>
       <p:ext uri="{BB962C8B-B14F-4D97-AF65-F5344CB8AC3E}">
-        <p14:creationId xmlns:p14="http://schemas.microsoft.com/office/powerpoint/2010/main" val="3345074588"/>
+        <p14:creationId xmlns:p14="http://schemas.microsoft.com/office/powerpoint/2010/main" val="2940747982"/>
       </p:ext>
     </p:extLst>
   </p:cSld>
@@ -5804,52 +8077,19 @@
             </a:pPr>
             <a:r>
               <a:rPr lang="de-DE" dirty="0"/>
-              <a:t>4</a:t>
+              <a:t>2</a:t>
             </a:r>
             <a:r>
               <a:rPr lang="de-DE" dirty="0" smtClean="0"/>
-              <a:t>. Trennzeichen sollen frei wählbar sein.</a:t>
-            </a:r>
-          </a:p>
-          <a:p>
-            <a:pPr lvl="1"/>
+              <a:t>. Die Methode </a:t>
+            </a:r>
+            <a:r>
+              <a:rPr lang="de-DE" dirty="0" err="1" smtClean="0"/>
+              <a:t>add</a:t>
+            </a:r>
             <a:r>
               <a:rPr lang="de-DE" dirty="0" smtClean="0"/>
-              <a:t>Zum Ändern des Trennzeichens soll der Eingabestring mit einer zusätzlichen Zeile beginnen, die wie </a:t>
-            </a:r>
-            <a:r>
-              <a:rPr lang="de-DE" dirty="0"/>
-              <a:t>folgt aussieht:</a:t>
-            </a:r>
-            <a:br>
-              <a:rPr lang="de-DE" dirty="0"/>
-            </a:br>
-            <a:r>
-              <a:rPr lang="de-DE" dirty="0" smtClean="0"/>
-              <a:t>„//[</a:t>
-            </a:r>
-            <a:r>
-              <a:rPr lang="de-DE" dirty="0" err="1"/>
-              <a:t>delimiter</a:t>
-            </a:r>
-            <a:r>
-              <a:rPr lang="de-DE" dirty="0"/>
-              <a:t>]\n[</a:t>
-            </a:r>
-            <a:r>
-              <a:rPr lang="de-DE" dirty="0" err="1"/>
-              <a:t>numbers</a:t>
-            </a:r>
-            <a:r>
-              <a:rPr lang="de-DE" dirty="0" smtClean="0"/>
-              <a:t>…]“, Bsp.: „//;\n1;2“</a:t>
-            </a:r>
-          </a:p>
-          <a:p>
-            <a:pPr lvl="1"/>
-            <a:r>
-              <a:rPr lang="de-DE" dirty="0" smtClean="0"/>
-              <a:t>Die Zeile zum Bestimmen des Trennzeichens soll optional sein.</a:t>
+              <a:t> soll eine beliebige Anzahl von Zahlen entgegennehmen können.</a:t>
             </a:r>
           </a:p>
         </p:txBody>
@@ -5862,7 +8102,7 @@
         </p:nvSpPr>
         <p:spPr>
           <a:xfrm rot="21114850">
-            <a:off x="5975728" y="4655112"/>
+            <a:off x="5975728" y="4367081"/>
             <a:ext cx="2122235" cy="655870"/>
           </a:xfrm>
           <a:prstGeom prst="roundRect">
@@ -5901,18 +8141,13 @@
               </a:rPr>
               <a:t>erledigt</a:t>
             </a:r>
-            <a:endParaRPr lang="de-DE" sz="3600" dirty="0" smtClean="0">
-              <a:solidFill>
-                <a:schemeClr val="tx2"/>
-              </a:solidFill>
-            </a:endParaRPr>
           </a:p>
         </p:txBody>
       </p:sp>
     </p:spTree>
     <p:extLst>
       <p:ext uri="{BB962C8B-B14F-4D97-AF65-F5344CB8AC3E}">
-        <p14:creationId xmlns:p14="http://schemas.microsoft.com/office/powerpoint/2010/main" val="1616037980"/>
+        <p14:creationId xmlns:p14="http://schemas.microsoft.com/office/powerpoint/2010/main" val="2514873725"/>
       </p:ext>
     </p:extLst>
   </p:cSld>
